--- a/presentations/ew_fp_js_slides.pptx
+++ b/presentations/ew_fp_js_slides.pptx
@@ -15,6 +15,9 @@
     <p:sldId id="262" r:id="rId10"/>
     <p:sldId id="263" r:id="rId11"/>
     <p:sldId id="264" r:id="rId12"/>
+    <p:sldId id="265" r:id="rId13"/>
+    <p:sldId id="266" r:id="rId14"/>
+    <p:sldId id="267" r:id="rId15"/>
   </p:sldIdLst>
   <p:sldSz cx="10080625" cy="7559675"/>
   <p:notesSz cx="7559675" cy="10691812"/>
@@ -2711,7 +2714,7 @@
         <p:spPr>
           <a:xfrm>
             <a:off x="0" y="4320000"/>
-            <a:ext cx="503280" cy="1079280"/>
+            <a:ext cx="502920" cy="1078920"/>
           </a:xfrm>
           <a:prstGeom prst="rect">
             <a:avLst/>
@@ -2742,8 +2745,8 @@
         </p:nvSpPr>
         <p:spPr>
           <a:xfrm>
-            <a:off x="720000" y="300960"/>
-            <a:ext cx="8854920" cy="1261800"/>
+            <a:off x="504000" y="301320"/>
+            <a:ext cx="9072000" cy="1261800"/>
           </a:xfrm>
           <a:prstGeom prst="rect">
             <a:avLst/>
@@ -2752,13 +2755,14 @@
         <p:txBody>
           <a:bodyPr lIns="0" rIns="0" tIns="0" bIns="0" anchor="ctr"/>
           <a:p>
-            <a:r>
-              <a:rPr b="0" lang="en-US" sz="1800" spc="-1" strike="noStrike">
+            <a:pPr algn="ctr"/>
+            <a:r>
+              <a:rPr b="0" lang="en-US" sz="4400" spc="-1" strike="noStrike">
                 <a:latin typeface="Arial"/>
               </a:rPr>
               <a:t>Click to edit the title text format</a:t>
             </a:r>
-            <a:endParaRPr b="0" lang="en-US" sz="1800" spc="-1" strike="noStrike">
+            <a:endParaRPr b="0" lang="en-US" sz="4400" spc="-1" strike="noStrike">
               <a:latin typeface="Arial"/>
             </a:endParaRPr>
           </a:p>
@@ -2776,8 +2780,8 @@
         </p:nvSpPr>
         <p:spPr>
           <a:xfrm>
-            <a:off x="720000" y="2160000"/>
-            <a:ext cx="8639280" cy="4384080"/>
+            <a:off x="504000" y="1768680"/>
+            <a:ext cx="9072000" cy="4384080"/>
           </a:xfrm>
           <a:prstGeom prst="rect">
             <a:avLst/>
@@ -2800,12 +2804,12 @@
               <a:buChar char=""/>
             </a:pPr>
             <a:r>
-              <a:rPr b="0" lang="en-US" sz="1800" spc="-1" strike="noStrike">
+              <a:rPr b="0" lang="en-US" sz="3200" spc="-1" strike="noStrike">
                 <a:latin typeface="Arial"/>
               </a:rPr>
               <a:t>Click to edit the outline text format</a:t>
             </a:r>
-            <a:endParaRPr b="0" lang="en-US" sz="1800" spc="-1" strike="noStrike">
+            <a:endParaRPr b="0" lang="en-US" sz="3200" spc="-1" strike="noStrike">
               <a:latin typeface="Arial"/>
             </a:endParaRPr>
           </a:p>
@@ -2822,12 +2826,12 @@
               <a:buChar char=""/>
             </a:pPr>
             <a:r>
-              <a:rPr b="0" lang="en-US" sz="1800" spc="-1" strike="noStrike">
+              <a:rPr b="0" lang="en-US" sz="2800" spc="-1" strike="noStrike">
                 <a:latin typeface="Arial"/>
               </a:rPr>
               <a:t>Second Outline Level</a:t>
             </a:r>
-            <a:endParaRPr b="0" lang="en-US" sz="1800" spc="-1" strike="noStrike">
+            <a:endParaRPr b="0" lang="en-US" sz="2800" spc="-1" strike="noStrike">
               <a:latin typeface="Arial"/>
             </a:endParaRPr>
           </a:p>
@@ -2844,12 +2848,12 @@
               <a:buChar char=""/>
             </a:pPr>
             <a:r>
-              <a:rPr b="0" lang="en-US" sz="1800" spc="-1" strike="noStrike">
+              <a:rPr b="0" lang="en-US" sz="2400" spc="-1" strike="noStrike">
                 <a:latin typeface="Arial"/>
               </a:rPr>
               <a:t>Third Outline Level</a:t>
             </a:r>
-            <a:endParaRPr b="0" lang="en-US" sz="1800" spc="-1" strike="noStrike">
+            <a:endParaRPr b="0" lang="en-US" sz="2400" spc="-1" strike="noStrike">
               <a:latin typeface="Arial"/>
             </a:endParaRPr>
           </a:p>
@@ -2866,12 +2870,12 @@
               <a:buChar char=""/>
             </a:pPr>
             <a:r>
-              <a:rPr b="0" lang="en-US" sz="1800" spc="-1" strike="noStrike">
+              <a:rPr b="0" lang="en-US" sz="2000" spc="-1" strike="noStrike">
                 <a:latin typeface="Arial"/>
               </a:rPr>
               <a:t>Fourth Outline Level</a:t>
             </a:r>
-            <a:endParaRPr b="0" lang="en-US" sz="1800" spc="-1" strike="noStrike">
+            <a:endParaRPr b="0" lang="en-US" sz="2000" spc="-1" strike="noStrike">
               <a:latin typeface="Arial"/>
             </a:endParaRPr>
           </a:p>
@@ -2888,12 +2892,12 @@
               <a:buChar char=""/>
             </a:pPr>
             <a:r>
-              <a:rPr b="0" lang="en-US" sz="1800" spc="-1" strike="noStrike">
+              <a:rPr b="0" lang="en-US" sz="2000" spc="-1" strike="noStrike">
                 <a:latin typeface="Arial"/>
               </a:rPr>
               <a:t>Fifth Outline Level</a:t>
             </a:r>
-            <a:endParaRPr b="0" lang="en-US" sz="1800" spc="-1" strike="noStrike">
+            <a:endParaRPr b="0" lang="en-US" sz="2000" spc="-1" strike="noStrike">
               <a:latin typeface="Arial"/>
             </a:endParaRPr>
           </a:p>
@@ -2910,12 +2914,12 @@
               <a:buChar char=""/>
             </a:pPr>
             <a:r>
-              <a:rPr b="0" lang="en-US" sz="1800" spc="-1" strike="noStrike">
+              <a:rPr b="0" lang="en-US" sz="2000" spc="-1" strike="noStrike">
                 <a:latin typeface="Arial"/>
               </a:rPr>
               <a:t>Sixth Outline Level</a:t>
             </a:r>
-            <a:endParaRPr b="0" lang="en-US" sz="1800" spc="-1" strike="noStrike">
+            <a:endParaRPr b="0" lang="en-US" sz="2000" spc="-1" strike="noStrike">
               <a:latin typeface="Arial"/>
             </a:endParaRPr>
           </a:p>
@@ -2932,12 +2936,12 @@
               <a:buChar char=""/>
             </a:pPr>
             <a:r>
-              <a:rPr b="0" lang="en-US" sz="1800" spc="-1" strike="noStrike">
+              <a:rPr b="0" lang="en-US" sz="2000" spc="-1" strike="noStrike">
                 <a:latin typeface="Arial"/>
               </a:rPr>
               <a:t>Seventh Outline Level</a:t>
             </a:r>
-            <a:endParaRPr b="0" lang="en-US" sz="1800" spc="-1" strike="noStrike">
+            <a:endParaRPr b="0" lang="en-US" sz="2000" spc="-1" strike="noStrike">
               <a:latin typeface="Arial"/>
             </a:endParaRPr>
           </a:p>
@@ -2989,7 +2993,7 @@
         <p:spPr>
           <a:xfrm>
             <a:off x="0" y="288000"/>
-            <a:ext cx="503280" cy="1079280"/>
+            <a:ext cx="502920" cy="1078920"/>
           </a:xfrm>
           <a:prstGeom prst="rect">
             <a:avLst/>
@@ -3268,7 +3272,7 @@
         <p:spPr>
           <a:xfrm>
             <a:off x="792000" y="3993480"/>
-            <a:ext cx="8567280" cy="1660680"/>
+            <a:ext cx="8566920" cy="1660320"/>
           </a:xfrm>
           <a:prstGeom prst="rect">
             <a:avLst/>
@@ -3319,7 +3323,7 @@
         <p:spPr>
           <a:xfrm>
             <a:off x="792000" y="5904000"/>
-            <a:ext cx="8567280" cy="981720"/>
+            <a:ext cx="8566920" cy="981360"/>
           </a:xfrm>
           <a:prstGeom prst="rect">
             <a:avLst/>
@@ -3391,7 +3395,7 @@
 </p:sld>
 </file>
 
-<file path=ppt/slides/slide2.xml><?xml version="1.0" encoding="utf-8"?>
+<file path=ppt/slides/slide10.xml><?xml version="1.0" encoding="utf-8"?>
 <p:sld xmlns:a="http://schemas.openxmlformats.org/drawingml/2006/main" xmlns:p="http://schemas.openxmlformats.org/presentationml/2006/main" xmlns:r="http://schemas.openxmlformats.org/officeDocument/2006/relationships" xmlns:p14="http://schemas.microsoft.com/office/powerpoint/2010/main" xmlns:p15="http://schemas.microsoft.com/office/powerpoint/2012/main" xmlns:mc="http://schemas.openxmlformats.org/markup-compatibility/2006">
   <p:cSld>
     <p:spTree>
@@ -3410,14 +3414,14 @@
       </p:grpSpPr>
       <p:sp>
         <p:nvSpPr>
-          <p:cNvPr id="80" name="CustomShape 1"/>
+          <p:cNvPr id="109" name="CustomShape 1"/>
           <p:cNvSpPr/>
           <p:nvPr/>
         </p:nvSpPr>
         <p:spPr>
           <a:xfrm>
             <a:off x="720000" y="300960"/>
-            <a:ext cx="8854920" cy="1261800"/>
+            <a:ext cx="8854560" cy="1261440"/>
           </a:xfrm>
           <a:prstGeom prst="rect">
             <a:avLst/>
@@ -3442,38 +3446,65 @@
               </a:lnSpc>
             </a:pPr>
             <a:r>
-              <a:rPr b="1" lang="en-US" sz="3600" spc="-1" strike="noStrike">
-                <a:solidFill>
-                  <a:srgbClr val="333333"/>
-                </a:solidFill>
-                <a:latin typeface="Noto Sans Regular"/>
-                <a:ea typeface="DejaVu Sans"/>
-              </a:rPr>
-              <a:t>Pure functions accept something and return something else</a:t>
-            </a:r>
-            <a:endParaRPr b="0" lang="en-US" sz="3600" spc="-1" strike="noStrike">
-              <a:latin typeface="Arial"/>
-            </a:endParaRPr>
-          </a:p>
-        </p:txBody>
-      </p:sp>
-      <p:sp>
-        <p:nvSpPr>
-          <p:cNvPr id="81" name="CustomShape 2"/>
+              <a:rPr b="1" lang="en-US" sz="2800" spc="-1" strike="noStrike">
+                <a:solidFill>
+                  <a:srgbClr val="333333"/>
+                </a:solidFill>
+                <a:latin typeface="Noto Sans Regular"/>
+                <a:ea typeface="DejaVu Sans"/>
+              </a:rPr>
+              <a:t>Everything done so far will disappoint just like any other program</a:t>
+            </a:r>
+            <a:endParaRPr b="0" lang="en-US" sz="2800" spc="-1" strike="noStrike">
+              <a:latin typeface="Arial"/>
+            </a:endParaRPr>
+          </a:p>
+        </p:txBody>
+      </p:sp>
+      <p:pic>
+        <p:nvPicPr>
+          <p:cNvPr id="110" name="" descr=""/>
+          <p:cNvPicPr/>
+          <p:nvPr/>
+        </p:nvPicPr>
+        <p:blipFill>
+          <a:blip r:embed="rId1"/>
+          <a:stretch/>
+        </p:blipFill>
+        <p:spPr>
+          <a:xfrm>
+            <a:off x="6636240" y="3216960"/>
+            <a:ext cx="3297240" cy="2774880"/>
+          </a:xfrm>
+          <a:prstGeom prst="rect">
+            <a:avLst/>
+          </a:prstGeom>
+          <a:ln>
+            <a:noFill/>
+          </a:ln>
+        </p:spPr>
+      </p:pic>
+      <p:sp>
+        <p:nvSpPr>
+          <p:cNvPr id="111" name="CustomShape 2"/>
           <p:cNvSpPr/>
           <p:nvPr/>
         </p:nvSpPr>
         <p:spPr>
           <a:xfrm>
-            <a:off x="720000" y="1908000"/>
-            <a:ext cx="8639280" cy="4384080"/>
-          </a:xfrm>
-          <a:prstGeom prst="rect">
-            <a:avLst/>
-          </a:prstGeom>
-          <a:noFill/>
+            <a:off x="914400" y="5943600"/>
+            <a:ext cx="8411400" cy="1004760"/>
+          </a:xfrm>
+          <a:prstGeom prst="rect">
+            <a:avLst/>
+          </a:prstGeom>
+          <a:solidFill>
+            <a:srgbClr val="729fcf"/>
+          </a:solidFill>
           <a:ln>
-            <a:noFill/>
+            <a:solidFill>
+              <a:srgbClr val="3465a4"/>
+            </a:solidFill>
           </a:ln>
         </p:spPr>
         <p:style>
@@ -3483,9 +3514,91 @@
           <a:fontRef idx="minor"/>
         </p:style>
         <p:txBody>
+          <a:bodyPr wrap="none" lIns="90000" rIns="90000" tIns="45000" bIns="45000" anchor="ctr"/>
+          <a:p>
+            <a:pPr algn="ctr">
+              <a:lnSpc>
+                <a:spcPct val="100000"/>
+              </a:lnSpc>
+            </a:pPr>
+            <a:r>
+              <a:rPr b="1" lang="en-US" sz="2600" spc="-1" strike="noStrike">
+                <a:solidFill>
+                  <a:srgbClr val="ffffff"/>
+                </a:solidFill>
+                <a:latin typeface="Arial"/>
+                <a:ea typeface="DejaVu Sans"/>
+              </a:rPr>
+              <a:t>Computations in the real world</a:t>
+            </a:r>
+            <a:endParaRPr b="0" lang="en-US" sz="2600" spc="-1" strike="noStrike">
+              <a:latin typeface="Arial"/>
+            </a:endParaRPr>
+          </a:p>
+          <a:p>
+            <a:pPr algn="ctr">
+              <a:lnSpc>
+                <a:spcPct val="100000"/>
+              </a:lnSpc>
+            </a:pPr>
+            <a:r>
+              <a:rPr b="1" lang="en-US" sz="2600" spc="-1" strike="noStrike">
+                <a:solidFill>
+                  <a:srgbClr val="ffffff"/>
+                </a:solidFill>
+                <a:latin typeface="Arial"/>
+                <a:ea typeface="DejaVu Sans"/>
+              </a:rPr>
+              <a:t>are more than just mixing up ingredients </a:t>
+            </a:r>
+            <a:endParaRPr b="0" lang="en-US" sz="2600" spc="-1" strike="noStrike">
+              <a:latin typeface="Arial"/>
+            </a:endParaRPr>
+          </a:p>
+        </p:txBody>
+      </p:sp>
+      <p:sp>
+        <p:nvSpPr>
+          <p:cNvPr id="112" name="CustomShape 3"/>
+          <p:cNvSpPr/>
+          <p:nvPr/>
+        </p:nvSpPr>
+        <p:spPr>
+          <a:xfrm>
+            <a:off x="290880" y="1725120"/>
+            <a:ext cx="9736200" cy="4383720"/>
+          </a:xfrm>
+          <a:prstGeom prst="rect">
+            <a:avLst/>
+          </a:prstGeom>
+          <a:noFill/>
+          <a:ln>
+            <a:noFill/>
+          </a:ln>
+        </p:spPr>
+        <p:style>
+          <a:lnRef idx="0"/>
+          <a:fillRef idx="0"/>
+          <a:effectRef idx="0"/>
+          <a:fontRef idx="minor"/>
+        </p:style>
+        <p:txBody>
           <a:bodyPr lIns="0" rIns="0" tIns="0" bIns="0"/>
           <a:p>
-            <a:pPr marL="432000" indent="-323280">
+            <a:pPr>
+              <a:lnSpc>
+                <a:spcPct val="100000"/>
+              </a:lnSpc>
+              <a:spcAft>
+                <a:spcPts val="1414"/>
+              </a:spcAft>
+            </a:pPr>
+            <a:endParaRPr b="0" lang="en-US" sz="1800" spc="-1" strike="noStrike">
+              <a:latin typeface="Arial"/>
+            </a:endParaRPr>
+          </a:p>
+          <a:p>
+            <a:pPr marL="432000" indent="-322920">
               <a:lnSpc>
                 <a:spcPct val="100000"/>
               </a:lnSpc>
@@ -3507,76 +3620,14 @@
                 <a:latin typeface="Noto Sans Regular"/>
                 <a:ea typeface="DejaVu Sans"/>
               </a:rPr>
-              <a:t>For example: string =&gt; its length</a:t>
+              <a:t>Results can be considered good or bad</a:t>
             </a:r>
             <a:endParaRPr b="0" lang="en-US" sz="2800" spc="-1" strike="noStrike">
               <a:latin typeface="Arial"/>
             </a:endParaRPr>
           </a:p>
           <a:p>
-            <a:pPr lvl="1" marL="864000" indent="-323280">
-              <a:lnSpc>
-                <a:spcPct val="100000"/>
-              </a:lnSpc>
-              <a:spcAft>
-                <a:spcPts val="1134"/>
-              </a:spcAft>
-              <a:buClr>
-                <a:srgbClr val="ef2929"/>
-              </a:buClr>
-              <a:buSzPct val="75000"/>
-              <a:buFont typeface="Symbol"/>
-              <a:buChar char=""/>
-            </a:pPr>
-            <a:r>
-              <a:rPr b="0" lang="en-US" sz="2800" spc="-1" strike="noStrike">
-                <a:solidFill>
-                  <a:srgbClr val="333333"/>
-                </a:solidFill>
-                <a:latin typeface="Noto Sans Regular"/>
-                <a:ea typeface="DejaVu Sans"/>
-              </a:rPr>
-              <a:t>function length is </a:t>
-            </a:r>
-            <a:r>
-              <a:rPr b="0" i="1" lang="en-US" sz="2800" spc="-1" strike="noStrike">
-                <a:solidFill>
-                  <a:srgbClr val="333333"/>
-                </a:solidFill>
-                <a:latin typeface="Noto Sans Regular"/>
-                <a:ea typeface="DejaVu Sans"/>
-              </a:rPr>
-              <a:t>applied</a:t>
-            </a:r>
-            <a:r>
-              <a:rPr b="0" lang="en-US" sz="2800" spc="-1" strike="noStrike">
-                <a:solidFill>
-                  <a:srgbClr val="333333"/>
-                </a:solidFill>
-                <a:latin typeface="Noto Sans Regular"/>
-                <a:ea typeface="DejaVu Sans"/>
-              </a:rPr>
-              <a:t> to a string</a:t>
-            </a:r>
-            <a:endParaRPr b="0" lang="en-US" sz="2800" spc="-1" strike="noStrike">
-              <a:latin typeface="Arial"/>
-            </a:endParaRPr>
-          </a:p>
-          <a:p>
-            <a:pPr>
-              <a:lnSpc>
-                <a:spcPct val="100000"/>
-              </a:lnSpc>
-              <a:spcAft>
-                <a:spcPts val="1414"/>
-              </a:spcAft>
-            </a:pPr>
-            <a:endParaRPr b="0" lang="en-US" sz="2800" spc="-1" strike="noStrike">
-              <a:latin typeface="Arial"/>
-            </a:endParaRPr>
-          </a:p>
-          <a:p>
-            <a:pPr marL="432000" indent="-323280">
+            <a:pPr marL="432000" indent="-322920">
               <a:lnSpc>
                 <a:spcPct val="100000"/>
               </a:lnSpc>
@@ -3598,66 +3649,14 @@
                 <a:latin typeface="Noto Sans Regular"/>
                 <a:ea typeface="DejaVu Sans"/>
               </a:rPr>
-              <a:t>Complex computations come mainly through </a:t>
-            </a:r>
-            <a:r>
-              <a:rPr b="1" lang="en-US" sz="2800" spc="-1" strike="noStrike">
-                <a:solidFill>
-                  <a:srgbClr val="333333"/>
-                </a:solidFill>
-                <a:latin typeface="Noto Sans Regular"/>
-                <a:ea typeface="DejaVu Sans"/>
-              </a:rPr>
-              <a:t>composition</a:t>
+              <a:t>Inconsistent input produces inconsistent output</a:t>
             </a:r>
             <a:endParaRPr b="0" lang="en-US" sz="2800" spc="-1" strike="noStrike">
               <a:latin typeface="Arial"/>
             </a:endParaRPr>
           </a:p>
           <a:p>
-            <a:pPr lvl="1" marL="864000" indent="-323280">
-              <a:lnSpc>
-                <a:spcPct val="100000"/>
-              </a:lnSpc>
-              <a:spcAft>
-                <a:spcPts val="1134"/>
-              </a:spcAft>
-              <a:buClr>
-                <a:srgbClr val="ef2929"/>
-              </a:buClr>
-              <a:buSzPct val="75000"/>
-              <a:buFont typeface="Symbol"/>
-              <a:buChar char=""/>
-            </a:pPr>
-            <a:r>
-              <a:rPr b="0" lang="en-US" sz="2800" spc="-1" strike="noStrike">
-                <a:solidFill>
-                  <a:srgbClr val="333333"/>
-                </a:solidFill>
-                <a:latin typeface="Noto Sans Regular"/>
-                <a:ea typeface="DejaVu Sans"/>
-              </a:rPr>
-              <a:t>(str =&gt; timesTwo(length(str)))(‘pippo’)</a:t>
-            </a:r>
-            <a:endParaRPr b="0" lang="en-US" sz="2800" spc="-1" strike="noStrike">
-              <a:latin typeface="Arial"/>
-            </a:endParaRPr>
-          </a:p>
-          <a:p>
-            <a:pPr>
-              <a:lnSpc>
-                <a:spcPct val="100000"/>
-              </a:lnSpc>
-              <a:spcAft>
-                <a:spcPts val="1134"/>
-              </a:spcAft>
-            </a:pPr>
-            <a:endParaRPr b="0" lang="en-US" sz="2800" spc="-1" strike="noStrike">
-              <a:latin typeface="Arial"/>
-            </a:endParaRPr>
-          </a:p>
-          <a:p>
-            <a:pPr marL="432000" indent="-323280">
+            <a:pPr marL="432000" indent="-322920">
               <a:lnSpc>
                 <a:spcPct val="100000"/>
               </a:lnSpc>
@@ -3679,46 +3678,26 @@
                 <a:latin typeface="Noto Sans Regular"/>
                 <a:ea typeface="DejaVu Sans"/>
               </a:rPr>
-              <a:t>Need </a:t>
-            </a:r>
-            <a:r>
-              <a:rPr b="1" lang="en-US" sz="2800" spc="-1" strike="noStrike">
-                <a:solidFill>
-                  <a:srgbClr val="333333"/>
-                </a:solidFill>
-                <a:latin typeface="Noto Sans Regular"/>
-                <a:ea typeface="DejaVu Sans"/>
-              </a:rPr>
-              <a:t>both</a:t>
-            </a:r>
-            <a:r>
-              <a:rPr b="0" lang="en-US" sz="2800" spc="-1" strike="noStrike">
-                <a:solidFill>
-                  <a:srgbClr val="333333"/>
-                </a:solidFill>
-                <a:latin typeface="Noto Sans Regular"/>
-                <a:ea typeface="DejaVu Sans"/>
-              </a:rPr>
-              <a:t> input and output:</a:t>
+              <a:t>Things happening during the computation</a:t>
             </a:r>
             <a:endParaRPr b="0" lang="en-US" sz="2800" spc="-1" strike="noStrike">
               <a:latin typeface="Arial"/>
             </a:endParaRPr>
           </a:p>
           <a:p>
-            <a:pPr lvl="1" marL="864000" indent="-323280">
+            <a:pPr marL="432000" indent="-322920">
               <a:lnSpc>
                 <a:spcPct val="100000"/>
               </a:lnSpc>
               <a:spcAft>
-                <a:spcPts val="1134"/>
+                <a:spcPts val="1414"/>
               </a:spcAft>
               <a:buClr>
                 <a:srgbClr val="ef2929"/>
               </a:buClr>
-              <a:buSzPct val="75000"/>
-              <a:buFont typeface="Symbol"/>
-              <a:buChar char=""/>
+              <a:buSzPct val="45000"/>
+              <a:buFont typeface="Wingdings" charset="2"/>
+              <a:buChar char=""/>
             </a:pPr>
             <a:r>
               <a:rPr b="0" lang="en-US" sz="2800" spc="-1" strike="noStrike">
@@ -3728,36 +3707,36 @@
                 <a:latin typeface="Noto Sans Regular"/>
                 <a:ea typeface="DejaVu Sans"/>
               </a:rPr>
-              <a:t>(list =&gt; map(timesTwo,list))([1,2,3])</a:t>
+              <a:t>may matter</a:t>
             </a:r>
             <a:endParaRPr b="0" lang="en-US" sz="2800" spc="-1" strike="noStrike">
               <a:latin typeface="Arial"/>
             </a:endParaRPr>
           </a:p>
           <a:p>
-            <a:pPr lvl="1" marL="864000" indent="-323280">
+            <a:pPr marL="432000" indent="-322920">
               <a:lnSpc>
                 <a:spcPct val="100000"/>
               </a:lnSpc>
               <a:spcAft>
-                <a:spcPts val="1134"/>
+                <a:spcPts val="1414"/>
               </a:spcAft>
               <a:buClr>
                 <a:srgbClr val="ef2929"/>
               </a:buClr>
-              <a:buSzPct val="75000"/>
-              <a:buFont typeface="Symbol"/>
-              <a:buChar char=""/>
-            </a:pPr>
-            <a:r>
-              <a:rPr b="0" lang="en-US" sz="2800" spc="-1" strike="sngStrike">
-                <a:solidFill>
-                  <a:srgbClr val="333333"/>
-                </a:solidFill>
-                <a:latin typeface="Noto Sans Regular"/>
-                <a:ea typeface="DejaVu Sans"/>
-              </a:rPr>
-              <a:t>foreach([1,2,3], timesTwo)</a:t>
+              <a:buSzPct val="45000"/>
+              <a:buFont typeface="Wingdings" charset="2"/>
+              <a:buChar char=""/>
+            </a:pPr>
+            <a:r>
+              <a:rPr b="0" lang="en-US" sz="2800" spc="-1" strike="noStrike">
+                <a:solidFill>
+                  <a:srgbClr val="333333"/>
+                </a:solidFill>
+                <a:latin typeface="Noto Sans Regular"/>
+                <a:ea typeface="DejaVu Sans"/>
+              </a:rPr>
+              <a:t>...and shit happens!</a:t>
             </a:r>
             <a:endParaRPr b="0" lang="en-US" sz="2800" spc="-1" strike="noStrike">
               <a:latin typeface="Arial"/>
@@ -3770,10 +3749,10 @@
   <p:timing>
     <p:tnLst>
       <p:par>
-        <p:cTn id="3" dur="indefinite" restart="never" nodeType="tmRoot">
+        <p:cTn id="19" dur="indefinite" restart="never" nodeType="tmRoot">
           <p:childTnLst>
             <p:seq>
-              <p:cTn id="4" dur="indefinite" nodeType="mainSeq"/>
+              <p:cTn id="20" dur="indefinite" nodeType="mainSeq"/>
               <p:prevCondLst>
                 <p:cond delay="0" evt="onPrev">
                   <p:tgtEl>
@@ -3797,7 +3776,7 @@
 </p:sld>
 </file>
 
-<file path=ppt/slides/slide3.xml><?xml version="1.0" encoding="utf-8"?>
+<file path=ppt/slides/slide11.xml><?xml version="1.0" encoding="utf-8"?>
 <p:sld xmlns:a="http://schemas.openxmlformats.org/drawingml/2006/main" xmlns:p="http://schemas.openxmlformats.org/presentationml/2006/main" xmlns:r="http://schemas.openxmlformats.org/officeDocument/2006/relationships" xmlns:p14="http://schemas.microsoft.com/office/powerpoint/2010/main" xmlns:p15="http://schemas.microsoft.com/office/powerpoint/2012/main" xmlns:mc="http://schemas.openxmlformats.org/markup-compatibility/2006">
   <p:cSld>
     <p:spTree>
@@ -3816,14 +3795,14 @@
       </p:grpSpPr>
       <p:sp>
         <p:nvSpPr>
-          <p:cNvPr id="82" name="CustomShape 1"/>
+          <p:cNvPr id="113" name="CustomShape 1"/>
           <p:cNvSpPr/>
           <p:nvPr/>
         </p:nvSpPr>
         <p:spPr>
           <a:xfrm>
-            <a:off x="720000" y="300960"/>
-            <a:ext cx="8854920" cy="1261800"/>
+            <a:off x="720000" y="48960"/>
+            <a:ext cx="8854560" cy="1261440"/>
           </a:xfrm>
           <a:prstGeom prst="rect">
             <a:avLst/>
@@ -3848,31 +3827,41 @@
               </a:lnSpc>
             </a:pPr>
             <a:r>
-              <a:rPr b="1" lang="en-US" sz="3600" spc="-1" strike="noStrike">
-                <a:solidFill>
-                  <a:srgbClr val="333333"/>
-                </a:solidFill>
-                <a:latin typeface="Noto Sans Regular"/>
-                <a:ea typeface="DejaVu Sans"/>
-              </a:rPr>
-              <a:t>Pure functions are repeatable and without side effects</a:t>
-            </a:r>
-            <a:endParaRPr b="0" lang="en-US" sz="3600" spc="-1" strike="noStrike">
-              <a:latin typeface="Arial"/>
-            </a:endParaRPr>
-          </a:p>
-        </p:txBody>
-      </p:sp>
-      <p:sp>
-        <p:nvSpPr>
-          <p:cNvPr id="83" name="CustomShape 2"/>
+              <a:rPr b="1" lang="en-US" sz="2800" spc="-1" strike="noStrike">
+                <a:solidFill>
+                  <a:srgbClr val="333333"/>
+                </a:solidFill>
+                <a:latin typeface="Noto Sans Regular"/>
+                <a:ea typeface="DejaVu Sans"/>
+              </a:rPr>
+              <a:t>Values are always embedded in a </a:t>
+            </a:r>
+            <a:r>
+              <a:rPr b="1" i="1" lang="en-US" sz="2800" spc="-1" strike="noStrike">
+                <a:solidFill>
+                  <a:srgbClr val="333333"/>
+                </a:solidFill>
+                <a:latin typeface="Noto Sans Regular"/>
+                <a:ea typeface="DejaVu Sans"/>
+              </a:rPr>
+              <a:t>context</a:t>
+            </a:r>
+            <a:endParaRPr b="0" lang="en-US" sz="2800" spc="-1" strike="noStrike">
+              <a:latin typeface="Arial"/>
+            </a:endParaRPr>
+          </a:p>
+        </p:txBody>
+      </p:sp>
+      <p:sp>
+        <p:nvSpPr>
+          <p:cNvPr id="114" name="CustomShape 2"/>
           <p:cNvSpPr/>
           <p:nvPr/>
         </p:nvSpPr>
         <p:spPr>
           <a:xfrm>
-            <a:off x="720000" y="2160000"/>
-            <a:ext cx="8639280" cy="4384080"/>
+            <a:off x="290880" y="1437120"/>
+            <a:ext cx="9736200" cy="4383720"/>
           </a:xfrm>
           <a:prstGeom prst="rect">
             <a:avLst/>
@@ -3891,7 +3880,66 @@
         <p:txBody>
           <a:bodyPr lIns="0" rIns="0" tIns="0" bIns="0"/>
           <a:p>
-            <a:pPr marL="432000" indent="-323280">
+            <a:pPr marL="457200" indent="-343080">
+              <a:lnSpc>
+                <a:spcPct val="100000"/>
+              </a:lnSpc>
+              <a:spcAft>
+                <a:spcPts val="1414"/>
+              </a:spcAft>
+              <a:buClr>
+                <a:srgbClr val="000000"/>
+              </a:buClr>
+              <a:buSzPct val="45000"/>
+              <a:buFont typeface="Symbol" charset="2"/>
+              <a:buChar char=""/>
+            </a:pPr>
+            <a:r>
+              <a:rPr b="0" lang="en-US" sz="2800" spc="-1" strike="noStrike">
+                <a:solidFill>
+                  <a:srgbClr val="333333"/>
+                </a:solidFill>
+                <a:latin typeface="Noto Sans Regular"/>
+                <a:ea typeface="DejaVu Sans"/>
+              </a:rPr>
+              <a:t> </a:t>
+            </a:r>
+            <a:r>
+              <a:rPr b="0" lang="en-US" sz="2800" spc="-1" strike="noStrike">
+                <a:solidFill>
+                  <a:srgbClr val="333333"/>
+                </a:solidFill>
+                <a:latin typeface="Noto Sans Regular"/>
+                <a:ea typeface="DejaVu Sans"/>
+              </a:rPr>
+              <a:t>Optional </a:t>
+            </a:r>
+            <a:r>
+              <a:rPr b="0" lang="en-US" sz="2800" spc="-1" strike="noStrike">
+                <a:solidFill>
+                  <a:srgbClr val="333333"/>
+                </a:solidFill>
+                <a:latin typeface="Noto Sans Regular"/>
+                <a:ea typeface="DejaVu Sans"/>
+              </a:rPr>
+              <a:t>values </a:t>
+            </a:r>
+            <a:r>
+              <a:rPr b="0" lang="en-US" sz="2200" spc="-1" strike="noStrike">
+                <a:solidFill>
+                  <a:srgbClr val="333333"/>
+                </a:solidFill>
+                <a:latin typeface="Noto Sans Regular"/>
+                <a:ea typeface="DejaVu Sans"/>
+              </a:rPr>
+              <a:t>(Maybe)</a:t>
+            </a:r>
+            <a:endParaRPr b="0" lang="en-US" sz="2200" spc="-1" strike="noStrike">
+              <a:latin typeface="Arial"/>
+            </a:endParaRPr>
+          </a:p>
+          <a:p>
+            <a:pPr marL="432000" indent="-322920">
               <a:lnSpc>
                 <a:spcPct val="100000"/>
               </a:lnSpc>
@@ -3913,56 +3961,113 @@
                 <a:latin typeface="Noto Sans Regular"/>
                 <a:ea typeface="DejaVu Sans"/>
               </a:rPr>
-              <a:t>Same input → same result</a:t>
+              <a:t>Values with a </a:t>
+            </a:r>
+            <a:r>
+              <a:rPr b="0" lang="en-US" sz="2800" spc="-1" strike="noStrike">
+                <a:solidFill>
+                  <a:srgbClr val="333333"/>
+                </a:solidFill>
+                <a:latin typeface="Noto Sans Regular"/>
+                <a:ea typeface="DejaVu Sans"/>
+              </a:rPr>
+              <a:t>multiple </a:t>
+            </a:r>
+            <a:r>
+              <a:rPr b="0" lang="en-US" sz="2800" spc="-1" strike="noStrike">
+                <a:solidFill>
+                  <a:srgbClr val="333333"/>
+                </a:solidFill>
+                <a:latin typeface="Noto Sans Regular"/>
+                <a:ea typeface="DejaVu Sans"/>
+              </a:rPr>
+              <a:t>meaning</a:t>
             </a:r>
             <a:endParaRPr b="0" lang="en-US" sz="2800" spc="-1" strike="noStrike">
               <a:latin typeface="Arial"/>
             </a:endParaRPr>
           </a:p>
           <a:p>
-            <a:pPr lvl="1" marL="864000" indent="-323280">
+            <a:pPr lvl="2" marL="648000" indent="-216000">
               <a:lnSpc>
                 <a:spcPct val="100000"/>
               </a:lnSpc>
               <a:spcAft>
-                <a:spcPts val="1134"/>
+                <a:spcPts val="1414"/>
               </a:spcAft>
               <a:buClr>
-                <a:srgbClr val="ef2929"/>
+                <a:srgbClr val="000000"/>
               </a:buClr>
-              <a:buSzPct val="75000"/>
-              <a:buFont typeface="Symbol"/>
-              <a:buChar char=""/>
-            </a:pPr>
-            <a:r>
-              <a:rPr b="0" lang="en-US" sz="2800" spc="-1" strike="sngStrike">
-                <a:solidFill>
-                  <a:srgbClr val="333333"/>
-                </a:solidFill>
-                <a:latin typeface="Noto Sans Regular"/>
-                <a:ea typeface="DejaVu Sans"/>
-              </a:rPr>
-              <a:t>const now = new Date()</a:t>
-            </a:r>
-            <a:endParaRPr b="0" lang="en-US" sz="2800" spc="-1" strike="noStrike">
-              <a:latin typeface="Arial"/>
-            </a:endParaRPr>
-          </a:p>
-          <a:p>
-            <a:pPr>
-              <a:lnSpc>
-                <a:spcPct val="100000"/>
-              </a:lnSpc>
-              <a:spcAft>
-                <a:spcPts val="1134"/>
-              </a:spcAft>
-            </a:pPr>
-            <a:endParaRPr b="0" lang="en-US" sz="2800" spc="-1" strike="noStrike">
-              <a:latin typeface="Arial"/>
-            </a:endParaRPr>
-          </a:p>
-          <a:p>
-            <a:pPr marL="432000" indent="-323280">
+              <a:buSzPct val="45000"/>
+              <a:buFont typeface="Wingdings" charset="2"/>
+              <a:buChar char=""/>
+            </a:pPr>
+            <a:r>
+              <a:rPr b="0" lang="en-US" sz="2200" spc="-1" strike="noStrike">
+                <a:solidFill>
+                  <a:srgbClr val="333333"/>
+                </a:solidFill>
+                <a:latin typeface="Noto Sans Regular"/>
+                <a:ea typeface="DejaVu Sans"/>
+              </a:rPr>
+              <a:t>Either </a:t>
+            </a:r>
+            <a:r>
+              <a:rPr b="0" lang="en-US" sz="2200" spc="-1" strike="noStrike">
+                <a:solidFill>
+                  <a:srgbClr val="333333"/>
+                </a:solidFill>
+                <a:latin typeface="Noto Sans Regular"/>
+                <a:ea typeface="DejaVu Sans"/>
+              </a:rPr>
+              <a:t>(Left/Right), </a:t>
+            </a:r>
+            <a:r>
+              <a:rPr b="0" lang="en-US" sz="2200" spc="-1" strike="noStrike">
+                <a:solidFill>
+                  <a:srgbClr val="333333"/>
+                </a:solidFill>
+                <a:latin typeface="Noto Sans Regular"/>
+                <a:ea typeface="DejaVu Sans"/>
+              </a:rPr>
+              <a:t>Validation </a:t>
+            </a:r>
+            <a:r>
+              <a:rPr b="0" lang="en-US" sz="2200" spc="-1" strike="noStrike">
+                <a:solidFill>
+                  <a:srgbClr val="333333"/>
+                </a:solidFill>
+                <a:latin typeface="Noto Sans Regular"/>
+                <a:ea typeface="DejaVu Sans"/>
+              </a:rPr>
+              <a:t>(Failure/</a:t>
+            </a:r>
+            <a:r>
+              <a:rPr b="0" lang="en-US" sz="2200" spc="-1" strike="noStrike">
+                <a:solidFill>
+                  <a:srgbClr val="333333"/>
+                </a:solidFill>
+                <a:latin typeface="Noto Sans Regular"/>
+                <a:ea typeface="DejaVu Sans"/>
+              </a:rPr>
+              <a:t>Success</a:t>
+            </a:r>
+            <a:r>
+              <a:rPr b="0" lang="en-US" sz="2200" spc="-1" strike="noStrike">
+                <a:solidFill>
+                  <a:srgbClr val="333333"/>
+                </a:solidFill>
+                <a:latin typeface="Noto Sans Regular"/>
+                <a:ea typeface="DejaVu Sans"/>
+              </a:rPr>
+              <a:t>)</a:t>
+            </a:r>
+            <a:endParaRPr b="0" lang="en-US" sz="2200" spc="-1" strike="noStrike">
+              <a:latin typeface="Arial"/>
+            </a:endParaRPr>
+          </a:p>
+          <a:p>
+            <a:pPr marL="432000" indent="-322920">
               <a:lnSpc>
                 <a:spcPct val="100000"/>
               </a:lnSpc>
@@ -3984,53 +4089,297 @@
                 <a:latin typeface="Noto Sans Regular"/>
                 <a:ea typeface="DejaVu Sans"/>
               </a:rPr>
-              <a:t>Just process input, and do nothing else</a:t>
-            </a:r>
-            <a:endParaRPr b="0" lang="en-US" sz="2800" spc="-1" strike="noStrike">
-              <a:latin typeface="Arial"/>
-            </a:endParaRPr>
-          </a:p>
-          <a:p>
-            <a:pPr lvl="1" marL="864000" indent="-323280">
+              <a:t>Values not yet </a:t>
+            </a:r>
+            <a:r>
+              <a:rPr b="0" lang="en-US" sz="2800" spc="-1" strike="noStrike">
+                <a:solidFill>
+                  <a:srgbClr val="333333"/>
+                </a:solidFill>
+                <a:latin typeface="Noto Sans Regular"/>
+                <a:ea typeface="DejaVu Sans"/>
+              </a:rPr>
+              <a:t>here </a:t>
+            </a:r>
+            <a:r>
+              <a:rPr b="0" lang="en-US" sz="2200" spc="-1" strike="noStrike">
+                <a:solidFill>
+                  <a:srgbClr val="333333"/>
+                </a:solidFill>
+                <a:latin typeface="Noto Sans Regular"/>
+                <a:ea typeface="DejaVu Sans"/>
+              </a:rPr>
+              <a:t>(Promise, </a:t>
+            </a:r>
+            <a:r>
+              <a:rPr b="0" lang="en-US" sz="2200" spc="-1" strike="noStrike">
+                <a:solidFill>
+                  <a:srgbClr val="333333"/>
+                </a:solidFill>
+                <a:latin typeface="Noto Sans Regular"/>
+                <a:ea typeface="DejaVu Sans"/>
+              </a:rPr>
+              <a:t>Continuation)</a:t>
+            </a:r>
+            <a:endParaRPr b="0" lang="en-US" sz="2200" spc="-1" strike="noStrike">
+              <a:latin typeface="Arial"/>
+            </a:endParaRPr>
+          </a:p>
+          <a:p>
+            <a:pPr marL="432000" indent="-322920">
               <a:lnSpc>
                 <a:spcPct val="100000"/>
               </a:lnSpc>
               <a:spcAft>
-                <a:spcPts val="1134"/>
+                <a:spcPts val="1414"/>
               </a:spcAft>
               <a:buClr>
                 <a:srgbClr val="ef2929"/>
               </a:buClr>
-              <a:buSzPct val="75000"/>
-              <a:buFont typeface="Symbol"/>
-              <a:buChar char=""/>
-            </a:pPr>
-            <a:r>
-              <a:rPr b="0" lang="en-US" sz="2800" spc="-1" strike="sngStrike">
-                <a:solidFill>
-                  <a:srgbClr val="333333"/>
-                </a:solidFill>
-                <a:latin typeface="Noto Sans Regular"/>
-                <a:ea typeface="DejaVu Sans"/>
-              </a:rPr>
-              <a:t>const para = Document.createElement(‘p’)</a:t>
-            </a:r>
-            <a:endParaRPr b="0" lang="en-US" sz="2800" spc="-1" strike="noStrike">
-              <a:latin typeface="Arial"/>
-            </a:endParaRPr>
-          </a:p>
-        </p:txBody>
-      </p:sp>
-      <p:sp>
-        <p:nvSpPr>
-          <p:cNvPr id="84" name="CustomShape 3"/>
+              <a:buSzPct val="45000"/>
+              <a:buFont typeface="Wingdings" charset="2"/>
+              <a:buChar char=""/>
+            </a:pPr>
+            <a:r>
+              <a:rPr b="0" lang="en-US" sz="2800" spc="-1" strike="noStrike">
+                <a:solidFill>
+                  <a:srgbClr val="333333"/>
+                </a:solidFill>
+                <a:latin typeface="Noto Sans Regular"/>
+                <a:ea typeface="DejaVu Sans"/>
+              </a:rPr>
+              <a:t>Values that </a:t>
+            </a:r>
+            <a:r>
+              <a:rPr b="0" lang="en-US" sz="2800" spc="-1" strike="noStrike">
+                <a:solidFill>
+                  <a:srgbClr val="333333"/>
+                </a:solidFill>
+                <a:latin typeface="Noto Sans Regular"/>
+                <a:ea typeface="DejaVu Sans"/>
+              </a:rPr>
+              <a:t>may interrupt </a:t>
+            </a:r>
+            <a:r>
+              <a:rPr b="0" lang="en-US" sz="2200" spc="-1" strike="noStrike">
+                <a:solidFill>
+                  <a:srgbClr val="333333"/>
+                </a:solidFill>
+                <a:latin typeface="Noto Sans Regular"/>
+                <a:ea typeface="DejaVu Sans"/>
+              </a:rPr>
+              <a:t>(Thrower)</a:t>
+            </a:r>
+            <a:endParaRPr b="0" lang="en-US" sz="2200" spc="-1" strike="noStrike">
+              <a:latin typeface="Arial"/>
+            </a:endParaRPr>
+          </a:p>
+          <a:p>
+            <a:pPr marL="432000" indent="-322920">
+              <a:lnSpc>
+                <a:spcPct val="100000"/>
+              </a:lnSpc>
+              <a:spcAft>
+                <a:spcPts val="1414"/>
+              </a:spcAft>
+              <a:buClr>
+                <a:srgbClr val="ef2929"/>
+              </a:buClr>
+              <a:buSzPct val="45000"/>
+              <a:buFont typeface="Wingdings" charset="2"/>
+              <a:buChar char=""/>
+            </a:pPr>
+            <a:r>
+              <a:rPr b="0" lang="en-US" sz="2800" spc="-1" strike="noStrike">
+                <a:solidFill>
+                  <a:srgbClr val="333333"/>
+                </a:solidFill>
+                <a:latin typeface="Noto Sans Regular"/>
+                <a:ea typeface="DejaVu Sans"/>
+              </a:rPr>
+              <a:t>Values that </a:t>
+            </a:r>
+            <a:r>
+              <a:rPr b="0" lang="en-US" sz="2800" spc="-1" strike="noStrike">
+                <a:solidFill>
+                  <a:srgbClr val="333333"/>
+                </a:solidFill>
+                <a:latin typeface="Noto Sans Regular"/>
+                <a:ea typeface="DejaVu Sans"/>
+              </a:rPr>
+              <a:t>transform </a:t>
+            </a:r>
+            <a:r>
+              <a:rPr b="0" lang="en-US" sz="2800" spc="-1" strike="noStrike">
+                <a:solidFill>
+                  <a:srgbClr val="333333"/>
+                </a:solidFill>
+                <a:latin typeface="Noto Sans Regular"/>
+                <a:ea typeface="DejaVu Sans"/>
+              </a:rPr>
+              <a:t>other values</a:t>
+            </a:r>
+            <a:r>
+              <a:rPr b="0" lang="en-US" sz="2200" spc="-1" strike="noStrike">
+                <a:solidFill>
+                  <a:srgbClr val="333333"/>
+                </a:solidFill>
+                <a:latin typeface="Noto Sans Regular"/>
+                <a:ea typeface="DejaVu Sans"/>
+              </a:rPr>
+              <a:t> </a:t>
+            </a:r>
+            <a:r>
+              <a:rPr b="0" lang="en-US" sz="2200" spc="-1" strike="noStrike">
+                <a:solidFill>
+                  <a:srgbClr val="333333"/>
+                </a:solidFill>
+                <a:latin typeface="Noto Sans Regular"/>
+                <a:ea typeface="DejaVu Sans"/>
+              </a:rPr>
+              <a:t>(Parser)</a:t>
+            </a:r>
+            <a:endParaRPr b="0" lang="en-US" sz="2200" spc="-1" strike="noStrike">
+              <a:latin typeface="Arial"/>
+            </a:endParaRPr>
+          </a:p>
+          <a:p>
+            <a:pPr marL="432000" indent="-322920">
+              <a:lnSpc>
+                <a:spcPct val="100000"/>
+              </a:lnSpc>
+              <a:spcAft>
+                <a:spcPts val="1414"/>
+              </a:spcAft>
+              <a:buClr>
+                <a:srgbClr val="ef2929"/>
+              </a:buClr>
+              <a:buSzPct val="45000"/>
+              <a:buFont typeface="Wingdings" charset="2"/>
+              <a:buChar char=""/>
+            </a:pPr>
+            <a:r>
+              <a:rPr b="0" lang="en-US" sz="2800" spc="-1" strike="noStrike">
+                <a:solidFill>
+                  <a:srgbClr val="333333"/>
+                </a:solidFill>
+                <a:latin typeface="Noto Sans Regular"/>
+                <a:ea typeface="DejaVu Sans"/>
+              </a:rPr>
+              <a:t>Values that </a:t>
+            </a:r>
+            <a:r>
+              <a:rPr b="0" lang="en-US" sz="2800" spc="-1" strike="noStrike">
+                <a:solidFill>
+                  <a:srgbClr val="333333"/>
+                </a:solidFill>
+                <a:latin typeface="Noto Sans Regular"/>
+                <a:ea typeface="DejaVu Sans"/>
+              </a:rPr>
+              <a:t>carry a history </a:t>
+            </a:r>
+            <a:r>
+              <a:rPr b="0" lang="en-US" sz="2800" spc="-1" strike="noStrike">
+                <a:solidFill>
+                  <a:srgbClr val="333333"/>
+                </a:solidFill>
+                <a:latin typeface="Noto Sans Regular"/>
+                <a:ea typeface="DejaVu Sans"/>
+              </a:rPr>
+              <a:t>with them </a:t>
+            </a:r>
+            <a:r>
+              <a:rPr b="0" lang="en-US" sz="2200" spc="-1" strike="noStrike">
+                <a:solidFill>
+                  <a:srgbClr val="333333"/>
+                </a:solidFill>
+                <a:latin typeface="Noto Sans Regular"/>
+                <a:ea typeface="DejaVu Sans"/>
+              </a:rPr>
+              <a:t>(State, Writer)</a:t>
+            </a:r>
+            <a:endParaRPr b="0" lang="en-US" sz="2200" spc="-1" strike="noStrike">
+              <a:latin typeface="Arial"/>
+            </a:endParaRPr>
+          </a:p>
+          <a:p>
+            <a:pPr marL="432000" indent="-322920">
+              <a:lnSpc>
+                <a:spcPct val="100000"/>
+              </a:lnSpc>
+              <a:spcAft>
+                <a:spcPts val="1414"/>
+              </a:spcAft>
+              <a:buBlip>
+                <a:blip r:embed="rId1"/>
+              </a:buBlip>
+            </a:pPr>
+            <a:r>
+              <a:rPr b="0" lang="en-US" sz="2800" spc="-1" strike="noStrike">
+                <a:solidFill>
+                  <a:srgbClr val="333333"/>
+                </a:solidFill>
+                <a:latin typeface="Noto Sans Regular"/>
+                <a:ea typeface="DejaVu Sans"/>
+              </a:rPr>
+              <a:t>Values that </a:t>
+            </a:r>
+            <a:r>
+              <a:rPr b="0" lang="en-US" sz="2800" spc="-1" strike="noStrike">
+                <a:solidFill>
+                  <a:srgbClr val="333333"/>
+                </a:solidFill>
+                <a:latin typeface="Noto Sans Regular"/>
+                <a:ea typeface="DejaVu Sans"/>
+              </a:rPr>
+              <a:t>need further </a:t>
+            </a:r>
+            <a:r>
+              <a:rPr b="0" lang="en-US" sz="2800" spc="-1" strike="noStrike">
+                <a:solidFill>
+                  <a:srgbClr val="333333"/>
+                </a:solidFill>
+                <a:latin typeface="Noto Sans Regular"/>
+                <a:ea typeface="DejaVu Sans"/>
+              </a:rPr>
+              <a:t>data at </a:t>
+            </a:r>
+            <a:r>
+              <a:rPr b="0" lang="en-US" sz="2800" spc="-1" strike="noStrike">
+                <a:solidFill>
+                  <a:srgbClr val="333333"/>
+                </a:solidFill>
+                <a:latin typeface="Noto Sans Regular"/>
+                <a:ea typeface="DejaVu Sans"/>
+              </a:rPr>
+              <a:t>runtime</a:t>
+            </a:r>
+            <a:r>
+              <a:rPr b="0" lang="en-US" sz="2200" spc="-1" strike="noStrike">
+                <a:solidFill>
+                  <a:srgbClr val="333333"/>
+                </a:solidFill>
+                <a:latin typeface="Noto Sans Regular"/>
+                <a:ea typeface="DejaVu Sans"/>
+              </a:rPr>
+              <a:t> (Reader)</a:t>
+            </a:r>
+            <a:endParaRPr b="0" lang="en-US" sz="2200" spc="-1" strike="noStrike">
+              <a:latin typeface="Arial"/>
+            </a:endParaRPr>
+          </a:p>
+        </p:txBody>
+      </p:sp>
+      <p:sp>
+        <p:nvSpPr>
+          <p:cNvPr id="115" name="CustomShape 3"/>
           <p:cNvSpPr/>
           <p:nvPr/>
         </p:nvSpPr>
         <p:spPr>
           <a:xfrm>
-            <a:off x="1005840" y="5852160"/>
-            <a:ext cx="7680240" cy="1188000"/>
+            <a:off x="914400" y="6303600"/>
+            <a:ext cx="8411400" cy="1004760"/>
           </a:xfrm>
           <a:prstGeom prst="rect">
             <a:avLst/>
@@ -4066,18 +4415,8 @@
                 <a:latin typeface="Arial"/>
                 <a:ea typeface="DejaVu Sans"/>
               </a:rPr>
-              <a:t>These functions CAN enter an FP program, </a:t>
-            </a:r>
-            <a:endParaRPr b="0" lang="en-US" sz="2600" spc="-1" strike="noStrike">
-              <a:latin typeface="Arial"/>
-            </a:endParaRPr>
-          </a:p>
-          <a:p>
-            <a:pPr algn="ctr">
-              <a:lnSpc>
-                <a:spcPct val="100000"/>
-              </a:lnSpc>
-            </a:pPr>
+              <a:t>R</a:t>
+            </a:r>
             <a:r>
               <a:rPr b="1" lang="en-US" sz="2600" spc="-1" strike="noStrike">
                 <a:solidFill>
@@ -4086,7 +4425,417 @@
                 <a:latin typeface="Arial"/>
                 <a:ea typeface="DejaVu Sans"/>
               </a:rPr>
-              <a:t>but always with some difficulties and tradeoffs</a:t>
+              <a:t>e</a:t>
+            </a:r>
+            <a:r>
+              <a:rPr b="1" lang="en-US" sz="2600" spc="-1" strike="noStrike">
+                <a:solidFill>
+                  <a:srgbClr val="ffffff"/>
+                </a:solidFill>
+                <a:latin typeface="Arial"/>
+                <a:ea typeface="DejaVu Sans"/>
+              </a:rPr>
+              <a:t>m</a:t>
+            </a:r>
+            <a:r>
+              <a:rPr b="1" lang="en-US" sz="2600" spc="-1" strike="noStrike">
+                <a:solidFill>
+                  <a:srgbClr val="ffffff"/>
+                </a:solidFill>
+                <a:latin typeface="Arial"/>
+                <a:ea typeface="DejaVu Sans"/>
+              </a:rPr>
+              <a:t>e</a:t>
+            </a:r>
+            <a:r>
+              <a:rPr b="1" lang="en-US" sz="2600" spc="-1" strike="noStrike">
+                <a:solidFill>
+                  <a:srgbClr val="ffffff"/>
+                </a:solidFill>
+                <a:latin typeface="Arial"/>
+                <a:ea typeface="DejaVu Sans"/>
+              </a:rPr>
+              <a:t>m</a:t>
+            </a:r>
+            <a:r>
+              <a:rPr b="1" lang="en-US" sz="2600" spc="-1" strike="noStrike">
+                <a:solidFill>
+                  <a:srgbClr val="ffffff"/>
+                </a:solidFill>
+                <a:latin typeface="Arial"/>
+                <a:ea typeface="DejaVu Sans"/>
+              </a:rPr>
+              <a:t>b</a:t>
+            </a:r>
+            <a:r>
+              <a:rPr b="1" lang="en-US" sz="2600" spc="-1" strike="noStrike">
+                <a:solidFill>
+                  <a:srgbClr val="ffffff"/>
+                </a:solidFill>
+                <a:latin typeface="Arial"/>
+                <a:ea typeface="DejaVu Sans"/>
+              </a:rPr>
+              <a:t>e</a:t>
+            </a:r>
+            <a:r>
+              <a:rPr b="1" lang="en-US" sz="2600" spc="-1" strike="noStrike">
+                <a:solidFill>
+                  <a:srgbClr val="ffffff"/>
+                </a:solidFill>
+                <a:latin typeface="Arial"/>
+                <a:ea typeface="DejaVu Sans"/>
+              </a:rPr>
+              <a:t>r</a:t>
+            </a:r>
+            <a:r>
+              <a:rPr b="1" lang="en-US" sz="2600" spc="-1" strike="noStrike">
+                <a:solidFill>
+                  <a:srgbClr val="ffffff"/>
+                </a:solidFill>
+                <a:latin typeface="Arial"/>
+                <a:ea typeface="DejaVu Sans"/>
+              </a:rPr>
+              <a:t> </a:t>
+            </a:r>
+            <a:r>
+              <a:rPr b="1" lang="en-US" sz="2600" spc="-1" strike="noStrike">
+                <a:solidFill>
+                  <a:srgbClr val="ffffff"/>
+                </a:solidFill>
+                <a:latin typeface="Arial"/>
+                <a:ea typeface="DejaVu Sans"/>
+              </a:rPr>
+              <a:t>t</a:t>
+            </a:r>
+            <a:r>
+              <a:rPr b="1" lang="en-US" sz="2600" spc="-1" strike="noStrike">
+                <a:solidFill>
+                  <a:srgbClr val="ffffff"/>
+                </a:solidFill>
+                <a:latin typeface="Arial"/>
+                <a:ea typeface="DejaVu Sans"/>
+              </a:rPr>
+              <a:t>h</a:t>
+            </a:r>
+            <a:r>
+              <a:rPr b="1" lang="en-US" sz="2600" spc="-1" strike="noStrike">
+                <a:solidFill>
+                  <a:srgbClr val="ffffff"/>
+                </a:solidFill>
+                <a:latin typeface="Arial"/>
+                <a:ea typeface="DejaVu Sans"/>
+              </a:rPr>
+              <a:t>a</a:t>
+            </a:r>
+            <a:r>
+              <a:rPr b="1" lang="en-US" sz="2600" spc="-1" strike="noStrike">
+                <a:solidFill>
+                  <a:srgbClr val="ffffff"/>
+                </a:solidFill>
+                <a:latin typeface="Arial"/>
+                <a:ea typeface="DejaVu Sans"/>
+              </a:rPr>
+              <a:t>t</a:t>
+            </a:r>
+            <a:r>
+              <a:rPr b="1" lang="en-US" sz="2600" spc="-1" strike="noStrike">
+                <a:solidFill>
+                  <a:srgbClr val="ffffff"/>
+                </a:solidFill>
+                <a:latin typeface="Arial"/>
+                <a:ea typeface="DejaVu Sans"/>
+              </a:rPr>
+              <a:t> </a:t>
+            </a:r>
+            <a:r>
+              <a:rPr b="1" lang="en-US" sz="2600" spc="-1" strike="noStrike">
+                <a:solidFill>
+                  <a:srgbClr val="ffffff"/>
+                </a:solidFill>
+                <a:latin typeface="Arial"/>
+                <a:ea typeface="DejaVu Sans"/>
+              </a:rPr>
+              <a:t>i</a:t>
+            </a:r>
+            <a:r>
+              <a:rPr b="1" lang="en-US" sz="2600" spc="-1" strike="noStrike">
+                <a:solidFill>
+                  <a:srgbClr val="ffffff"/>
+                </a:solidFill>
+                <a:latin typeface="Arial"/>
+                <a:ea typeface="DejaVu Sans"/>
+              </a:rPr>
+              <a:t>n</a:t>
+            </a:r>
+            <a:r>
+              <a:rPr b="1" lang="en-US" sz="2600" spc="-1" strike="noStrike">
+                <a:solidFill>
+                  <a:srgbClr val="ffffff"/>
+                </a:solidFill>
+                <a:latin typeface="Arial"/>
+                <a:ea typeface="DejaVu Sans"/>
+              </a:rPr>
+              <a:t> </a:t>
+            </a:r>
+            <a:r>
+              <a:rPr b="1" lang="en-US" sz="2600" spc="-1" strike="noStrike">
+                <a:solidFill>
+                  <a:srgbClr val="ffffff"/>
+                </a:solidFill>
+                <a:latin typeface="Arial"/>
+                <a:ea typeface="DejaVu Sans"/>
+              </a:rPr>
+              <a:t>F</a:t>
+            </a:r>
+            <a:r>
+              <a:rPr b="1" lang="en-US" sz="2600" spc="-1" strike="noStrike">
+                <a:solidFill>
+                  <a:srgbClr val="ffffff"/>
+                </a:solidFill>
+                <a:latin typeface="Arial"/>
+                <a:ea typeface="DejaVu Sans"/>
+              </a:rPr>
+              <a:t>P</a:t>
+            </a:r>
+            <a:r>
+              <a:rPr b="1" lang="en-US" sz="2600" spc="-1" strike="noStrike">
+                <a:solidFill>
+                  <a:srgbClr val="ffffff"/>
+                </a:solidFill>
+                <a:latin typeface="Arial"/>
+                <a:ea typeface="DejaVu Sans"/>
+              </a:rPr>
+              <a:t> </a:t>
+            </a:r>
+            <a:r>
+              <a:rPr b="1" lang="en-US" sz="2600" spc="-1" strike="noStrike">
+                <a:solidFill>
+                  <a:srgbClr val="ffffff"/>
+                </a:solidFill>
+                <a:latin typeface="Arial"/>
+                <a:ea typeface="DejaVu Sans"/>
+              </a:rPr>
+              <a:t>f</a:t>
+            </a:r>
+            <a:r>
+              <a:rPr b="1" lang="en-US" sz="2600" spc="-1" strike="noStrike">
+                <a:solidFill>
+                  <a:srgbClr val="ffffff"/>
+                </a:solidFill>
+                <a:latin typeface="Arial"/>
+                <a:ea typeface="DejaVu Sans"/>
+              </a:rPr>
+              <a:t>u</a:t>
+            </a:r>
+            <a:r>
+              <a:rPr b="1" lang="en-US" sz="2600" spc="-1" strike="noStrike">
+                <a:solidFill>
+                  <a:srgbClr val="ffffff"/>
+                </a:solidFill>
+                <a:latin typeface="Arial"/>
+                <a:ea typeface="DejaVu Sans"/>
+              </a:rPr>
+              <a:t>n</a:t>
+            </a:r>
+            <a:r>
+              <a:rPr b="1" lang="en-US" sz="2600" spc="-1" strike="noStrike">
+                <a:solidFill>
+                  <a:srgbClr val="ffffff"/>
+                </a:solidFill>
+                <a:latin typeface="Arial"/>
+                <a:ea typeface="DejaVu Sans"/>
+              </a:rPr>
+              <a:t>c</a:t>
+            </a:r>
+            <a:r>
+              <a:rPr b="1" lang="en-US" sz="2600" spc="-1" strike="noStrike">
+                <a:solidFill>
+                  <a:srgbClr val="ffffff"/>
+                </a:solidFill>
+                <a:latin typeface="Arial"/>
+                <a:ea typeface="DejaVu Sans"/>
+              </a:rPr>
+              <a:t>t</a:t>
+            </a:r>
+            <a:r>
+              <a:rPr b="1" lang="en-US" sz="2600" spc="-1" strike="noStrike">
+                <a:solidFill>
+                  <a:srgbClr val="ffffff"/>
+                </a:solidFill>
+                <a:latin typeface="Arial"/>
+                <a:ea typeface="DejaVu Sans"/>
+              </a:rPr>
+              <a:t>i</a:t>
+            </a:r>
+            <a:r>
+              <a:rPr b="1" lang="en-US" sz="2600" spc="-1" strike="noStrike">
+                <a:solidFill>
+                  <a:srgbClr val="ffffff"/>
+                </a:solidFill>
+                <a:latin typeface="Arial"/>
+                <a:ea typeface="DejaVu Sans"/>
+              </a:rPr>
+              <a:t>o</a:t>
+            </a:r>
+            <a:r>
+              <a:rPr b="1" lang="en-US" sz="2600" spc="-1" strike="noStrike">
+                <a:solidFill>
+                  <a:srgbClr val="ffffff"/>
+                </a:solidFill>
+                <a:latin typeface="Arial"/>
+                <a:ea typeface="DejaVu Sans"/>
+              </a:rPr>
+              <a:t>n</a:t>
+            </a:r>
+            <a:r>
+              <a:rPr b="1" lang="en-US" sz="2600" spc="-1" strike="noStrike">
+                <a:solidFill>
+                  <a:srgbClr val="ffffff"/>
+                </a:solidFill>
+                <a:latin typeface="Arial"/>
+                <a:ea typeface="DejaVu Sans"/>
+              </a:rPr>
+              <a:t>s</a:t>
+            </a:r>
+            <a:r>
+              <a:rPr b="1" lang="en-US" sz="2600" spc="-1" strike="noStrike">
+                <a:solidFill>
+                  <a:srgbClr val="ffffff"/>
+                </a:solidFill>
+                <a:latin typeface="Arial"/>
+                <a:ea typeface="DejaVu Sans"/>
+              </a:rPr>
+              <a:t> </a:t>
+            </a:r>
+            <a:r>
+              <a:rPr b="1" lang="en-US" sz="2600" spc="-1" strike="noStrike">
+                <a:solidFill>
+                  <a:srgbClr val="ffffff"/>
+                </a:solidFill>
+                <a:latin typeface="Arial"/>
+                <a:ea typeface="DejaVu Sans"/>
+              </a:rPr>
+              <a:t>a</a:t>
+            </a:r>
+            <a:r>
+              <a:rPr b="1" lang="en-US" sz="2600" spc="-1" strike="noStrike">
+                <a:solidFill>
+                  <a:srgbClr val="ffffff"/>
+                </a:solidFill>
+                <a:latin typeface="Arial"/>
+                <a:ea typeface="DejaVu Sans"/>
+              </a:rPr>
+              <a:t>r</a:t>
+            </a:r>
+            <a:r>
+              <a:rPr b="1" lang="en-US" sz="2600" spc="-1" strike="noStrike">
+                <a:solidFill>
+                  <a:srgbClr val="ffffff"/>
+                </a:solidFill>
+                <a:latin typeface="Arial"/>
+                <a:ea typeface="DejaVu Sans"/>
+              </a:rPr>
+              <a:t>e</a:t>
+            </a:r>
+            <a:r>
+              <a:rPr b="1" lang="en-US" sz="2600" spc="-1" strike="noStrike">
+                <a:solidFill>
+                  <a:srgbClr val="ffffff"/>
+                </a:solidFill>
+                <a:latin typeface="Arial"/>
+                <a:ea typeface="DejaVu Sans"/>
+              </a:rPr>
+              <a:t> </a:t>
+            </a:r>
+            <a:r>
+              <a:rPr b="1" lang="en-US" sz="2600" spc="-1" strike="noStrike">
+                <a:solidFill>
+                  <a:srgbClr val="ffffff"/>
+                </a:solidFill>
+                <a:latin typeface="Arial"/>
+                <a:ea typeface="DejaVu Sans"/>
+              </a:rPr>
+              <a:t>v</a:t>
+            </a:r>
+            <a:r>
+              <a:rPr b="1" lang="en-US" sz="2600" spc="-1" strike="noStrike">
+                <a:solidFill>
+                  <a:srgbClr val="ffffff"/>
+                </a:solidFill>
+                <a:latin typeface="Arial"/>
+                <a:ea typeface="DejaVu Sans"/>
+              </a:rPr>
+              <a:t>a</a:t>
+            </a:r>
+            <a:r>
+              <a:rPr b="1" lang="en-US" sz="2600" spc="-1" strike="noStrike">
+                <a:solidFill>
+                  <a:srgbClr val="ffffff"/>
+                </a:solidFill>
+                <a:latin typeface="Arial"/>
+                <a:ea typeface="DejaVu Sans"/>
+              </a:rPr>
+              <a:t>l</a:t>
+            </a:r>
+            <a:r>
+              <a:rPr b="1" lang="en-US" sz="2600" spc="-1" strike="noStrike">
+                <a:solidFill>
+                  <a:srgbClr val="ffffff"/>
+                </a:solidFill>
+                <a:latin typeface="Arial"/>
+                <a:ea typeface="DejaVu Sans"/>
+              </a:rPr>
+              <a:t>u</a:t>
+            </a:r>
+            <a:r>
+              <a:rPr b="1" lang="en-US" sz="2600" spc="-1" strike="noStrike">
+                <a:solidFill>
+                  <a:srgbClr val="ffffff"/>
+                </a:solidFill>
+                <a:latin typeface="Arial"/>
+                <a:ea typeface="DejaVu Sans"/>
+              </a:rPr>
+              <a:t>e</a:t>
+            </a:r>
+            <a:r>
+              <a:rPr b="1" lang="en-US" sz="2600" spc="-1" strike="noStrike">
+                <a:solidFill>
+                  <a:srgbClr val="ffffff"/>
+                </a:solidFill>
+                <a:latin typeface="Arial"/>
+                <a:ea typeface="DejaVu Sans"/>
+              </a:rPr>
+              <a:t>s</a:t>
+            </a:r>
+            <a:r>
+              <a:rPr b="1" lang="en-US" sz="2600" spc="-1" strike="noStrike">
+                <a:solidFill>
+                  <a:srgbClr val="ffffff"/>
+                </a:solidFill>
+                <a:latin typeface="Arial"/>
+                <a:ea typeface="DejaVu Sans"/>
+              </a:rPr>
+              <a:t>.</a:t>
+            </a:r>
+            <a:r>
+              <a:rPr b="1" lang="en-US" sz="2600" spc="-1" strike="noStrike">
+                <a:solidFill>
+                  <a:srgbClr val="ffffff"/>
+                </a:solidFill>
+                <a:latin typeface="Arial"/>
+                <a:ea typeface="DejaVu Sans"/>
+              </a:rPr>
+              <a:t>.</a:t>
+            </a:r>
+            <a:r>
+              <a:rPr b="1" lang="en-US" sz="2600" spc="-1" strike="noStrike">
+                <a:solidFill>
+                  <a:srgbClr val="ffffff"/>
+                </a:solidFill>
+                <a:latin typeface="Arial"/>
+                <a:ea typeface="DejaVu Sans"/>
+              </a:rPr>
+              <a:t>.</a:t>
             </a:r>
             <a:endParaRPr b="0" lang="en-US" sz="2600" spc="-1" strike="noStrike">
               <a:latin typeface="Arial"/>
@@ -4099,10 +4848,10 @@
   <p:timing>
     <p:tnLst>
       <p:par>
-        <p:cTn id="5" dur="indefinite" restart="never" nodeType="tmRoot">
+        <p:cTn id="21" dur="indefinite" restart="never" nodeType="tmRoot">
           <p:childTnLst>
             <p:seq>
-              <p:cTn id="6" dur="indefinite" nodeType="mainSeq"/>
+              <p:cTn id="22" dur="indefinite" nodeType="mainSeq"/>
               <p:prevCondLst>
                 <p:cond delay="0" evt="onPrev">
                   <p:tgtEl>
@@ -4126,7 +4875,7 @@
 </p:sld>
 </file>
 
-<file path=ppt/slides/slide4.xml><?xml version="1.0" encoding="utf-8"?>
+<file path=ppt/slides/slide12.xml><?xml version="1.0" encoding="utf-8"?>
 <p:sld xmlns:a="http://schemas.openxmlformats.org/drawingml/2006/main" xmlns:p="http://schemas.openxmlformats.org/presentationml/2006/main" xmlns:r="http://schemas.openxmlformats.org/officeDocument/2006/relationships" xmlns:p14="http://schemas.microsoft.com/office/powerpoint/2010/main" xmlns:p15="http://schemas.microsoft.com/office/powerpoint/2012/main" xmlns:mc="http://schemas.openxmlformats.org/markup-compatibility/2006">
   <p:cSld>
     <p:spTree>
@@ -4145,14 +4894,14 @@
       </p:grpSpPr>
       <p:sp>
         <p:nvSpPr>
-          <p:cNvPr id="85" name="CustomShape 1"/>
+          <p:cNvPr id="116" name="CustomShape 1"/>
           <p:cNvSpPr/>
           <p:nvPr/>
         </p:nvSpPr>
         <p:spPr>
           <a:xfrm>
-            <a:off x="720000" y="279720"/>
-            <a:ext cx="8854920" cy="1304280"/>
+            <a:off x="720000" y="48960"/>
+            <a:ext cx="8854560" cy="1261440"/>
           </a:xfrm>
           <a:prstGeom prst="rect">
             <a:avLst/>
@@ -4177,1167 +4926,31 @@
               </a:lnSpc>
             </a:pPr>
             <a:r>
-              <a:rPr b="1" lang="en-US" sz="4400" spc="-1" strike="noStrike">
-                <a:solidFill>
-                  <a:srgbClr val="333333"/>
-                </a:solidFill>
-                <a:latin typeface="Noto Sans Regular"/>
-                <a:ea typeface="DejaVu Sans"/>
-              </a:rPr>
-              <a:t>Immutability is valorising a variable just ONCE</a:t>
-            </a:r>
-            <a:endParaRPr b="0" lang="en-US" sz="4400" spc="-1" strike="noStrike">
-              <a:latin typeface="Arial"/>
-            </a:endParaRPr>
-          </a:p>
-        </p:txBody>
-      </p:sp>
-      <p:sp>
-        <p:nvSpPr>
-          <p:cNvPr id="86" name="CustomShape 2"/>
+              <a:rPr b="1" lang="en-US" sz="2400" spc="-1" strike="noStrike">
+                <a:solidFill>
+                  <a:srgbClr val="333333"/>
+                </a:solidFill>
+                <a:latin typeface="Noto Sans Regular"/>
+                <a:ea typeface="DejaVu Sans"/>
+              </a:rPr>
+              <a:t>Computations involving values are bound through “typeclass” operators</a:t>
+            </a:r>
+            <a:endParaRPr b="0" lang="en-US" sz="2400" spc="-1" strike="noStrike">
+              <a:latin typeface="Arial"/>
+            </a:endParaRPr>
+          </a:p>
+        </p:txBody>
+      </p:sp>
+      <p:sp>
+        <p:nvSpPr>
+          <p:cNvPr id="117" name="CustomShape 2"/>
           <p:cNvSpPr/>
           <p:nvPr/>
         </p:nvSpPr>
         <p:spPr>
           <a:xfrm>
-            <a:off x="720000" y="2160000"/>
-            <a:ext cx="8639280" cy="4384080"/>
-          </a:xfrm>
-          <a:prstGeom prst="rect">
-            <a:avLst/>
-          </a:prstGeom>
-          <a:noFill/>
-          <a:ln>
-            <a:noFill/>
-          </a:ln>
-        </p:spPr>
-        <p:style>
-          <a:lnRef idx="0"/>
-          <a:fillRef idx="0"/>
-          <a:effectRef idx="0"/>
-          <a:fontRef idx="minor"/>
-        </p:style>
-        <p:txBody>
-          <a:bodyPr lIns="0" rIns="0" tIns="0" bIns="0"/>
-          <a:p>
-            <a:pPr marL="432000" indent="-323280">
-              <a:lnSpc>
-                <a:spcPct val="100000"/>
-              </a:lnSpc>
-              <a:spcAft>
-                <a:spcPts val="1414"/>
-              </a:spcAft>
-              <a:buClr>
-                <a:srgbClr val="ef2929"/>
-              </a:buClr>
-              <a:buSzPct val="45000"/>
-              <a:buFont typeface="Wingdings" charset="2"/>
-              <a:buChar char=""/>
-            </a:pPr>
-            <a:r>
-              <a:rPr b="0" lang="en-US" sz="2800" spc="-1" strike="noStrike">
-                <a:solidFill>
-                  <a:srgbClr val="333333"/>
-                </a:solidFill>
-                <a:latin typeface="Noto Sans Regular"/>
-                <a:ea typeface="DejaVu Sans"/>
-              </a:rPr>
-              <a:t>Technical term is </a:t>
-            </a:r>
-            <a:r>
-              <a:rPr b="0" i="1" lang="en-US" sz="2800" spc="-1" strike="noStrike">
-                <a:solidFill>
-                  <a:srgbClr val="333333"/>
-                </a:solidFill>
-                <a:latin typeface="Noto Sans Regular"/>
-                <a:ea typeface="DejaVu Sans"/>
-              </a:rPr>
-              <a:t>binding</a:t>
-            </a:r>
-            <a:endParaRPr b="0" lang="en-US" sz="2800" spc="-1" strike="noStrike">
-              <a:latin typeface="Arial"/>
-            </a:endParaRPr>
-          </a:p>
-          <a:p>
-            <a:pPr lvl="1" marL="864000" indent="-323280">
-              <a:lnSpc>
-                <a:spcPct val="100000"/>
-              </a:lnSpc>
-              <a:spcAft>
-                <a:spcPts val="1134"/>
-              </a:spcAft>
-              <a:buClr>
-                <a:srgbClr val="ef2929"/>
-              </a:buClr>
-              <a:buSzPct val="75000"/>
-              <a:buFont typeface="Symbol"/>
-              <a:buChar char=""/>
-            </a:pPr>
-            <a:r>
-              <a:rPr b="0" lang="en-US" sz="2800" spc="-1" strike="noStrike">
-                <a:solidFill>
-                  <a:srgbClr val="333333"/>
-                </a:solidFill>
-                <a:latin typeface="Noto Sans Regular"/>
-                <a:ea typeface="DejaVu Sans"/>
-              </a:rPr>
-              <a:t>cannot reassign the value of a bound variable; a bound variable is immutable.</a:t>
-            </a:r>
-            <a:endParaRPr b="0" lang="en-US" sz="2800" spc="-1" strike="noStrike">
-              <a:latin typeface="Arial"/>
-            </a:endParaRPr>
-          </a:p>
-          <a:p>
-            <a:pPr marL="432000" indent="-323280">
-              <a:lnSpc>
-                <a:spcPct val="100000"/>
-              </a:lnSpc>
-              <a:spcAft>
-                <a:spcPts val="1134"/>
-              </a:spcAft>
-              <a:buClr>
-                <a:srgbClr val="ef2929"/>
-              </a:buClr>
-              <a:buSzPct val="45000"/>
-              <a:buFont typeface="Wingdings" charset="2"/>
-              <a:buChar char=""/>
-            </a:pPr>
-            <a:r>
-              <a:rPr b="0" lang="en-US" sz="2800" spc="-1" strike="noStrike">
-                <a:solidFill>
-                  <a:srgbClr val="333333"/>
-                </a:solidFill>
-                <a:latin typeface="Noto Sans Regular"/>
-                <a:ea typeface="DejaVu Sans"/>
-              </a:rPr>
-              <a:t>JavaScript objects and arrays are extremely mutable:</a:t>
-            </a:r>
-            <a:endParaRPr b="0" lang="en-US" sz="2800" spc="-1" strike="noStrike">
-              <a:latin typeface="Arial"/>
-            </a:endParaRPr>
-          </a:p>
-          <a:p>
-            <a:pPr lvl="1" marL="864000" indent="-323280">
-              <a:lnSpc>
-                <a:spcPct val="100000"/>
-              </a:lnSpc>
-              <a:spcAft>
-                <a:spcPts val="1134"/>
-              </a:spcAft>
-              <a:buClr>
-                <a:srgbClr val="ef2929"/>
-              </a:buClr>
-              <a:buSzPct val="75000"/>
-              <a:buFont typeface="Symbol"/>
-              <a:buChar char=""/>
-            </a:pPr>
-            <a:r>
-              <a:rPr b="0" lang="en-US" sz="2800" spc="-1" strike="noStrike">
-                <a:solidFill>
-                  <a:srgbClr val="333333"/>
-                </a:solidFill>
-                <a:latin typeface="Noto Sans Regular"/>
-                <a:ea typeface="DejaVu Sans"/>
-              </a:rPr>
-              <a:t>let a = [1,2,3]; a = 'pippo';</a:t>
-            </a:r>
-            <a:endParaRPr b="0" lang="en-US" sz="2800" spc="-1" strike="noStrike">
-              <a:latin typeface="Arial"/>
-            </a:endParaRPr>
-          </a:p>
-          <a:p>
-            <a:pPr lvl="1" marL="864000" indent="-323280">
-              <a:lnSpc>
-                <a:spcPct val="100000"/>
-              </a:lnSpc>
-              <a:spcAft>
-                <a:spcPts val="1134"/>
-              </a:spcAft>
-              <a:buClr>
-                <a:srgbClr val="ef2929"/>
-              </a:buClr>
-              <a:buSzPct val="75000"/>
-              <a:buFont typeface="Symbol"/>
-              <a:buChar char=""/>
-            </a:pPr>
-            <a:r>
-              <a:rPr b="0" lang="en-US" sz="2800" spc="-1" strike="noStrike">
-                <a:solidFill>
-                  <a:srgbClr val="333333"/>
-                </a:solidFill>
-                <a:latin typeface="Noto Sans Regular"/>
-                <a:ea typeface="DejaVu Sans"/>
-              </a:rPr>
-              <a:t>const a = [1,2,3]; a[2] = 4;</a:t>
-            </a:r>
-            <a:endParaRPr b="0" lang="en-US" sz="2800" spc="-1" strike="noStrike">
-              <a:latin typeface="Arial"/>
-            </a:endParaRPr>
-          </a:p>
-        </p:txBody>
-      </p:sp>
-      <p:sp>
-        <p:nvSpPr>
-          <p:cNvPr id="87" name="CustomShape 3"/>
-          <p:cNvSpPr/>
-          <p:nvPr/>
-        </p:nvSpPr>
-        <p:spPr>
-          <a:xfrm>
-            <a:off x="933840" y="5996160"/>
-            <a:ext cx="4022640" cy="1188000"/>
-          </a:xfrm>
-          <a:prstGeom prst="rect">
-            <a:avLst/>
-          </a:prstGeom>
-          <a:solidFill>
-            <a:srgbClr val="729fcf"/>
-          </a:solidFill>
-          <a:ln>
-            <a:solidFill>
-              <a:srgbClr val="3465a4"/>
-            </a:solidFill>
-          </a:ln>
-        </p:spPr>
-        <p:style>
-          <a:lnRef idx="0"/>
-          <a:fillRef idx="0"/>
-          <a:effectRef idx="0"/>
-          <a:fontRef idx="minor"/>
-        </p:style>
-        <p:txBody>
-          <a:bodyPr wrap="none" lIns="90000" rIns="90000" tIns="45000" bIns="45000" anchor="ctr"/>
-          <a:p>
-            <a:pPr algn="ctr">
-              <a:lnSpc>
-                <a:spcPct val="100000"/>
-              </a:lnSpc>
-            </a:pPr>
-            <a:r>
-              <a:rPr b="1" lang="en-US" sz="2600" spc="-1" strike="noStrike">
-                <a:solidFill>
-                  <a:srgbClr val="ffffff"/>
-                </a:solidFill>
-                <a:latin typeface="Arial"/>
-                <a:ea typeface="DejaVu Sans"/>
-              </a:rPr>
-              <a:t>Keep mutations </a:t>
-            </a:r>
-            <a:endParaRPr b="0" lang="en-US" sz="2600" spc="-1" strike="noStrike">
-              <a:latin typeface="Arial"/>
-            </a:endParaRPr>
-          </a:p>
-          <a:p>
-            <a:pPr algn="ctr">
-              <a:lnSpc>
-                <a:spcPct val="100000"/>
-              </a:lnSpc>
-            </a:pPr>
-            <a:r>
-              <a:rPr b="1" lang="en-US" sz="2600" spc="-1" strike="noStrike">
-                <a:solidFill>
-                  <a:srgbClr val="ffffff"/>
-                </a:solidFill>
-                <a:latin typeface="Arial"/>
-                <a:ea typeface="DejaVu Sans"/>
-              </a:rPr>
-              <a:t>inside methods</a:t>
-            </a:r>
-            <a:endParaRPr b="0" lang="en-US" sz="2600" spc="-1" strike="noStrike">
-              <a:latin typeface="Arial"/>
-            </a:endParaRPr>
-          </a:p>
-        </p:txBody>
-      </p:sp>
-      <p:sp>
-        <p:nvSpPr>
-          <p:cNvPr id="88" name="CustomShape 4"/>
-          <p:cNvSpPr/>
-          <p:nvPr/>
-        </p:nvSpPr>
-        <p:spPr>
-          <a:xfrm>
-            <a:off x="5145840" y="5996160"/>
-            <a:ext cx="4022640" cy="1188000"/>
-          </a:xfrm>
-          <a:prstGeom prst="rect">
-            <a:avLst/>
-          </a:prstGeom>
-          <a:solidFill>
-            <a:srgbClr val="729fcf"/>
-          </a:solidFill>
-          <a:ln>
-            <a:solidFill>
-              <a:srgbClr val="3465a4"/>
-            </a:solidFill>
-          </a:ln>
-        </p:spPr>
-        <p:style>
-          <a:lnRef idx="0"/>
-          <a:fillRef idx="0"/>
-          <a:effectRef idx="0"/>
-          <a:fontRef idx="minor"/>
-        </p:style>
-        <p:txBody>
-          <a:bodyPr wrap="none" lIns="90000" rIns="90000" tIns="45000" bIns="45000" anchor="ctr"/>
-          <a:p>
-            <a:pPr algn="ctr">
-              <a:lnSpc>
-                <a:spcPct val="100000"/>
-              </a:lnSpc>
-            </a:pPr>
-            <a:r>
-              <a:rPr b="1" lang="en-US" sz="2600" spc="-1" strike="noStrike">
-                <a:solidFill>
-                  <a:srgbClr val="ffffff"/>
-                </a:solidFill>
-                <a:latin typeface="Arial"/>
-                <a:ea typeface="DejaVu Sans"/>
-              </a:rPr>
-              <a:t>Use methods that return </a:t>
-            </a:r>
-            <a:endParaRPr b="0" lang="en-US" sz="2600" spc="-1" strike="noStrike">
-              <a:latin typeface="Arial"/>
-            </a:endParaRPr>
-          </a:p>
-          <a:p>
-            <a:pPr algn="ctr">
-              <a:lnSpc>
-                <a:spcPct val="100000"/>
-              </a:lnSpc>
-            </a:pPr>
-            <a:r>
-              <a:rPr b="1" lang="en-US" sz="2600" spc="-1" strike="noStrike">
-                <a:solidFill>
-                  <a:srgbClr val="ffffff"/>
-                </a:solidFill>
-                <a:latin typeface="Arial"/>
-                <a:ea typeface="DejaVu Sans"/>
-              </a:rPr>
-              <a:t>copies of their input </a:t>
-            </a:r>
-            <a:endParaRPr b="0" lang="en-US" sz="2600" spc="-1" strike="noStrike">
-              <a:latin typeface="Arial"/>
-            </a:endParaRPr>
-          </a:p>
-        </p:txBody>
-      </p:sp>
-    </p:spTree>
-  </p:cSld>
-  <p:timing>
-    <p:tnLst>
-      <p:par>
-        <p:cTn id="7" dur="indefinite" restart="never" nodeType="tmRoot">
-          <p:childTnLst>
-            <p:seq>
-              <p:cTn id="8" dur="indefinite" nodeType="mainSeq"/>
-              <p:prevCondLst>
-                <p:cond delay="0" evt="onPrev">
-                  <p:tgtEl>
-                    <p:sldTgt/>
-                  </p:tgtEl>
-                </p:cond>
-              </p:prevCondLst>
-              <p:nextCondLst>
-                <p:cond delay="0" evt="onNext">
-                  <p:tgtEl>
-                    <p:sldTgt/>
-                  </p:tgtEl>
-                </p:cond>
-              </p:nextCondLst>
-            </p:seq>
-          </p:childTnLst>
-        </p:cTn>
-      </p:par>
-    </p:tnLst>
-  </p:timing>
-</p:sld>
-</file>
-
-<file path=ppt/slides/slide5.xml><?xml version="1.0" encoding="utf-8"?>
-<p:sld xmlns:a="http://schemas.openxmlformats.org/drawingml/2006/main" xmlns:p="http://schemas.openxmlformats.org/presentationml/2006/main" xmlns:r="http://schemas.openxmlformats.org/officeDocument/2006/relationships" xmlns:p14="http://schemas.microsoft.com/office/powerpoint/2010/main" xmlns:p15="http://schemas.microsoft.com/office/powerpoint/2012/main" xmlns:mc="http://schemas.openxmlformats.org/markup-compatibility/2006">
-  <p:cSld>
-    <p:spTree>
-      <p:nvGrpSpPr>
-        <p:cNvPr id="1" name=""/>
-        <p:cNvGrpSpPr/>
-        <p:nvPr/>
-      </p:nvGrpSpPr>
-      <p:grpSpPr>
-        <a:xfrm>
-          <a:off x="0" y="0"/>
-          <a:ext cx="0" cy="0"/>
-          <a:chOff x="0" y="0"/>
-          <a:chExt cx="0" cy="0"/>
-        </a:xfrm>
-      </p:grpSpPr>
-      <p:sp>
-        <p:nvSpPr>
-          <p:cNvPr id="89" name="CustomShape 1"/>
-          <p:cNvSpPr/>
-          <p:nvPr/>
-        </p:nvSpPr>
-        <p:spPr>
-          <a:xfrm>
-            <a:off x="720000" y="300960"/>
-            <a:ext cx="8854920" cy="1261800"/>
-          </a:xfrm>
-          <a:prstGeom prst="rect">
-            <a:avLst/>
-          </a:prstGeom>
-          <a:noFill/>
-          <a:ln>
-            <a:noFill/>
-          </a:ln>
-        </p:spPr>
-        <p:style>
-          <a:lnRef idx="0"/>
-          <a:fillRef idx="0"/>
-          <a:effectRef idx="0"/>
-          <a:fontRef idx="minor"/>
-        </p:style>
-        <p:txBody>
-          <a:bodyPr lIns="0" rIns="0" tIns="0" bIns="0" anchor="ctr"/>
-          <a:p>
-            <a:pPr>
-              <a:lnSpc>
-                <a:spcPct val="100000"/>
-              </a:lnSpc>
-            </a:pPr>
-            <a:r>
-              <a:rPr b="1" lang="en-US" sz="3200" spc="-1" strike="noStrike">
-                <a:solidFill>
-                  <a:srgbClr val="333333"/>
-                </a:solidFill>
-                <a:latin typeface="Noto Sans Regular"/>
-                <a:ea typeface="DejaVu Sans"/>
-              </a:rPr>
-              <a:t>Bad methods modify their input</a:t>
-            </a:r>
-            <a:br/>
-            <a:r>
-              <a:rPr b="1" lang="en-US" sz="3200" spc="-1" strike="noStrike">
-                <a:solidFill>
-                  <a:srgbClr val="333333"/>
-                </a:solidFill>
-                <a:latin typeface="Noto Sans Regular"/>
-                <a:ea typeface="DejaVu Sans"/>
-              </a:rPr>
-              <a:t>Good methods create [shallow] copies</a:t>
-            </a:r>
-            <a:endParaRPr b="0" lang="en-US" sz="3200" spc="-1" strike="noStrike">
-              <a:latin typeface="Arial"/>
-            </a:endParaRPr>
-          </a:p>
-        </p:txBody>
-      </p:sp>
-      <p:sp>
-        <p:nvSpPr>
-          <p:cNvPr id="90" name="CustomShape 2"/>
-          <p:cNvSpPr/>
-          <p:nvPr/>
-        </p:nvSpPr>
-        <p:spPr>
-          <a:xfrm>
-            <a:off x="720000" y="2160000"/>
-            <a:ext cx="3942720" cy="4384080"/>
-          </a:xfrm>
-          <a:prstGeom prst="rect">
-            <a:avLst/>
-          </a:prstGeom>
-          <a:noFill/>
-          <a:ln>
-            <a:noFill/>
-          </a:ln>
-        </p:spPr>
-        <p:style>
-          <a:lnRef idx="0"/>
-          <a:fillRef idx="0"/>
-          <a:effectRef idx="0"/>
-          <a:fontRef idx="minor"/>
-        </p:style>
-        <p:txBody>
-          <a:bodyPr lIns="0" rIns="0" tIns="0" bIns="0"/>
-          <a:p>
-            <a:pPr marL="432000" indent="-323280">
-              <a:lnSpc>
-                <a:spcPct val="100000"/>
-              </a:lnSpc>
-              <a:spcAft>
-                <a:spcPts val="1414"/>
-              </a:spcAft>
-              <a:buClr>
-                <a:srgbClr val="ef2929"/>
-              </a:buClr>
-              <a:buSzPct val="45000"/>
-              <a:buFont typeface="Wingdings" charset="2"/>
-              <a:buChar char=""/>
-            </a:pPr>
-            <a:r>
-              <a:rPr b="0" lang="en-US" sz="2800" spc="-1" strike="noStrike">
-                <a:solidFill>
-                  <a:srgbClr val="333333"/>
-                </a:solidFill>
-                <a:latin typeface="Noto Sans Regular"/>
-                <a:ea typeface="DejaVu Sans"/>
-              </a:rPr>
-              <a:t>map</a:t>
-            </a:r>
-            <a:endParaRPr b="0" lang="en-US" sz="2800" spc="-1" strike="noStrike">
-              <a:latin typeface="Arial"/>
-            </a:endParaRPr>
-          </a:p>
-          <a:p>
-            <a:pPr marL="432000" indent="-323280">
-              <a:lnSpc>
-                <a:spcPct val="100000"/>
-              </a:lnSpc>
-              <a:spcAft>
-                <a:spcPts val="1414"/>
-              </a:spcAft>
-              <a:buClr>
-                <a:srgbClr val="ef2929"/>
-              </a:buClr>
-              <a:buSzPct val="45000"/>
-              <a:buFont typeface="Wingdings" charset="2"/>
-              <a:buChar char=""/>
-            </a:pPr>
-            <a:r>
-              <a:rPr b="0" lang="en-US" sz="2800" spc="-1" strike="noStrike">
-                <a:solidFill>
-                  <a:srgbClr val="333333"/>
-                </a:solidFill>
-                <a:latin typeface="Noto Sans Regular"/>
-                <a:ea typeface="DejaVu Sans"/>
-              </a:rPr>
-              <a:t>filter</a:t>
-            </a:r>
-            <a:endParaRPr b="0" lang="en-US" sz="2800" spc="-1" strike="noStrike">
-              <a:latin typeface="Arial"/>
-            </a:endParaRPr>
-          </a:p>
-          <a:p>
-            <a:pPr marL="432000" indent="-323280">
-              <a:lnSpc>
-                <a:spcPct val="100000"/>
-              </a:lnSpc>
-              <a:spcAft>
-                <a:spcPts val="1414"/>
-              </a:spcAft>
-              <a:buClr>
-                <a:srgbClr val="ef2929"/>
-              </a:buClr>
-              <a:buSzPct val="45000"/>
-              <a:buFont typeface="Wingdings" charset="2"/>
-              <a:buChar char=""/>
-            </a:pPr>
-            <a:r>
-              <a:rPr b="0" lang="en-US" sz="2800" spc="-1" strike="noStrike">
-                <a:solidFill>
-                  <a:srgbClr val="333333"/>
-                </a:solidFill>
-                <a:latin typeface="Noto Sans Regular"/>
-                <a:ea typeface="DejaVu Sans"/>
-              </a:rPr>
-              <a:t>concat</a:t>
-            </a:r>
-            <a:endParaRPr b="0" lang="en-US" sz="2800" spc="-1" strike="noStrike">
-              <a:latin typeface="Arial"/>
-            </a:endParaRPr>
-          </a:p>
-          <a:p>
-            <a:pPr marL="432000" indent="-323280">
-              <a:lnSpc>
-                <a:spcPct val="100000"/>
-              </a:lnSpc>
-              <a:spcAft>
-                <a:spcPts val="1414"/>
-              </a:spcAft>
-              <a:buClr>
-                <a:srgbClr val="ef2929"/>
-              </a:buClr>
-              <a:buSzPct val="45000"/>
-              <a:buFont typeface="Wingdings" charset="2"/>
-              <a:buChar char=""/>
-            </a:pPr>
-            <a:r>
-              <a:rPr b="0" lang="en-US" sz="2800" spc="-1" strike="noStrike">
-                <a:solidFill>
-                  <a:srgbClr val="333333"/>
-                </a:solidFill>
-                <a:latin typeface="Noto Sans Regular"/>
-                <a:ea typeface="DejaVu Sans"/>
-              </a:rPr>
-              <a:t>slice</a:t>
-            </a:r>
-            <a:endParaRPr b="0" lang="en-US" sz="2800" spc="-1" strike="noStrike">
-              <a:latin typeface="Arial"/>
-            </a:endParaRPr>
-          </a:p>
-          <a:p>
-            <a:pPr marL="432000" indent="-323280">
-              <a:lnSpc>
-                <a:spcPct val="100000"/>
-              </a:lnSpc>
-              <a:spcAft>
-                <a:spcPts val="1414"/>
-              </a:spcAft>
-              <a:buClr>
-                <a:srgbClr val="ef2929"/>
-              </a:buClr>
-              <a:buSzPct val="45000"/>
-              <a:buFont typeface="Wingdings" charset="2"/>
-              <a:buChar char=""/>
-            </a:pPr>
-            <a:r>
-              <a:rPr b="0" lang="en-US" sz="2800" spc="-1" strike="noStrike">
-                <a:solidFill>
-                  <a:srgbClr val="333333"/>
-                </a:solidFill>
-                <a:latin typeface="Noto Sans Regular"/>
-                <a:ea typeface="DejaVu Sans"/>
-              </a:rPr>
-              <a:t>Array.from</a:t>
-            </a:r>
-            <a:endParaRPr b="0" lang="en-US" sz="2800" spc="-1" strike="noStrike">
-              <a:latin typeface="Arial"/>
-            </a:endParaRPr>
-          </a:p>
-        </p:txBody>
-      </p:sp>
-      <p:sp>
-        <p:nvSpPr>
-          <p:cNvPr id="91" name="CustomShape 3"/>
-          <p:cNvSpPr/>
-          <p:nvPr/>
-        </p:nvSpPr>
-        <p:spPr>
-          <a:xfrm>
-            <a:off x="5394960" y="2286000"/>
-            <a:ext cx="3942720" cy="4384080"/>
-          </a:xfrm>
-          <a:prstGeom prst="rect">
-            <a:avLst/>
-          </a:prstGeom>
-          <a:noFill/>
-          <a:ln>
-            <a:noFill/>
-          </a:ln>
-        </p:spPr>
-        <p:style>
-          <a:lnRef idx="0"/>
-          <a:fillRef idx="0"/>
-          <a:effectRef idx="0"/>
-          <a:fontRef idx="minor"/>
-        </p:style>
-        <p:txBody>
-          <a:bodyPr lIns="0" rIns="0" tIns="0" bIns="0"/>
-          <a:p>
-            <a:pPr marL="432000" indent="-323280">
-              <a:lnSpc>
-                <a:spcPct val="100000"/>
-              </a:lnSpc>
-              <a:spcAft>
-                <a:spcPts val="1414"/>
-              </a:spcAft>
-              <a:buClr>
-                <a:srgbClr val="ef2929"/>
-              </a:buClr>
-              <a:buSzPct val="45000"/>
-              <a:buFont typeface="Wingdings" charset="2"/>
-              <a:buChar char=""/>
-            </a:pPr>
-            <a:r>
-              <a:rPr b="0" lang="en-US" sz="2800" spc="-1" strike="noStrike">
-                <a:solidFill>
-                  <a:srgbClr val="333333"/>
-                </a:solidFill>
-                <a:latin typeface="Noto Sans Regular"/>
-                <a:ea typeface="DejaVu Sans"/>
-              </a:rPr>
-              <a:t>pop/push</a:t>
-            </a:r>
-            <a:endParaRPr b="0" lang="en-US" sz="2800" spc="-1" strike="noStrike">
-              <a:latin typeface="Arial"/>
-            </a:endParaRPr>
-          </a:p>
-          <a:p>
-            <a:pPr marL="432000" indent="-323280">
-              <a:lnSpc>
-                <a:spcPct val="100000"/>
-              </a:lnSpc>
-              <a:spcAft>
-                <a:spcPts val="1414"/>
-              </a:spcAft>
-              <a:buClr>
-                <a:srgbClr val="ef2929"/>
-              </a:buClr>
-              <a:buSzPct val="45000"/>
-              <a:buFont typeface="Wingdings" charset="2"/>
-              <a:buChar char=""/>
-            </a:pPr>
-            <a:r>
-              <a:rPr b="0" lang="en-US" sz="2800" spc="-1" strike="noStrike">
-                <a:solidFill>
-                  <a:srgbClr val="333333"/>
-                </a:solidFill>
-                <a:latin typeface="Noto Sans Regular"/>
-                <a:ea typeface="DejaVu Sans"/>
-              </a:rPr>
-              <a:t>shift/unshift</a:t>
-            </a:r>
-            <a:endParaRPr b="0" lang="en-US" sz="2800" spc="-1" strike="noStrike">
-              <a:latin typeface="Arial"/>
-            </a:endParaRPr>
-          </a:p>
-          <a:p>
-            <a:pPr marL="432000" indent="-323280">
-              <a:lnSpc>
-                <a:spcPct val="100000"/>
-              </a:lnSpc>
-              <a:spcAft>
-                <a:spcPts val="1414"/>
-              </a:spcAft>
-              <a:buClr>
-                <a:srgbClr val="ef2929"/>
-              </a:buClr>
-              <a:buSzPct val="45000"/>
-              <a:buFont typeface="Wingdings" charset="2"/>
-              <a:buChar char=""/>
-            </a:pPr>
-            <a:r>
-              <a:rPr b="0" lang="en-US" sz="2800" spc="-1" strike="noStrike">
-                <a:solidFill>
-                  <a:srgbClr val="333333"/>
-                </a:solidFill>
-                <a:latin typeface="Noto Sans Regular"/>
-                <a:ea typeface="DejaVu Sans"/>
-              </a:rPr>
-              <a:t>reverse</a:t>
-            </a:r>
-            <a:endParaRPr b="0" lang="en-US" sz="2800" spc="-1" strike="noStrike">
-              <a:latin typeface="Arial"/>
-            </a:endParaRPr>
-          </a:p>
-          <a:p>
-            <a:pPr marL="432000" indent="-323280">
-              <a:lnSpc>
-                <a:spcPct val="100000"/>
-              </a:lnSpc>
-              <a:spcAft>
-                <a:spcPts val="1414"/>
-              </a:spcAft>
-              <a:buClr>
-                <a:srgbClr val="ef2929"/>
-              </a:buClr>
-              <a:buSzPct val="45000"/>
-              <a:buFont typeface="Wingdings" charset="2"/>
-              <a:buChar char=""/>
-            </a:pPr>
-            <a:r>
-              <a:rPr b="0" lang="en-US" sz="2800" spc="-1" strike="noStrike">
-                <a:solidFill>
-                  <a:srgbClr val="333333"/>
-                </a:solidFill>
-                <a:latin typeface="Noto Sans Regular"/>
-                <a:ea typeface="DejaVu Sans"/>
-              </a:rPr>
-              <a:t>sort</a:t>
-            </a:r>
-            <a:endParaRPr b="0" lang="en-US" sz="2800" spc="-1" strike="noStrike">
-              <a:latin typeface="Arial"/>
-            </a:endParaRPr>
-          </a:p>
-          <a:p>
-            <a:pPr marL="432000" indent="-323280">
-              <a:lnSpc>
-                <a:spcPct val="100000"/>
-              </a:lnSpc>
-              <a:spcAft>
-                <a:spcPts val="1414"/>
-              </a:spcAft>
-              <a:buClr>
-                <a:srgbClr val="ef2929"/>
-              </a:buClr>
-              <a:buSzPct val="45000"/>
-              <a:buFont typeface="Wingdings" charset="2"/>
-              <a:buChar char=""/>
-            </a:pPr>
-            <a:r>
-              <a:rPr b="0" lang="en-US" sz="2800" spc="-1" strike="noStrike">
-                <a:solidFill>
-                  <a:srgbClr val="333333"/>
-                </a:solidFill>
-                <a:latin typeface="Noto Sans Regular"/>
-                <a:ea typeface="DejaVu Sans"/>
-              </a:rPr>
-              <a:t>splice</a:t>
-            </a:r>
-            <a:endParaRPr b="0" lang="en-US" sz="2800" spc="-1" strike="noStrike">
-              <a:latin typeface="Arial"/>
-            </a:endParaRPr>
-          </a:p>
-          <a:p>
-            <a:pPr marL="432000" indent="-323280">
-              <a:lnSpc>
-                <a:spcPct val="100000"/>
-              </a:lnSpc>
-              <a:spcAft>
-                <a:spcPts val="1414"/>
-              </a:spcAft>
-              <a:buClr>
-                <a:srgbClr val="ef2929"/>
-              </a:buClr>
-              <a:buSzPct val="45000"/>
-              <a:buFont typeface="Wingdings" charset="2"/>
-              <a:buChar char=""/>
-            </a:pPr>
-            <a:r>
-              <a:rPr b="0" lang="en-US" sz="2800" spc="-1" strike="noStrike">
-                <a:solidFill>
-                  <a:srgbClr val="333333"/>
-                </a:solidFill>
-                <a:latin typeface="Noto Sans Regular"/>
-                <a:ea typeface="DejaVu Sans"/>
-              </a:rPr>
-              <a:t>copyWithin</a:t>
-            </a:r>
-            <a:endParaRPr b="0" lang="en-US" sz="2800" spc="-1" strike="noStrike">
-              <a:latin typeface="Arial"/>
-            </a:endParaRPr>
-          </a:p>
-        </p:txBody>
-      </p:sp>
-      <p:sp>
-        <p:nvSpPr>
-          <p:cNvPr id="92" name="CustomShape 4"/>
-          <p:cNvSpPr/>
-          <p:nvPr/>
-        </p:nvSpPr>
-        <p:spPr>
-          <a:xfrm>
-            <a:off x="720000" y="2160000"/>
-            <a:ext cx="3942720" cy="4384080"/>
-          </a:xfrm>
-          <a:prstGeom prst="rect">
-            <a:avLst/>
-          </a:prstGeom>
-          <a:noFill/>
-          <a:ln>
-            <a:noFill/>
-          </a:ln>
-        </p:spPr>
-        <p:style>
-          <a:lnRef idx="0"/>
-          <a:fillRef idx="0"/>
-          <a:effectRef idx="0"/>
-          <a:fontRef idx="minor"/>
-        </p:style>
-        <p:txBody>
-          <a:bodyPr lIns="0" rIns="0" tIns="0" bIns="0"/>
-          <a:p>
-            <a:pPr marL="432000" indent="-323280">
-              <a:lnSpc>
-                <a:spcPct val="100000"/>
-              </a:lnSpc>
-              <a:spcAft>
-                <a:spcPts val="1414"/>
-              </a:spcAft>
-              <a:buClr>
-                <a:srgbClr val="ef2929"/>
-              </a:buClr>
-              <a:buSzPct val="45000"/>
-              <a:buFont typeface="Wingdings" charset="2"/>
-              <a:buChar char=""/>
-            </a:pPr>
-            <a:r>
-              <a:rPr b="0" lang="en-US" sz="2800" spc="-1" strike="noStrike">
-                <a:solidFill>
-                  <a:srgbClr val="333333"/>
-                </a:solidFill>
-                <a:latin typeface="Noto Sans Regular"/>
-                <a:ea typeface="DejaVu Sans"/>
-              </a:rPr>
-              <a:t>map</a:t>
-            </a:r>
-            <a:endParaRPr b="0" lang="en-US" sz="2800" spc="-1" strike="noStrike">
-              <a:latin typeface="Arial"/>
-            </a:endParaRPr>
-          </a:p>
-          <a:p>
-            <a:pPr marL="432000" indent="-323280">
-              <a:lnSpc>
-                <a:spcPct val="100000"/>
-              </a:lnSpc>
-              <a:spcAft>
-                <a:spcPts val="1414"/>
-              </a:spcAft>
-              <a:buClr>
-                <a:srgbClr val="ef2929"/>
-              </a:buClr>
-              <a:buSzPct val="45000"/>
-              <a:buFont typeface="Wingdings" charset="2"/>
-              <a:buChar char=""/>
-            </a:pPr>
-            <a:r>
-              <a:rPr b="0" lang="en-US" sz="2800" spc="-1" strike="noStrike">
-                <a:solidFill>
-                  <a:srgbClr val="333333"/>
-                </a:solidFill>
-                <a:latin typeface="Noto Sans Regular"/>
-                <a:ea typeface="DejaVu Sans"/>
-              </a:rPr>
-              <a:t>filter</a:t>
-            </a:r>
-            <a:endParaRPr b="0" lang="en-US" sz="2800" spc="-1" strike="noStrike">
-              <a:latin typeface="Arial"/>
-            </a:endParaRPr>
-          </a:p>
-          <a:p>
-            <a:pPr marL="432000" indent="-323280">
-              <a:lnSpc>
-                <a:spcPct val="100000"/>
-              </a:lnSpc>
-              <a:spcAft>
-                <a:spcPts val="1414"/>
-              </a:spcAft>
-              <a:buClr>
-                <a:srgbClr val="ef2929"/>
-              </a:buClr>
-              <a:buSzPct val="45000"/>
-              <a:buFont typeface="Wingdings" charset="2"/>
-              <a:buChar char=""/>
-            </a:pPr>
-            <a:r>
-              <a:rPr b="0" lang="en-US" sz="2800" spc="-1" strike="noStrike">
-                <a:solidFill>
-                  <a:srgbClr val="333333"/>
-                </a:solidFill>
-                <a:latin typeface="Noto Sans Regular"/>
-                <a:ea typeface="DejaVu Sans"/>
-              </a:rPr>
-              <a:t>concat</a:t>
-            </a:r>
-            <a:endParaRPr b="0" lang="en-US" sz="2800" spc="-1" strike="noStrike">
-              <a:latin typeface="Arial"/>
-            </a:endParaRPr>
-          </a:p>
-          <a:p>
-            <a:pPr marL="432000" indent="-323280">
-              <a:lnSpc>
-                <a:spcPct val="100000"/>
-              </a:lnSpc>
-              <a:spcAft>
-                <a:spcPts val="1414"/>
-              </a:spcAft>
-              <a:buClr>
-                <a:srgbClr val="ef2929"/>
-              </a:buClr>
-              <a:buSzPct val="45000"/>
-              <a:buFont typeface="Wingdings" charset="2"/>
-              <a:buChar char=""/>
-            </a:pPr>
-            <a:r>
-              <a:rPr b="0" lang="en-US" sz="2800" spc="-1" strike="noStrike">
-                <a:solidFill>
-                  <a:srgbClr val="333333"/>
-                </a:solidFill>
-                <a:latin typeface="Noto Sans Regular"/>
-                <a:ea typeface="DejaVu Sans"/>
-              </a:rPr>
-              <a:t>slice</a:t>
-            </a:r>
-            <a:endParaRPr b="0" lang="en-US" sz="2800" spc="-1" strike="noStrike">
-              <a:latin typeface="Arial"/>
-            </a:endParaRPr>
-          </a:p>
-          <a:p>
-            <a:pPr marL="432000" indent="-323280">
-              <a:lnSpc>
-                <a:spcPct val="100000"/>
-              </a:lnSpc>
-              <a:spcAft>
-                <a:spcPts val="1414"/>
-              </a:spcAft>
-              <a:buClr>
-                <a:srgbClr val="ef2929"/>
-              </a:buClr>
-              <a:buSzPct val="45000"/>
-              <a:buFont typeface="Wingdings" charset="2"/>
-              <a:buChar char=""/>
-            </a:pPr>
-            <a:r>
-              <a:rPr b="0" lang="en-US" sz="2800" spc="-1" strike="noStrike">
-                <a:solidFill>
-                  <a:srgbClr val="333333"/>
-                </a:solidFill>
-                <a:latin typeface="Noto Sans Regular"/>
-                <a:ea typeface="DejaVu Sans"/>
-              </a:rPr>
-              <a:t>Array.from</a:t>
-            </a:r>
-            <a:endParaRPr b="0" lang="en-US" sz="2800" spc="-1" strike="noStrike">
-              <a:latin typeface="Arial"/>
-            </a:endParaRPr>
-          </a:p>
-        </p:txBody>
-      </p:sp>
-      <p:sp>
-        <p:nvSpPr>
-          <p:cNvPr id="93" name="CustomShape 5"/>
-          <p:cNvSpPr/>
-          <p:nvPr/>
-        </p:nvSpPr>
-        <p:spPr>
-          <a:xfrm>
-            <a:off x="933840" y="5996160"/>
-            <a:ext cx="4022640" cy="1188000"/>
-          </a:xfrm>
-          <a:prstGeom prst="rect">
-            <a:avLst/>
-          </a:prstGeom>
-          <a:solidFill>
-            <a:srgbClr val="729fcf"/>
-          </a:solidFill>
-          <a:ln>
-            <a:solidFill>
-              <a:srgbClr val="3465a4"/>
-            </a:solidFill>
-          </a:ln>
-        </p:spPr>
-        <p:style>
-          <a:lnRef idx="0"/>
-          <a:fillRef idx="0"/>
-          <a:effectRef idx="0"/>
-          <a:fontRef idx="minor"/>
-        </p:style>
-        <p:txBody>
-          <a:bodyPr wrap="none" lIns="90000" rIns="90000" tIns="45000" bIns="45000" anchor="ctr"/>
-          <a:p>
-            <a:pPr algn="ctr">
-              <a:lnSpc>
-                <a:spcPct val="100000"/>
-              </a:lnSpc>
-            </a:pPr>
-            <a:r>
-              <a:rPr b="1" lang="en-US" sz="2600" spc="-1" strike="noStrike">
-                <a:solidFill>
-                  <a:srgbClr val="ffffff"/>
-                </a:solidFill>
-                <a:latin typeface="Arial"/>
-                <a:ea typeface="DejaVu Sans"/>
-              </a:rPr>
-              <a:t>These methods give </a:t>
-            </a:r>
-            <a:endParaRPr b="0" lang="en-US" sz="2600" spc="-1" strike="noStrike">
-              <a:latin typeface="Arial"/>
-            </a:endParaRPr>
-          </a:p>
-          <a:p>
-            <a:pPr algn="ctr">
-              <a:lnSpc>
-                <a:spcPct val="100000"/>
-              </a:lnSpc>
-            </a:pPr>
-            <a:r>
-              <a:rPr b="1" lang="en-US" sz="2600" spc="-1" strike="noStrike">
-                <a:solidFill>
-                  <a:srgbClr val="ffffff"/>
-                </a:solidFill>
-                <a:latin typeface="Arial"/>
-                <a:ea typeface="DejaVu Sans"/>
-              </a:rPr>
-              <a:t>lots of work to the GC</a:t>
-            </a:r>
-            <a:endParaRPr b="0" lang="en-US" sz="2600" spc="-1" strike="noStrike">
-              <a:latin typeface="Arial"/>
-            </a:endParaRPr>
-          </a:p>
-        </p:txBody>
-      </p:sp>
-      <p:sp>
-        <p:nvSpPr>
-          <p:cNvPr id="94" name="CustomShape 6"/>
-          <p:cNvSpPr/>
-          <p:nvPr/>
-        </p:nvSpPr>
-        <p:spPr>
-          <a:xfrm>
-            <a:off x="5120640" y="6035040"/>
-            <a:ext cx="4022640" cy="1188000"/>
-          </a:xfrm>
-          <a:prstGeom prst="rect">
-            <a:avLst/>
-          </a:prstGeom>
-          <a:solidFill>
-            <a:srgbClr val="729fcf"/>
-          </a:solidFill>
-          <a:ln>
-            <a:solidFill>
-              <a:srgbClr val="3465a4"/>
-            </a:solidFill>
-          </a:ln>
-        </p:spPr>
-        <p:style>
-          <a:lnRef idx="0"/>
-          <a:fillRef idx="0"/>
-          <a:effectRef idx="0"/>
-          <a:fontRef idx="minor"/>
-        </p:style>
-        <p:txBody>
-          <a:bodyPr wrap="none" lIns="90000" rIns="90000" tIns="45000" bIns="45000" anchor="ctr"/>
-          <a:p>
-            <a:pPr algn="ctr">
-              <a:lnSpc>
-                <a:spcPct val="100000"/>
-              </a:lnSpc>
-            </a:pPr>
-            <a:r>
-              <a:rPr b="1" lang="en-US" sz="2600" spc="-1" strike="noStrike">
-                <a:solidFill>
-                  <a:srgbClr val="ffffff"/>
-                </a:solidFill>
-                <a:latin typeface="Arial"/>
-                <a:ea typeface="DejaVu Sans"/>
-              </a:rPr>
-              <a:t>Watch carefully every</a:t>
-            </a:r>
-            <a:endParaRPr b="0" lang="en-US" sz="2600" spc="-1" strike="noStrike">
-              <a:latin typeface="Arial"/>
-            </a:endParaRPr>
-          </a:p>
-          <a:p>
-            <a:pPr algn="ctr">
-              <a:lnSpc>
-                <a:spcPct val="100000"/>
-              </a:lnSpc>
-            </a:pPr>
-            <a:r>
-              <a:rPr b="1" lang="en-US" sz="2600" spc="-1" strike="noStrike">
-                <a:solidFill>
-                  <a:srgbClr val="ffffff"/>
-                </a:solidFill>
-                <a:latin typeface="Arial"/>
-                <a:ea typeface="DejaVu Sans"/>
-              </a:rPr>
-              <a:t>usage of these ones</a:t>
-            </a:r>
-            <a:endParaRPr b="0" lang="en-US" sz="2600" spc="-1" strike="noStrike">
-              <a:latin typeface="Arial"/>
-            </a:endParaRPr>
-          </a:p>
-        </p:txBody>
-      </p:sp>
-      <p:sp>
-        <p:nvSpPr>
-          <p:cNvPr id="95" name="CustomShape 7"/>
-          <p:cNvSpPr/>
-          <p:nvPr/>
-        </p:nvSpPr>
-        <p:spPr>
-          <a:xfrm>
-            <a:off x="7733520" y="3094560"/>
-            <a:ext cx="2834280" cy="2468520"/>
+            <a:off x="-456480" y="3475440"/>
+            <a:ext cx="2833920" cy="2468160"/>
           </a:xfrm>
           <a:custGeom>
             <a:avLst/>
@@ -5496,6 +5109,2434 @@
           </a:p>
         </p:txBody>
       </p:sp>
+      <p:sp>
+        <p:nvSpPr>
+          <p:cNvPr id="118" name="TextShape 3"/>
+          <p:cNvSpPr txBox="1"/>
+          <p:nvPr/>
+        </p:nvSpPr>
+        <p:spPr>
+          <a:xfrm>
+            <a:off x="293760" y="1668240"/>
+            <a:ext cx="9362880" cy="2037600"/>
+          </a:xfrm>
+          <a:prstGeom prst="rect">
+            <a:avLst/>
+          </a:prstGeom>
+          <a:noFill/>
+          <a:ln>
+            <a:noFill/>
+          </a:ln>
+        </p:spPr>
+        <p:txBody>
+          <a:bodyPr lIns="90000" rIns="90000" tIns="45000" bIns="45000"/>
+          <a:p>
+            <a:r>
+              <a:rPr b="0" lang="en-US" sz="1800" spc="-1" strike="noStrike">
+                <a:latin typeface="Liberation Mono;Courier New"/>
+                <a:ea typeface="Liberation Mono;Courier New"/>
+              </a:rPr>
+              <a:t>return/pure :: a -&gt; Maybe a</a:t>
+            </a:r>
+            <a:endParaRPr b="0" lang="en-US" sz="1800" spc="-1" strike="noStrike">
+              <a:latin typeface="Arial"/>
+            </a:endParaRPr>
+          </a:p>
+          <a:p>
+            <a:endParaRPr b="0" lang="en-US" sz="1800" spc="-1" strike="noStrike">
+              <a:latin typeface="Arial"/>
+            </a:endParaRPr>
+          </a:p>
+          <a:p>
+            <a:r>
+              <a:rPr b="0" lang="en-US" sz="1800" spc="-1" strike="noStrike">
+                <a:latin typeface="Liberation Mono;Courier New"/>
+                <a:ea typeface="Liberation Mono;Courier New"/>
+              </a:rPr>
+              <a:t>fmap :: (a -&gt; b) -&gt; Maybe a -&gt; Maybe b  // (functor)</a:t>
+            </a:r>
+            <a:endParaRPr b="0" lang="en-US" sz="1800" spc="-1" strike="noStrike">
+              <a:latin typeface="Arial"/>
+            </a:endParaRPr>
+          </a:p>
+          <a:p>
+            <a:endParaRPr b="0" lang="en-US" sz="1800" spc="-1" strike="noStrike">
+              <a:latin typeface="Arial"/>
+            </a:endParaRPr>
+          </a:p>
+          <a:p>
+            <a:r>
+              <a:rPr b="0" lang="en-US" sz="1800" spc="-1" strike="noStrike">
+                <a:latin typeface="Liberation Mono;Courier New"/>
+                <a:ea typeface="Liberation Mono;Courier New"/>
+              </a:rPr>
+              <a:t>ap/apply :: Maybe (a -&gt; b) -&gt; Maybe a -&gt; Maybe b  // (applicative)</a:t>
+            </a:r>
+            <a:endParaRPr b="0" lang="en-US" sz="1800" spc="-1" strike="noStrike">
+              <a:latin typeface="Arial"/>
+            </a:endParaRPr>
+          </a:p>
+          <a:p>
+            <a:endParaRPr b="0" lang="en-US" sz="1800" spc="-1" strike="noStrike">
+              <a:latin typeface="Arial"/>
+            </a:endParaRPr>
+          </a:p>
+          <a:p>
+            <a:r>
+              <a:rPr b="0" lang="en-US" sz="1800" spc="-1" strike="noStrike">
+                <a:latin typeface="Liberation Mono;Courier New"/>
+                <a:ea typeface="Liberation Mono;Courier New"/>
+              </a:rPr>
+              <a:t>bind/flatmap :: (a -&gt; Maybe b) -&gt; Maybe a -&gt; Maybe b // (monad)</a:t>
+            </a:r>
+            <a:endParaRPr b="0" lang="en-US" sz="1800" spc="-1" strike="noStrike">
+              <a:latin typeface="Arial"/>
+            </a:endParaRPr>
+          </a:p>
+        </p:txBody>
+      </p:sp>
+      <p:sp>
+        <p:nvSpPr>
+          <p:cNvPr id="119" name="TextShape 4"/>
+          <p:cNvSpPr txBox="1"/>
+          <p:nvPr/>
+        </p:nvSpPr>
+        <p:spPr>
+          <a:xfrm>
+            <a:off x="1632240" y="4846320"/>
+            <a:ext cx="8243280" cy="2969640"/>
+          </a:xfrm>
+          <a:prstGeom prst="rect">
+            <a:avLst/>
+          </a:prstGeom>
+          <a:noFill/>
+          <a:ln>
+            <a:noFill/>
+          </a:ln>
+        </p:spPr>
+        <p:txBody>
+          <a:bodyPr lIns="90000" rIns="90000" tIns="45000" bIns="45000"/>
+          <a:p>
+            <a:r>
+              <a:rPr b="0" lang="en-US" sz="1800" spc="-1" strike="noStrike">
+                <a:latin typeface="Arial"/>
+              </a:rPr>
+              <a:t>- decide by yourself when to return a </a:t>
+            </a:r>
+            <a:r>
+              <a:rPr b="0" lang="en-US" sz="1800" spc="-1" strike="noStrike">
+                <a:latin typeface="Liberation Mono;Courier New"/>
+                <a:ea typeface="Liberation Mono;Courier New"/>
+              </a:rPr>
+              <a:t>Just</a:t>
+            </a:r>
+            <a:r>
+              <a:rPr b="0" lang="en-US" sz="1800" spc="-1" strike="noStrike">
+                <a:latin typeface="Arial"/>
+              </a:rPr>
+              <a:t> and when to return a </a:t>
+            </a:r>
+            <a:r>
+              <a:rPr b="0" lang="en-US" sz="1800" spc="-1" strike="noStrike">
+                <a:latin typeface="Liberation Mono;Courier New"/>
+                <a:ea typeface="Liberation Mono;Courier New"/>
+              </a:rPr>
+              <a:t>Nothing</a:t>
+            </a:r>
+            <a:endParaRPr b="0" lang="en-US" sz="1800" spc="-1" strike="noStrike">
+              <a:latin typeface="Arial"/>
+            </a:endParaRPr>
+          </a:p>
+          <a:p>
+            <a:endParaRPr b="0" lang="en-US" sz="1800" spc="-1" strike="noStrike">
+              <a:latin typeface="Arial"/>
+            </a:endParaRPr>
+          </a:p>
+          <a:p>
+            <a:r>
+              <a:rPr b="0" lang="en-US" sz="1800" spc="-1" strike="noStrike">
+                <a:latin typeface="Arial"/>
+              </a:rPr>
+              <a:t>- use </a:t>
+            </a:r>
+            <a:r>
+              <a:rPr b="0" lang="en-US" sz="1800" spc="-1" strike="noStrike">
+                <a:latin typeface="Liberation Mono;Courier New"/>
+                <a:ea typeface="Liberation Mono;Courier New"/>
+              </a:rPr>
+              <a:t>fmap</a:t>
+            </a:r>
+            <a:r>
+              <a:rPr b="0" lang="en-US" sz="1800" spc="-1" strike="noStrike">
+                <a:latin typeface="Arial"/>
+              </a:rPr>
+              <a:t> to process and transform optional values, with a guaranteed result</a:t>
+            </a:r>
+            <a:endParaRPr b="0" lang="en-US" sz="1800" spc="-1" strike="noStrike">
+              <a:latin typeface="Arial"/>
+            </a:endParaRPr>
+          </a:p>
+          <a:p>
+            <a:endParaRPr b="0" lang="en-US" sz="1800" spc="-1" strike="noStrike">
+              <a:latin typeface="Arial"/>
+            </a:endParaRPr>
+          </a:p>
+          <a:p>
+            <a:r>
+              <a:rPr b="0" lang="en-US" sz="1800" spc="-1" strike="noStrike">
+                <a:latin typeface="Arial"/>
+              </a:rPr>
+              <a:t>- draw a safety net around every potentially dangerous operation with </a:t>
+            </a:r>
+            <a:r>
+              <a:rPr b="0" lang="en-US" sz="1800" spc="-1" strike="noStrike">
+                <a:latin typeface="Liberation Mono;Courier New"/>
+                <a:ea typeface="Liberation Mono;Courier New"/>
+              </a:rPr>
+              <a:t>apply</a:t>
+            </a:r>
+            <a:endParaRPr b="0" lang="en-US" sz="1800" spc="-1" strike="noStrike">
+              <a:latin typeface="Arial"/>
+            </a:endParaRPr>
+          </a:p>
+          <a:p>
+            <a:endParaRPr b="0" lang="en-US" sz="1800" spc="-1" strike="noStrike">
+              <a:latin typeface="Arial"/>
+            </a:endParaRPr>
+          </a:p>
+          <a:p>
+            <a:r>
+              <a:rPr b="0" lang="en-US" sz="1800" spc="-1" strike="noStrike">
+                <a:latin typeface="Arial"/>
+              </a:rPr>
+              <a:t>- optionals are monads; chain them through </a:t>
+            </a:r>
+            <a:r>
+              <a:rPr b="0" lang="en-US" sz="1800" spc="-1" strike="noStrike">
+                <a:latin typeface="Liberation Mono;Courier New"/>
+                <a:ea typeface="Liberation Mono;Courier New"/>
+              </a:rPr>
+              <a:t>bind</a:t>
+            </a:r>
+            <a:endParaRPr b="0" lang="en-US" sz="1800" spc="-1" strike="noStrike">
+              <a:latin typeface="Arial"/>
+            </a:endParaRPr>
+          </a:p>
+          <a:p>
+            <a:endParaRPr b="0" lang="en-US" sz="1800" spc="-1" strike="noStrike">
+              <a:latin typeface="Arial"/>
+            </a:endParaRPr>
+          </a:p>
+          <a:p>
+            <a:r>
+              <a:rPr b="0" lang="en-US" sz="1800" spc="-1" strike="noStrike">
+                <a:latin typeface="Arial"/>
+              </a:rPr>
+              <a:t>- manage all your bank affairs and recover from every debt with optionals !!!</a:t>
+            </a:r>
+            <a:endParaRPr b="0" lang="en-US" sz="1800" spc="-1" strike="noStrike">
+              <a:latin typeface="Arial"/>
+            </a:endParaRPr>
+          </a:p>
+        </p:txBody>
+      </p:sp>
+      <p:sp>
+        <p:nvSpPr>
+          <p:cNvPr id="120" name="CustomShape 5"/>
+          <p:cNvSpPr/>
+          <p:nvPr/>
+        </p:nvSpPr>
+        <p:spPr>
+          <a:xfrm>
+            <a:off x="7528320" y="822960"/>
+            <a:ext cx="2194560" cy="1188720"/>
+          </a:xfrm>
+          <a:prstGeom prst="cloudCallout">
+            <a:avLst>
+              <a:gd name="adj1" fmla="val -78879"/>
+              <a:gd name="adj2" fmla="val 40976"/>
+            </a:avLst>
+          </a:prstGeom>
+          <a:solidFill>
+            <a:srgbClr val="729fcf"/>
+          </a:solidFill>
+          <a:ln>
+            <a:solidFill>
+              <a:srgbClr val="3465a4"/>
+            </a:solidFill>
+          </a:ln>
+        </p:spPr>
+        <p:style>
+          <a:lnRef idx="0"/>
+          <a:fillRef idx="0"/>
+          <a:effectRef idx="0"/>
+          <a:fontRef idx="minor"/>
+        </p:style>
+        <p:txBody>
+          <a:bodyPr wrap="none" lIns="90000" rIns="90000" tIns="45000" bIns="45000" anchor="ctr"/>
+          <a:p>
+            <a:pPr algn="ctr"/>
+            <a:r>
+              <a:rPr b="0" lang="en-US" sz="1800" spc="-1" strike="noStrike">
+                <a:latin typeface="Arial"/>
+              </a:rPr>
+              <a:t>JS </a:t>
+            </a:r>
+            <a:endParaRPr b="0" lang="en-US" sz="1800" spc="-1" strike="noStrike">
+              <a:latin typeface="Arial"/>
+            </a:endParaRPr>
+          </a:p>
+          <a:p>
+            <a:pPr algn="ctr"/>
+            <a:r>
+              <a:rPr b="0" lang="en-US" sz="1800" spc="-1" strike="noStrike">
+                <a:latin typeface="Arial"/>
+              </a:rPr>
+              <a:t>is not Haskell</a:t>
+            </a:r>
+            <a:endParaRPr b="0" lang="en-US" sz="1800" spc="-1" strike="noStrike">
+              <a:latin typeface="Arial"/>
+            </a:endParaRPr>
+          </a:p>
+        </p:txBody>
+      </p:sp>
+    </p:spTree>
+  </p:cSld>
+  <p:timing>
+    <p:tnLst>
+      <p:par>
+        <p:cTn id="23" dur="indefinite" restart="never" nodeType="tmRoot">
+          <p:childTnLst>
+            <p:seq>
+              <p:cTn id="24" dur="indefinite" nodeType="mainSeq"/>
+              <p:prevCondLst>
+                <p:cond delay="0" evt="onPrev">
+                  <p:tgtEl>
+                    <p:sldTgt/>
+                  </p:tgtEl>
+                </p:cond>
+              </p:prevCondLst>
+              <p:nextCondLst>
+                <p:cond delay="0" evt="onNext">
+                  <p:tgtEl>
+                    <p:sldTgt/>
+                  </p:tgtEl>
+                </p:cond>
+              </p:nextCondLst>
+            </p:seq>
+          </p:childTnLst>
+        </p:cTn>
+      </p:par>
+    </p:tnLst>
+  </p:timing>
+</p:sld>
+</file>
+
+<file path=ppt/slides/slide2.xml><?xml version="1.0" encoding="utf-8"?>
+<p:sld xmlns:a="http://schemas.openxmlformats.org/drawingml/2006/main" xmlns:p="http://schemas.openxmlformats.org/presentationml/2006/main" xmlns:r="http://schemas.openxmlformats.org/officeDocument/2006/relationships" xmlns:p14="http://schemas.microsoft.com/office/powerpoint/2010/main" xmlns:p15="http://schemas.microsoft.com/office/powerpoint/2012/main" xmlns:mc="http://schemas.openxmlformats.org/markup-compatibility/2006">
+  <p:cSld>
+    <p:spTree>
+      <p:nvGrpSpPr>
+        <p:cNvPr id="1" name=""/>
+        <p:cNvGrpSpPr/>
+        <p:nvPr/>
+      </p:nvGrpSpPr>
+      <p:grpSpPr>
+        <a:xfrm>
+          <a:off x="0" y="0"/>
+          <a:ext cx="0" cy="0"/>
+          <a:chOff x="0" y="0"/>
+          <a:chExt cx="0" cy="0"/>
+        </a:xfrm>
+      </p:grpSpPr>
+      <p:sp>
+        <p:nvSpPr>
+          <p:cNvPr id="80" name="CustomShape 1"/>
+          <p:cNvSpPr/>
+          <p:nvPr/>
+        </p:nvSpPr>
+        <p:spPr>
+          <a:xfrm>
+            <a:off x="720000" y="300960"/>
+            <a:ext cx="8854560" cy="1261440"/>
+          </a:xfrm>
+          <a:prstGeom prst="rect">
+            <a:avLst/>
+          </a:prstGeom>
+          <a:noFill/>
+          <a:ln>
+            <a:noFill/>
+          </a:ln>
+        </p:spPr>
+        <p:style>
+          <a:lnRef idx="0"/>
+          <a:fillRef idx="0"/>
+          <a:effectRef idx="0"/>
+          <a:fontRef idx="minor"/>
+        </p:style>
+        <p:txBody>
+          <a:bodyPr lIns="0" rIns="0" tIns="0" bIns="0" anchor="ctr"/>
+          <a:p>
+            <a:pPr>
+              <a:lnSpc>
+                <a:spcPct val="100000"/>
+              </a:lnSpc>
+            </a:pPr>
+            <a:r>
+              <a:rPr b="1" lang="en-US" sz="3600" spc="-1" strike="noStrike">
+                <a:solidFill>
+                  <a:srgbClr val="333333"/>
+                </a:solidFill>
+                <a:latin typeface="Noto Sans Regular"/>
+                <a:ea typeface="DejaVu Sans"/>
+              </a:rPr>
+              <a:t>Pure functions accept something and return something else</a:t>
+            </a:r>
+            <a:endParaRPr b="0" lang="en-US" sz="3600" spc="-1" strike="noStrike">
+              <a:latin typeface="Arial"/>
+            </a:endParaRPr>
+          </a:p>
+        </p:txBody>
+      </p:sp>
+      <p:sp>
+        <p:nvSpPr>
+          <p:cNvPr id="81" name="CustomShape 2"/>
+          <p:cNvSpPr/>
+          <p:nvPr/>
+        </p:nvSpPr>
+        <p:spPr>
+          <a:xfrm>
+            <a:off x="720000" y="1908000"/>
+            <a:ext cx="8638920" cy="4383720"/>
+          </a:xfrm>
+          <a:prstGeom prst="rect">
+            <a:avLst/>
+          </a:prstGeom>
+          <a:noFill/>
+          <a:ln>
+            <a:noFill/>
+          </a:ln>
+        </p:spPr>
+        <p:style>
+          <a:lnRef idx="0"/>
+          <a:fillRef idx="0"/>
+          <a:effectRef idx="0"/>
+          <a:fontRef idx="minor"/>
+        </p:style>
+        <p:txBody>
+          <a:bodyPr lIns="0" rIns="0" tIns="0" bIns="0"/>
+          <a:p>
+            <a:pPr marL="432000" indent="-322920">
+              <a:lnSpc>
+                <a:spcPct val="100000"/>
+              </a:lnSpc>
+              <a:spcAft>
+                <a:spcPts val="1414"/>
+              </a:spcAft>
+              <a:buClr>
+                <a:srgbClr val="ef2929"/>
+              </a:buClr>
+              <a:buSzPct val="45000"/>
+              <a:buFont typeface="Wingdings" charset="2"/>
+              <a:buChar char=""/>
+            </a:pPr>
+            <a:r>
+              <a:rPr b="0" lang="en-US" sz="2800" spc="-1" strike="noStrike">
+                <a:solidFill>
+                  <a:srgbClr val="333333"/>
+                </a:solidFill>
+                <a:latin typeface="Noto Sans Regular"/>
+                <a:ea typeface="DejaVu Sans"/>
+              </a:rPr>
+              <a:t>For example: string =&gt; its length</a:t>
+            </a:r>
+            <a:endParaRPr b="0" lang="en-US" sz="2800" spc="-1" strike="noStrike">
+              <a:latin typeface="Arial"/>
+            </a:endParaRPr>
+          </a:p>
+          <a:p>
+            <a:pPr lvl="1" marL="864000" indent="-322920">
+              <a:lnSpc>
+                <a:spcPct val="100000"/>
+              </a:lnSpc>
+              <a:spcAft>
+                <a:spcPts val="1134"/>
+              </a:spcAft>
+              <a:buClr>
+                <a:srgbClr val="ef2929"/>
+              </a:buClr>
+              <a:buSzPct val="75000"/>
+              <a:buFont typeface="Symbol"/>
+              <a:buChar char=""/>
+            </a:pPr>
+            <a:r>
+              <a:rPr b="0" lang="en-US" sz="2800" spc="-1" strike="noStrike">
+                <a:solidFill>
+                  <a:srgbClr val="333333"/>
+                </a:solidFill>
+                <a:latin typeface="Noto Sans Regular"/>
+                <a:ea typeface="DejaVu Sans"/>
+              </a:rPr>
+              <a:t>function length is </a:t>
+            </a:r>
+            <a:r>
+              <a:rPr b="0" i="1" lang="en-US" sz="2800" spc="-1" strike="noStrike">
+                <a:solidFill>
+                  <a:srgbClr val="333333"/>
+                </a:solidFill>
+                <a:latin typeface="Noto Sans Regular"/>
+                <a:ea typeface="DejaVu Sans"/>
+              </a:rPr>
+              <a:t>applied</a:t>
+            </a:r>
+            <a:r>
+              <a:rPr b="0" lang="en-US" sz="2800" spc="-1" strike="noStrike">
+                <a:solidFill>
+                  <a:srgbClr val="333333"/>
+                </a:solidFill>
+                <a:latin typeface="Noto Sans Regular"/>
+                <a:ea typeface="DejaVu Sans"/>
+              </a:rPr>
+              <a:t> to a string</a:t>
+            </a:r>
+            <a:endParaRPr b="0" lang="en-US" sz="2800" spc="-1" strike="noStrike">
+              <a:latin typeface="Arial"/>
+            </a:endParaRPr>
+          </a:p>
+          <a:p>
+            <a:pPr>
+              <a:lnSpc>
+                <a:spcPct val="100000"/>
+              </a:lnSpc>
+              <a:spcAft>
+                <a:spcPts val="1414"/>
+              </a:spcAft>
+            </a:pPr>
+            <a:endParaRPr b="0" lang="en-US" sz="2800" spc="-1" strike="noStrike">
+              <a:latin typeface="Arial"/>
+            </a:endParaRPr>
+          </a:p>
+          <a:p>
+            <a:pPr marL="432000" indent="-322920">
+              <a:lnSpc>
+                <a:spcPct val="100000"/>
+              </a:lnSpc>
+              <a:spcAft>
+                <a:spcPts val="1414"/>
+              </a:spcAft>
+              <a:buClr>
+                <a:srgbClr val="ef2929"/>
+              </a:buClr>
+              <a:buSzPct val="45000"/>
+              <a:buFont typeface="Wingdings" charset="2"/>
+              <a:buChar char=""/>
+            </a:pPr>
+            <a:r>
+              <a:rPr b="0" lang="en-US" sz="2800" spc="-1" strike="noStrike">
+                <a:solidFill>
+                  <a:srgbClr val="333333"/>
+                </a:solidFill>
+                <a:latin typeface="Noto Sans Regular"/>
+                <a:ea typeface="DejaVu Sans"/>
+              </a:rPr>
+              <a:t>Complex computations come mainly through </a:t>
+            </a:r>
+            <a:r>
+              <a:rPr b="1" lang="en-US" sz="2800" spc="-1" strike="noStrike">
+                <a:solidFill>
+                  <a:srgbClr val="333333"/>
+                </a:solidFill>
+                <a:latin typeface="Noto Sans Regular"/>
+                <a:ea typeface="DejaVu Sans"/>
+              </a:rPr>
+              <a:t>composition</a:t>
+            </a:r>
+            <a:endParaRPr b="0" lang="en-US" sz="2800" spc="-1" strike="noStrike">
+              <a:latin typeface="Arial"/>
+            </a:endParaRPr>
+          </a:p>
+          <a:p>
+            <a:pPr lvl="1" marL="864000" indent="-322920">
+              <a:lnSpc>
+                <a:spcPct val="100000"/>
+              </a:lnSpc>
+              <a:spcAft>
+                <a:spcPts val="1134"/>
+              </a:spcAft>
+              <a:buClr>
+                <a:srgbClr val="ef2929"/>
+              </a:buClr>
+              <a:buSzPct val="75000"/>
+              <a:buFont typeface="Symbol"/>
+              <a:buChar char=""/>
+            </a:pPr>
+            <a:r>
+              <a:rPr b="0" lang="en-US" sz="2800" spc="-1" strike="noStrike">
+                <a:solidFill>
+                  <a:srgbClr val="333333"/>
+                </a:solidFill>
+                <a:latin typeface="Noto Sans Regular"/>
+                <a:ea typeface="DejaVu Sans"/>
+              </a:rPr>
+              <a:t>(str =&gt; timesTwo(length(str)))(‘pippo’)</a:t>
+            </a:r>
+            <a:endParaRPr b="0" lang="en-US" sz="2800" spc="-1" strike="noStrike">
+              <a:latin typeface="Arial"/>
+            </a:endParaRPr>
+          </a:p>
+          <a:p>
+            <a:pPr>
+              <a:lnSpc>
+                <a:spcPct val="100000"/>
+              </a:lnSpc>
+              <a:spcAft>
+                <a:spcPts val="1134"/>
+              </a:spcAft>
+            </a:pPr>
+            <a:endParaRPr b="0" lang="en-US" sz="2800" spc="-1" strike="noStrike">
+              <a:latin typeface="Arial"/>
+            </a:endParaRPr>
+          </a:p>
+          <a:p>
+            <a:pPr marL="432000" indent="-322920">
+              <a:lnSpc>
+                <a:spcPct val="100000"/>
+              </a:lnSpc>
+              <a:spcAft>
+                <a:spcPts val="1414"/>
+              </a:spcAft>
+              <a:buClr>
+                <a:srgbClr val="ef2929"/>
+              </a:buClr>
+              <a:buSzPct val="45000"/>
+              <a:buFont typeface="Wingdings" charset="2"/>
+              <a:buChar char=""/>
+            </a:pPr>
+            <a:r>
+              <a:rPr b="0" lang="en-US" sz="2800" spc="-1" strike="noStrike">
+                <a:solidFill>
+                  <a:srgbClr val="333333"/>
+                </a:solidFill>
+                <a:latin typeface="Noto Sans Regular"/>
+                <a:ea typeface="DejaVu Sans"/>
+              </a:rPr>
+              <a:t>Need </a:t>
+            </a:r>
+            <a:r>
+              <a:rPr b="1" lang="en-US" sz="2800" spc="-1" strike="noStrike">
+                <a:solidFill>
+                  <a:srgbClr val="333333"/>
+                </a:solidFill>
+                <a:latin typeface="Noto Sans Regular"/>
+                <a:ea typeface="DejaVu Sans"/>
+              </a:rPr>
+              <a:t>both</a:t>
+            </a:r>
+            <a:r>
+              <a:rPr b="0" lang="en-US" sz="2800" spc="-1" strike="noStrike">
+                <a:solidFill>
+                  <a:srgbClr val="333333"/>
+                </a:solidFill>
+                <a:latin typeface="Noto Sans Regular"/>
+                <a:ea typeface="DejaVu Sans"/>
+              </a:rPr>
+              <a:t> input and output:</a:t>
+            </a:r>
+            <a:endParaRPr b="0" lang="en-US" sz="2800" spc="-1" strike="noStrike">
+              <a:latin typeface="Arial"/>
+            </a:endParaRPr>
+          </a:p>
+          <a:p>
+            <a:pPr lvl="1" marL="864000" indent="-322920">
+              <a:lnSpc>
+                <a:spcPct val="100000"/>
+              </a:lnSpc>
+              <a:spcAft>
+                <a:spcPts val="1134"/>
+              </a:spcAft>
+              <a:buClr>
+                <a:srgbClr val="ef2929"/>
+              </a:buClr>
+              <a:buSzPct val="75000"/>
+              <a:buFont typeface="Symbol"/>
+              <a:buChar char=""/>
+            </a:pPr>
+            <a:r>
+              <a:rPr b="0" lang="en-US" sz="2800" spc="-1" strike="noStrike">
+                <a:solidFill>
+                  <a:srgbClr val="333333"/>
+                </a:solidFill>
+                <a:latin typeface="Noto Sans Regular"/>
+                <a:ea typeface="DejaVu Sans"/>
+              </a:rPr>
+              <a:t>(list =&gt; map(timesTwo,list))([1,2,3])</a:t>
+            </a:r>
+            <a:endParaRPr b="0" lang="en-US" sz="2800" spc="-1" strike="noStrike">
+              <a:latin typeface="Arial"/>
+            </a:endParaRPr>
+          </a:p>
+          <a:p>
+            <a:pPr lvl="1" marL="864000" indent="-322920">
+              <a:lnSpc>
+                <a:spcPct val="100000"/>
+              </a:lnSpc>
+              <a:spcAft>
+                <a:spcPts val="1134"/>
+              </a:spcAft>
+              <a:buClr>
+                <a:srgbClr val="ef2929"/>
+              </a:buClr>
+              <a:buSzPct val="75000"/>
+              <a:buFont typeface="Symbol"/>
+              <a:buChar char=""/>
+            </a:pPr>
+            <a:r>
+              <a:rPr b="0" lang="en-US" sz="2800" spc="-1" strike="sngStrike">
+                <a:solidFill>
+                  <a:srgbClr val="333333"/>
+                </a:solidFill>
+                <a:latin typeface="Noto Sans Regular"/>
+                <a:ea typeface="DejaVu Sans"/>
+              </a:rPr>
+              <a:t>foreach([1,2,3], timesTwo)</a:t>
+            </a:r>
+            <a:endParaRPr b="0" lang="en-US" sz="2800" spc="-1" strike="noStrike">
+              <a:latin typeface="Arial"/>
+            </a:endParaRPr>
+          </a:p>
+        </p:txBody>
+      </p:sp>
+    </p:spTree>
+  </p:cSld>
+  <p:timing>
+    <p:tnLst>
+      <p:par>
+        <p:cTn id="3" dur="indefinite" restart="never" nodeType="tmRoot">
+          <p:childTnLst>
+            <p:seq>
+              <p:cTn id="4" dur="indefinite" nodeType="mainSeq"/>
+              <p:prevCondLst>
+                <p:cond delay="0" evt="onPrev">
+                  <p:tgtEl>
+                    <p:sldTgt/>
+                  </p:tgtEl>
+                </p:cond>
+              </p:prevCondLst>
+              <p:nextCondLst>
+                <p:cond delay="0" evt="onNext">
+                  <p:tgtEl>
+                    <p:sldTgt/>
+                  </p:tgtEl>
+                </p:cond>
+              </p:nextCondLst>
+            </p:seq>
+          </p:childTnLst>
+        </p:cTn>
+      </p:par>
+    </p:tnLst>
+  </p:timing>
+</p:sld>
+</file>
+
+<file path=ppt/slides/slide3.xml><?xml version="1.0" encoding="utf-8"?>
+<p:sld xmlns:a="http://schemas.openxmlformats.org/drawingml/2006/main" xmlns:p="http://schemas.openxmlformats.org/presentationml/2006/main" xmlns:r="http://schemas.openxmlformats.org/officeDocument/2006/relationships" xmlns:p14="http://schemas.microsoft.com/office/powerpoint/2010/main" xmlns:p15="http://schemas.microsoft.com/office/powerpoint/2012/main" xmlns:mc="http://schemas.openxmlformats.org/markup-compatibility/2006">
+  <p:cSld>
+    <p:spTree>
+      <p:nvGrpSpPr>
+        <p:cNvPr id="1" name=""/>
+        <p:cNvGrpSpPr/>
+        <p:nvPr/>
+      </p:nvGrpSpPr>
+      <p:grpSpPr>
+        <a:xfrm>
+          <a:off x="0" y="0"/>
+          <a:ext cx="0" cy="0"/>
+          <a:chOff x="0" y="0"/>
+          <a:chExt cx="0" cy="0"/>
+        </a:xfrm>
+      </p:grpSpPr>
+      <p:sp>
+        <p:nvSpPr>
+          <p:cNvPr id="82" name="CustomShape 1"/>
+          <p:cNvSpPr/>
+          <p:nvPr/>
+        </p:nvSpPr>
+        <p:spPr>
+          <a:xfrm>
+            <a:off x="720000" y="300960"/>
+            <a:ext cx="8854560" cy="1261440"/>
+          </a:xfrm>
+          <a:prstGeom prst="rect">
+            <a:avLst/>
+          </a:prstGeom>
+          <a:noFill/>
+          <a:ln>
+            <a:noFill/>
+          </a:ln>
+        </p:spPr>
+        <p:style>
+          <a:lnRef idx="0"/>
+          <a:fillRef idx="0"/>
+          <a:effectRef idx="0"/>
+          <a:fontRef idx="minor"/>
+        </p:style>
+        <p:txBody>
+          <a:bodyPr lIns="0" rIns="0" tIns="0" bIns="0" anchor="ctr"/>
+          <a:p>
+            <a:pPr>
+              <a:lnSpc>
+                <a:spcPct val="100000"/>
+              </a:lnSpc>
+            </a:pPr>
+            <a:r>
+              <a:rPr b="1" lang="en-US" sz="3600" spc="-1" strike="noStrike">
+                <a:solidFill>
+                  <a:srgbClr val="333333"/>
+                </a:solidFill>
+                <a:latin typeface="Noto Sans Regular"/>
+                <a:ea typeface="DejaVu Sans"/>
+              </a:rPr>
+              <a:t>Pure functions are repeatable and without side effects</a:t>
+            </a:r>
+            <a:endParaRPr b="0" lang="en-US" sz="3600" spc="-1" strike="noStrike">
+              <a:latin typeface="Arial"/>
+            </a:endParaRPr>
+          </a:p>
+        </p:txBody>
+      </p:sp>
+      <p:sp>
+        <p:nvSpPr>
+          <p:cNvPr id="83" name="CustomShape 2"/>
+          <p:cNvSpPr/>
+          <p:nvPr/>
+        </p:nvSpPr>
+        <p:spPr>
+          <a:xfrm>
+            <a:off x="720000" y="2160000"/>
+            <a:ext cx="8638920" cy="4383720"/>
+          </a:xfrm>
+          <a:prstGeom prst="rect">
+            <a:avLst/>
+          </a:prstGeom>
+          <a:noFill/>
+          <a:ln>
+            <a:noFill/>
+          </a:ln>
+        </p:spPr>
+        <p:style>
+          <a:lnRef idx="0"/>
+          <a:fillRef idx="0"/>
+          <a:effectRef idx="0"/>
+          <a:fontRef idx="minor"/>
+        </p:style>
+        <p:txBody>
+          <a:bodyPr lIns="0" rIns="0" tIns="0" bIns="0"/>
+          <a:p>
+            <a:pPr marL="432000" indent="-322920">
+              <a:lnSpc>
+                <a:spcPct val="100000"/>
+              </a:lnSpc>
+              <a:spcAft>
+                <a:spcPts val="1414"/>
+              </a:spcAft>
+              <a:buClr>
+                <a:srgbClr val="ef2929"/>
+              </a:buClr>
+              <a:buSzPct val="45000"/>
+              <a:buFont typeface="Wingdings" charset="2"/>
+              <a:buChar char=""/>
+            </a:pPr>
+            <a:r>
+              <a:rPr b="0" lang="en-US" sz="2800" spc="-1" strike="noStrike">
+                <a:solidFill>
+                  <a:srgbClr val="333333"/>
+                </a:solidFill>
+                <a:latin typeface="Noto Sans Regular"/>
+                <a:ea typeface="DejaVu Sans"/>
+              </a:rPr>
+              <a:t>Same input → same result</a:t>
+            </a:r>
+            <a:endParaRPr b="0" lang="en-US" sz="2800" spc="-1" strike="noStrike">
+              <a:latin typeface="Arial"/>
+            </a:endParaRPr>
+          </a:p>
+          <a:p>
+            <a:pPr lvl="1" marL="864000" indent="-322920">
+              <a:lnSpc>
+                <a:spcPct val="100000"/>
+              </a:lnSpc>
+              <a:spcAft>
+                <a:spcPts val="1134"/>
+              </a:spcAft>
+              <a:buClr>
+                <a:srgbClr val="ef2929"/>
+              </a:buClr>
+              <a:buSzPct val="75000"/>
+              <a:buFont typeface="Symbol"/>
+              <a:buChar char=""/>
+            </a:pPr>
+            <a:r>
+              <a:rPr b="0" lang="en-US" sz="2800" spc="-1" strike="sngStrike">
+                <a:solidFill>
+                  <a:srgbClr val="333333"/>
+                </a:solidFill>
+                <a:latin typeface="Noto Sans Regular"/>
+                <a:ea typeface="DejaVu Sans"/>
+              </a:rPr>
+              <a:t>const now = new Date()</a:t>
+            </a:r>
+            <a:endParaRPr b="0" lang="en-US" sz="2800" spc="-1" strike="noStrike">
+              <a:latin typeface="Arial"/>
+            </a:endParaRPr>
+          </a:p>
+          <a:p>
+            <a:pPr>
+              <a:lnSpc>
+                <a:spcPct val="100000"/>
+              </a:lnSpc>
+              <a:spcAft>
+                <a:spcPts val="1134"/>
+              </a:spcAft>
+            </a:pPr>
+            <a:endParaRPr b="0" lang="en-US" sz="2800" spc="-1" strike="noStrike">
+              <a:latin typeface="Arial"/>
+            </a:endParaRPr>
+          </a:p>
+          <a:p>
+            <a:pPr marL="432000" indent="-322920">
+              <a:lnSpc>
+                <a:spcPct val="100000"/>
+              </a:lnSpc>
+              <a:spcAft>
+                <a:spcPts val="1414"/>
+              </a:spcAft>
+              <a:buClr>
+                <a:srgbClr val="ef2929"/>
+              </a:buClr>
+              <a:buSzPct val="45000"/>
+              <a:buFont typeface="Wingdings" charset="2"/>
+              <a:buChar char=""/>
+            </a:pPr>
+            <a:r>
+              <a:rPr b="0" lang="en-US" sz="2800" spc="-1" strike="noStrike">
+                <a:solidFill>
+                  <a:srgbClr val="333333"/>
+                </a:solidFill>
+                <a:latin typeface="Noto Sans Regular"/>
+                <a:ea typeface="DejaVu Sans"/>
+              </a:rPr>
+              <a:t>Just process input, and do nothing else</a:t>
+            </a:r>
+            <a:endParaRPr b="0" lang="en-US" sz="2800" spc="-1" strike="noStrike">
+              <a:latin typeface="Arial"/>
+            </a:endParaRPr>
+          </a:p>
+          <a:p>
+            <a:pPr lvl="1" marL="864000" indent="-322920">
+              <a:lnSpc>
+                <a:spcPct val="100000"/>
+              </a:lnSpc>
+              <a:spcAft>
+                <a:spcPts val="1134"/>
+              </a:spcAft>
+              <a:buClr>
+                <a:srgbClr val="ef2929"/>
+              </a:buClr>
+              <a:buSzPct val="75000"/>
+              <a:buFont typeface="Symbol"/>
+              <a:buChar char=""/>
+            </a:pPr>
+            <a:r>
+              <a:rPr b="0" lang="en-US" sz="2800" spc="-1" strike="sngStrike">
+                <a:solidFill>
+                  <a:srgbClr val="333333"/>
+                </a:solidFill>
+                <a:latin typeface="Noto Sans Regular"/>
+                <a:ea typeface="DejaVu Sans"/>
+              </a:rPr>
+              <a:t>const para = Document.createElement(‘p’)</a:t>
+            </a:r>
+            <a:endParaRPr b="0" lang="en-US" sz="2800" spc="-1" strike="noStrike">
+              <a:latin typeface="Arial"/>
+            </a:endParaRPr>
+          </a:p>
+        </p:txBody>
+      </p:sp>
+      <p:sp>
+        <p:nvSpPr>
+          <p:cNvPr id="84" name="CustomShape 3"/>
+          <p:cNvSpPr/>
+          <p:nvPr/>
+        </p:nvSpPr>
+        <p:spPr>
+          <a:xfrm>
+            <a:off x="1005840" y="5852160"/>
+            <a:ext cx="7679880" cy="1187640"/>
+          </a:xfrm>
+          <a:prstGeom prst="rect">
+            <a:avLst/>
+          </a:prstGeom>
+          <a:solidFill>
+            <a:srgbClr val="729fcf"/>
+          </a:solidFill>
+          <a:ln>
+            <a:solidFill>
+              <a:srgbClr val="3465a4"/>
+            </a:solidFill>
+          </a:ln>
+        </p:spPr>
+        <p:style>
+          <a:lnRef idx="0"/>
+          <a:fillRef idx="0"/>
+          <a:effectRef idx="0"/>
+          <a:fontRef idx="minor"/>
+        </p:style>
+        <p:txBody>
+          <a:bodyPr wrap="none" lIns="90000" rIns="90000" tIns="45000" bIns="45000" anchor="ctr"/>
+          <a:p>
+            <a:pPr algn="ctr">
+              <a:lnSpc>
+                <a:spcPct val="100000"/>
+              </a:lnSpc>
+            </a:pPr>
+            <a:r>
+              <a:rPr b="1" lang="en-US" sz="2600" spc="-1" strike="noStrike">
+                <a:solidFill>
+                  <a:srgbClr val="ffffff"/>
+                </a:solidFill>
+                <a:latin typeface="Arial"/>
+                <a:ea typeface="DejaVu Sans"/>
+              </a:rPr>
+              <a:t>These functions CAN enter an FP program, </a:t>
+            </a:r>
+            <a:endParaRPr b="0" lang="en-US" sz="2600" spc="-1" strike="noStrike">
+              <a:latin typeface="Arial"/>
+            </a:endParaRPr>
+          </a:p>
+          <a:p>
+            <a:pPr algn="ctr">
+              <a:lnSpc>
+                <a:spcPct val="100000"/>
+              </a:lnSpc>
+            </a:pPr>
+            <a:r>
+              <a:rPr b="1" lang="en-US" sz="2600" spc="-1" strike="noStrike">
+                <a:solidFill>
+                  <a:srgbClr val="ffffff"/>
+                </a:solidFill>
+                <a:latin typeface="Arial"/>
+                <a:ea typeface="DejaVu Sans"/>
+              </a:rPr>
+              <a:t>but always with some difficulties and tradeoffs</a:t>
+            </a:r>
+            <a:endParaRPr b="0" lang="en-US" sz="2600" spc="-1" strike="noStrike">
+              <a:latin typeface="Arial"/>
+            </a:endParaRPr>
+          </a:p>
+        </p:txBody>
+      </p:sp>
+    </p:spTree>
+  </p:cSld>
+  <p:timing>
+    <p:tnLst>
+      <p:par>
+        <p:cTn id="5" dur="indefinite" restart="never" nodeType="tmRoot">
+          <p:childTnLst>
+            <p:seq>
+              <p:cTn id="6" dur="indefinite" nodeType="mainSeq"/>
+              <p:prevCondLst>
+                <p:cond delay="0" evt="onPrev">
+                  <p:tgtEl>
+                    <p:sldTgt/>
+                  </p:tgtEl>
+                </p:cond>
+              </p:prevCondLst>
+              <p:nextCondLst>
+                <p:cond delay="0" evt="onNext">
+                  <p:tgtEl>
+                    <p:sldTgt/>
+                  </p:tgtEl>
+                </p:cond>
+              </p:nextCondLst>
+            </p:seq>
+          </p:childTnLst>
+        </p:cTn>
+      </p:par>
+    </p:tnLst>
+  </p:timing>
+</p:sld>
+</file>
+
+<file path=ppt/slides/slide4.xml><?xml version="1.0" encoding="utf-8"?>
+<p:sld xmlns:a="http://schemas.openxmlformats.org/drawingml/2006/main" xmlns:p="http://schemas.openxmlformats.org/presentationml/2006/main" xmlns:r="http://schemas.openxmlformats.org/officeDocument/2006/relationships" xmlns:p14="http://schemas.microsoft.com/office/powerpoint/2010/main" xmlns:p15="http://schemas.microsoft.com/office/powerpoint/2012/main" xmlns:mc="http://schemas.openxmlformats.org/markup-compatibility/2006">
+  <p:cSld>
+    <p:spTree>
+      <p:nvGrpSpPr>
+        <p:cNvPr id="1" name=""/>
+        <p:cNvGrpSpPr/>
+        <p:nvPr/>
+      </p:nvGrpSpPr>
+      <p:grpSpPr>
+        <a:xfrm>
+          <a:off x="0" y="0"/>
+          <a:ext cx="0" cy="0"/>
+          <a:chOff x="0" y="0"/>
+          <a:chExt cx="0" cy="0"/>
+        </a:xfrm>
+      </p:grpSpPr>
+      <p:sp>
+        <p:nvSpPr>
+          <p:cNvPr id="85" name="CustomShape 1"/>
+          <p:cNvSpPr/>
+          <p:nvPr/>
+        </p:nvSpPr>
+        <p:spPr>
+          <a:xfrm>
+            <a:off x="720000" y="279720"/>
+            <a:ext cx="8854560" cy="1303920"/>
+          </a:xfrm>
+          <a:prstGeom prst="rect">
+            <a:avLst/>
+          </a:prstGeom>
+          <a:noFill/>
+          <a:ln>
+            <a:noFill/>
+          </a:ln>
+        </p:spPr>
+        <p:style>
+          <a:lnRef idx="0"/>
+          <a:fillRef idx="0"/>
+          <a:effectRef idx="0"/>
+          <a:fontRef idx="minor"/>
+        </p:style>
+        <p:txBody>
+          <a:bodyPr lIns="0" rIns="0" tIns="0" bIns="0" anchor="ctr"/>
+          <a:p>
+            <a:pPr>
+              <a:lnSpc>
+                <a:spcPct val="100000"/>
+              </a:lnSpc>
+            </a:pPr>
+            <a:r>
+              <a:rPr b="1" lang="en-US" sz="4400" spc="-1" strike="noStrike">
+                <a:solidFill>
+                  <a:srgbClr val="333333"/>
+                </a:solidFill>
+                <a:latin typeface="Noto Sans Regular"/>
+                <a:ea typeface="DejaVu Sans"/>
+              </a:rPr>
+              <a:t>Immutability is valorising a variable just ONCE</a:t>
+            </a:r>
+            <a:endParaRPr b="0" lang="en-US" sz="4400" spc="-1" strike="noStrike">
+              <a:latin typeface="Arial"/>
+            </a:endParaRPr>
+          </a:p>
+        </p:txBody>
+      </p:sp>
+      <p:sp>
+        <p:nvSpPr>
+          <p:cNvPr id="86" name="CustomShape 2"/>
+          <p:cNvSpPr/>
+          <p:nvPr/>
+        </p:nvSpPr>
+        <p:spPr>
+          <a:xfrm>
+            <a:off x="720000" y="2160000"/>
+            <a:ext cx="8638920" cy="4383720"/>
+          </a:xfrm>
+          <a:prstGeom prst="rect">
+            <a:avLst/>
+          </a:prstGeom>
+          <a:noFill/>
+          <a:ln>
+            <a:noFill/>
+          </a:ln>
+        </p:spPr>
+        <p:style>
+          <a:lnRef idx="0"/>
+          <a:fillRef idx="0"/>
+          <a:effectRef idx="0"/>
+          <a:fontRef idx="minor"/>
+        </p:style>
+        <p:txBody>
+          <a:bodyPr lIns="0" rIns="0" tIns="0" bIns="0"/>
+          <a:p>
+            <a:pPr marL="432000" indent="-322920">
+              <a:lnSpc>
+                <a:spcPct val="100000"/>
+              </a:lnSpc>
+              <a:spcAft>
+                <a:spcPts val="1414"/>
+              </a:spcAft>
+              <a:buClr>
+                <a:srgbClr val="ef2929"/>
+              </a:buClr>
+              <a:buSzPct val="45000"/>
+              <a:buFont typeface="Wingdings" charset="2"/>
+              <a:buChar char=""/>
+            </a:pPr>
+            <a:r>
+              <a:rPr b="0" lang="en-US" sz="2800" spc="-1" strike="noStrike">
+                <a:solidFill>
+                  <a:srgbClr val="333333"/>
+                </a:solidFill>
+                <a:latin typeface="Noto Sans Regular"/>
+                <a:ea typeface="DejaVu Sans"/>
+              </a:rPr>
+              <a:t>Technical term is </a:t>
+            </a:r>
+            <a:r>
+              <a:rPr b="0" i="1" lang="en-US" sz="2800" spc="-1" strike="noStrike">
+                <a:solidFill>
+                  <a:srgbClr val="333333"/>
+                </a:solidFill>
+                <a:latin typeface="Noto Sans Regular"/>
+                <a:ea typeface="DejaVu Sans"/>
+              </a:rPr>
+              <a:t>binding</a:t>
+            </a:r>
+            <a:endParaRPr b="0" lang="en-US" sz="2800" spc="-1" strike="noStrike">
+              <a:latin typeface="Arial"/>
+            </a:endParaRPr>
+          </a:p>
+          <a:p>
+            <a:pPr lvl="1" marL="864000" indent="-322920">
+              <a:lnSpc>
+                <a:spcPct val="100000"/>
+              </a:lnSpc>
+              <a:spcAft>
+                <a:spcPts val="1134"/>
+              </a:spcAft>
+              <a:buClr>
+                <a:srgbClr val="ef2929"/>
+              </a:buClr>
+              <a:buSzPct val="75000"/>
+              <a:buFont typeface="Symbol"/>
+              <a:buChar char=""/>
+            </a:pPr>
+            <a:r>
+              <a:rPr b="0" lang="en-US" sz="2800" spc="-1" strike="noStrike">
+                <a:solidFill>
+                  <a:srgbClr val="333333"/>
+                </a:solidFill>
+                <a:latin typeface="Noto Sans Regular"/>
+                <a:ea typeface="DejaVu Sans"/>
+              </a:rPr>
+              <a:t>cannot reassign the value of a bound variable; a bound variable is immutable.</a:t>
+            </a:r>
+            <a:endParaRPr b="0" lang="en-US" sz="2800" spc="-1" strike="noStrike">
+              <a:latin typeface="Arial"/>
+            </a:endParaRPr>
+          </a:p>
+          <a:p>
+            <a:pPr marL="432000" indent="-322920">
+              <a:lnSpc>
+                <a:spcPct val="100000"/>
+              </a:lnSpc>
+              <a:spcAft>
+                <a:spcPts val="1134"/>
+              </a:spcAft>
+              <a:buClr>
+                <a:srgbClr val="ef2929"/>
+              </a:buClr>
+              <a:buSzPct val="45000"/>
+              <a:buFont typeface="Wingdings" charset="2"/>
+              <a:buChar char=""/>
+            </a:pPr>
+            <a:r>
+              <a:rPr b="0" lang="en-US" sz="2800" spc="-1" strike="noStrike">
+                <a:solidFill>
+                  <a:srgbClr val="333333"/>
+                </a:solidFill>
+                <a:latin typeface="Noto Sans Regular"/>
+                <a:ea typeface="DejaVu Sans"/>
+              </a:rPr>
+              <a:t>JavaScript objects and arrays are extremely mutable:</a:t>
+            </a:r>
+            <a:endParaRPr b="0" lang="en-US" sz="2800" spc="-1" strike="noStrike">
+              <a:latin typeface="Arial"/>
+            </a:endParaRPr>
+          </a:p>
+          <a:p>
+            <a:pPr lvl="1" marL="864000" indent="-322920">
+              <a:lnSpc>
+                <a:spcPct val="100000"/>
+              </a:lnSpc>
+              <a:spcAft>
+                <a:spcPts val="1134"/>
+              </a:spcAft>
+              <a:buClr>
+                <a:srgbClr val="ef2929"/>
+              </a:buClr>
+              <a:buSzPct val="75000"/>
+              <a:buFont typeface="Symbol"/>
+              <a:buChar char=""/>
+            </a:pPr>
+            <a:r>
+              <a:rPr b="0" lang="en-US" sz="2800" spc="-1" strike="noStrike">
+                <a:solidFill>
+                  <a:srgbClr val="333333"/>
+                </a:solidFill>
+                <a:latin typeface="Noto Sans Regular"/>
+                <a:ea typeface="DejaVu Sans"/>
+              </a:rPr>
+              <a:t>let a = [1,2,3]; a = 'pippo';</a:t>
+            </a:r>
+            <a:endParaRPr b="0" lang="en-US" sz="2800" spc="-1" strike="noStrike">
+              <a:latin typeface="Arial"/>
+            </a:endParaRPr>
+          </a:p>
+          <a:p>
+            <a:pPr lvl="1" marL="864000" indent="-322920">
+              <a:lnSpc>
+                <a:spcPct val="100000"/>
+              </a:lnSpc>
+              <a:spcAft>
+                <a:spcPts val="1134"/>
+              </a:spcAft>
+              <a:buClr>
+                <a:srgbClr val="ef2929"/>
+              </a:buClr>
+              <a:buSzPct val="75000"/>
+              <a:buFont typeface="Symbol"/>
+              <a:buChar char=""/>
+            </a:pPr>
+            <a:r>
+              <a:rPr b="0" lang="en-US" sz="2800" spc="-1" strike="noStrike">
+                <a:solidFill>
+                  <a:srgbClr val="333333"/>
+                </a:solidFill>
+                <a:latin typeface="Noto Sans Regular"/>
+                <a:ea typeface="DejaVu Sans"/>
+              </a:rPr>
+              <a:t>const a = [1,2,3]; a[2] = 4;</a:t>
+            </a:r>
+            <a:endParaRPr b="0" lang="en-US" sz="2800" spc="-1" strike="noStrike">
+              <a:latin typeface="Arial"/>
+            </a:endParaRPr>
+          </a:p>
+        </p:txBody>
+      </p:sp>
+      <p:sp>
+        <p:nvSpPr>
+          <p:cNvPr id="87" name="CustomShape 3"/>
+          <p:cNvSpPr/>
+          <p:nvPr/>
+        </p:nvSpPr>
+        <p:spPr>
+          <a:xfrm>
+            <a:off x="933840" y="5996160"/>
+            <a:ext cx="4022280" cy="1187640"/>
+          </a:xfrm>
+          <a:prstGeom prst="rect">
+            <a:avLst/>
+          </a:prstGeom>
+          <a:solidFill>
+            <a:srgbClr val="729fcf"/>
+          </a:solidFill>
+          <a:ln>
+            <a:solidFill>
+              <a:srgbClr val="3465a4"/>
+            </a:solidFill>
+          </a:ln>
+        </p:spPr>
+        <p:style>
+          <a:lnRef idx="0"/>
+          <a:fillRef idx="0"/>
+          <a:effectRef idx="0"/>
+          <a:fontRef idx="minor"/>
+        </p:style>
+        <p:txBody>
+          <a:bodyPr wrap="none" lIns="90000" rIns="90000" tIns="45000" bIns="45000" anchor="ctr"/>
+          <a:p>
+            <a:pPr algn="ctr">
+              <a:lnSpc>
+                <a:spcPct val="100000"/>
+              </a:lnSpc>
+            </a:pPr>
+            <a:r>
+              <a:rPr b="1" lang="en-US" sz="2600" spc="-1" strike="noStrike">
+                <a:solidFill>
+                  <a:srgbClr val="ffffff"/>
+                </a:solidFill>
+                <a:latin typeface="Arial"/>
+                <a:ea typeface="DejaVu Sans"/>
+              </a:rPr>
+              <a:t>Keep mutations </a:t>
+            </a:r>
+            <a:endParaRPr b="0" lang="en-US" sz="2600" spc="-1" strike="noStrike">
+              <a:latin typeface="Arial"/>
+            </a:endParaRPr>
+          </a:p>
+          <a:p>
+            <a:pPr algn="ctr">
+              <a:lnSpc>
+                <a:spcPct val="100000"/>
+              </a:lnSpc>
+            </a:pPr>
+            <a:r>
+              <a:rPr b="1" lang="en-US" sz="2600" spc="-1" strike="noStrike">
+                <a:solidFill>
+                  <a:srgbClr val="ffffff"/>
+                </a:solidFill>
+                <a:latin typeface="Arial"/>
+                <a:ea typeface="DejaVu Sans"/>
+              </a:rPr>
+              <a:t>inside methods</a:t>
+            </a:r>
+            <a:endParaRPr b="0" lang="en-US" sz="2600" spc="-1" strike="noStrike">
+              <a:latin typeface="Arial"/>
+            </a:endParaRPr>
+          </a:p>
+        </p:txBody>
+      </p:sp>
+      <p:sp>
+        <p:nvSpPr>
+          <p:cNvPr id="88" name="CustomShape 4"/>
+          <p:cNvSpPr/>
+          <p:nvPr/>
+        </p:nvSpPr>
+        <p:spPr>
+          <a:xfrm>
+            <a:off x="5145840" y="5996160"/>
+            <a:ext cx="4022280" cy="1187640"/>
+          </a:xfrm>
+          <a:prstGeom prst="rect">
+            <a:avLst/>
+          </a:prstGeom>
+          <a:solidFill>
+            <a:srgbClr val="729fcf"/>
+          </a:solidFill>
+          <a:ln>
+            <a:solidFill>
+              <a:srgbClr val="3465a4"/>
+            </a:solidFill>
+          </a:ln>
+        </p:spPr>
+        <p:style>
+          <a:lnRef idx="0"/>
+          <a:fillRef idx="0"/>
+          <a:effectRef idx="0"/>
+          <a:fontRef idx="minor"/>
+        </p:style>
+        <p:txBody>
+          <a:bodyPr wrap="none" lIns="90000" rIns="90000" tIns="45000" bIns="45000" anchor="ctr"/>
+          <a:p>
+            <a:pPr algn="ctr">
+              <a:lnSpc>
+                <a:spcPct val="100000"/>
+              </a:lnSpc>
+            </a:pPr>
+            <a:r>
+              <a:rPr b="1" lang="en-US" sz="2600" spc="-1" strike="noStrike">
+                <a:solidFill>
+                  <a:srgbClr val="ffffff"/>
+                </a:solidFill>
+                <a:latin typeface="Arial"/>
+                <a:ea typeface="DejaVu Sans"/>
+              </a:rPr>
+              <a:t>Use methods that return </a:t>
+            </a:r>
+            <a:endParaRPr b="0" lang="en-US" sz="2600" spc="-1" strike="noStrike">
+              <a:latin typeface="Arial"/>
+            </a:endParaRPr>
+          </a:p>
+          <a:p>
+            <a:pPr algn="ctr">
+              <a:lnSpc>
+                <a:spcPct val="100000"/>
+              </a:lnSpc>
+            </a:pPr>
+            <a:r>
+              <a:rPr b="1" lang="en-US" sz="2600" spc="-1" strike="noStrike">
+                <a:solidFill>
+                  <a:srgbClr val="ffffff"/>
+                </a:solidFill>
+                <a:latin typeface="Arial"/>
+                <a:ea typeface="DejaVu Sans"/>
+              </a:rPr>
+              <a:t>copies of their input </a:t>
+            </a:r>
+            <a:endParaRPr b="0" lang="en-US" sz="2600" spc="-1" strike="noStrike">
+              <a:latin typeface="Arial"/>
+            </a:endParaRPr>
+          </a:p>
+        </p:txBody>
+      </p:sp>
+    </p:spTree>
+  </p:cSld>
+  <p:timing>
+    <p:tnLst>
+      <p:par>
+        <p:cTn id="7" dur="indefinite" restart="never" nodeType="tmRoot">
+          <p:childTnLst>
+            <p:seq>
+              <p:cTn id="8" dur="indefinite" nodeType="mainSeq"/>
+              <p:prevCondLst>
+                <p:cond delay="0" evt="onPrev">
+                  <p:tgtEl>
+                    <p:sldTgt/>
+                  </p:tgtEl>
+                </p:cond>
+              </p:prevCondLst>
+              <p:nextCondLst>
+                <p:cond delay="0" evt="onNext">
+                  <p:tgtEl>
+                    <p:sldTgt/>
+                  </p:tgtEl>
+                </p:cond>
+              </p:nextCondLst>
+            </p:seq>
+          </p:childTnLst>
+        </p:cTn>
+      </p:par>
+    </p:tnLst>
+  </p:timing>
+</p:sld>
+</file>
+
+<file path=ppt/slides/slide5.xml><?xml version="1.0" encoding="utf-8"?>
+<p:sld xmlns:a="http://schemas.openxmlformats.org/drawingml/2006/main" xmlns:p="http://schemas.openxmlformats.org/presentationml/2006/main" xmlns:r="http://schemas.openxmlformats.org/officeDocument/2006/relationships" xmlns:p14="http://schemas.microsoft.com/office/powerpoint/2010/main" xmlns:p15="http://schemas.microsoft.com/office/powerpoint/2012/main" xmlns:mc="http://schemas.openxmlformats.org/markup-compatibility/2006">
+  <p:cSld>
+    <p:spTree>
+      <p:nvGrpSpPr>
+        <p:cNvPr id="1" name=""/>
+        <p:cNvGrpSpPr/>
+        <p:nvPr/>
+      </p:nvGrpSpPr>
+      <p:grpSpPr>
+        <a:xfrm>
+          <a:off x="0" y="0"/>
+          <a:ext cx="0" cy="0"/>
+          <a:chOff x="0" y="0"/>
+          <a:chExt cx="0" cy="0"/>
+        </a:xfrm>
+      </p:grpSpPr>
+      <p:sp>
+        <p:nvSpPr>
+          <p:cNvPr id="89" name="CustomShape 1"/>
+          <p:cNvSpPr/>
+          <p:nvPr/>
+        </p:nvSpPr>
+        <p:spPr>
+          <a:xfrm>
+            <a:off x="720000" y="300960"/>
+            <a:ext cx="8854560" cy="1261440"/>
+          </a:xfrm>
+          <a:prstGeom prst="rect">
+            <a:avLst/>
+          </a:prstGeom>
+          <a:noFill/>
+          <a:ln>
+            <a:noFill/>
+          </a:ln>
+        </p:spPr>
+        <p:style>
+          <a:lnRef idx="0"/>
+          <a:fillRef idx="0"/>
+          <a:effectRef idx="0"/>
+          <a:fontRef idx="minor"/>
+        </p:style>
+        <p:txBody>
+          <a:bodyPr lIns="0" rIns="0" tIns="0" bIns="0" anchor="ctr"/>
+          <a:p>
+            <a:pPr>
+              <a:lnSpc>
+                <a:spcPct val="100000"/>
+              </a:lnSpc>
+            </a:pPr>
+            <a:r>
+              <a:rPr b="1" lang="en-US" sz="3200" spc="-1" strike="noStrike">
+                <a:solidFill>
+                  <a:srgbClr val="333333"/>
+                </a:solidFill>
+                <a:latin typeface="Noto Sans Regular"/>
+                <a:ea typeface="DejaVu Sans"/>
+              </a:rPr>
+              <a:t>Bad methods modify their input</a:t>
+            </a:r>
+            <a:br/>
+            <a:r>
+              <a:rPr b="1" lang="en-US" sz="3200" spc="-1" strike="noStrike">
+                <a:solidFill>
+                  <a:srgbClr val="333333"/>
+                </a:solidFill>
+                <a:latin typeface="Noto Sans Regular"/>
+                <a:ea typeface="DejaVu Sans"/>
+              </a:rPr>
+              <a:t>Good methods create [shallow] copies</a:t>
+            </a:r>
+            <a:endParaRPr b="0" lang="en-US" sz="3200" spc="-1" strike="noStrike">
+              <a:latin typeface="Arial"/>
+            </a:endParaRPr>
+          </a:p>
+        </p:txBody>
+      </p:sp>
+      <p:sp>
+        <p:nvSpPr>
+          <p:cNvPr id="90" name="CustomShape 2"/>
+          <p:cNvSpPr/>
+          <p:nvPr/>
+        </p:nvSpPr>
+        <p:spPr>
+          <a:xfrm>
+            <a:off x="720000" y="2160000"/>
+            <a:ext cx="3942360" cy="4383720"/>
+          </a:xfrm>
+          <a:prstGeom prst="rect">
+            <a:avLst/>
+          </a:prstGeom>
+          <a:noFill/>
+          <a:ln>
+            <a:noFill/>
+          </a:ln>
+        </p:spPr>
+        <p:style>
+          <a:lnRef idx="0"/>
+          <a:fillRef idx="0"/>
+          <a:effectRef idx="0"/>
+          <a:fontRef idx="minor"/>
+        </p:style>
+        <p:txBody>
+          <a:bodyPr lIns="0" rIns="0" tIns="0" bIns="0"/>
+          <a:p>
+            <a:pPr marL="432000" indent="-322920">
+              <a:lnSpc>
+                <a:spcPct val="100000"/>
+              </a:lnSpc>
+              <a:spcAft>
+                <a:spcPts val="1414"/>
+              </a:spcAft>
+              <a:buClr>
+                <a:srgbClr val="ef2929"/>
+              </a:buClr>
+              <a:buSzPct val="45000"/>
+              <a:buFont typeface="Wingdings" charset="2"/>
+              <a:buChar char=""/>
+            </a:pPr>
+            <a:r>
+              <a:rPr b="0" lang="en-US" sz="2800" spc="-1" strike="noStrike">
+                <a:solidFill>
+                  <a:srgbClr val="333333"/>
+                </a:solidFill>
+                <a:latin typeface="Noto Sans Regular"/>
+                <a:ea typeface="DejaVu Sans"/>
+              </a:rPr>
+              <a:t>map</a:t>
+            </a:r>
+            <a:endParaRPr b="0" lang="en-US" sz="2800" spc="-1" strike="noStrike">
+              <a:latin typeface="Arial"/>
+            </a:endParaRPr>
+          </a:p>
+          <a:p>
+            <a:pPr marL="432000" indent="-322920">
+              <a:lnSpc>
+                <a:spcPct val="100000"/>
+              </a:lnSpc>
+              <a:spcAft>
+                <a:spcPts val="1414"/>
+              </a:spcAft>
+              <a:buClr>
+                <a:srgbClr val="ef2929"/>
+              </a:buClr>
+              <a:buSzPct val="45000"/>
+              <a:buFont typeface="Wingdings" charset="2"/>
+              <a:buChar char=""/>
+            </a:pPr>
+            <a:r>
+              <a:rPr b="0" lang="en-US" sz="2800" spc="-1" strike="noStrike">
+                <a:solidFill>
+                  <a:srgbClr val="333333"/>
+                </a:solidFill>
+                <a:latin typeface="Noto Sans Regular"/>
+                <a:ea typeface="DejaVu Sans"/>
+              </a:rPr>
+              <a:t>filter</a:t>
+            </a:r>
+            <a:endParaRPr b="0" lang="en-US" sz="2800" spc="-1" strike="noStrike">
+              <a:latin typeface="Arial"/>
+            </a:endParaRPr>
+          </a:p>
+          <a:p>
+            <a:pPr marL="432000" indent="-322920">
+              <a:lnSpc>
+                <a:spcPct val="100000"/>
+              </a:lnSpc>
+              <a:spcAft>
+                <a:spcPts val="1414"/>
+              </a:spcAft>
+              <a:buClr>
+                <a:srgbClr val="ef2929"/>
+              </a:buClr>
+              <a:buSzPct val="45000"/>
+              <a:buFont typeface="Wingdings" charset="2"/>
+              <a:buChar char=""/>
+            </a:pPr>
+            <a:r>
+              <a:rPr b="0" lang="en-US" sz="2800" spc="-1" strike="noStrike">
+                <a:solidFill>
+                  <a:srgbClr val="333333"/>
+                </a:solidFill>
+                <a:latin typeface="Noto Sans Regular"/>
+                <a:ea typeface="DejaVu Sans"/>
+              </a:rPr>
+              <a:t>concat</a:t>
+            </a:r>
+            <a:endParaRPr b="0" lang="en-US" sz="2800" spc="-1" strike="noStrike">
+              <a:latin typeface="Arial"/>
+            </a:endParaRPr>
+          </a:p>
+          <a:p>
+            <a:pPr marL="432000" indent="-322920">
+              <a:lnSpc>
+                <a:spcPct val="100000"/>
+              </a:lnSpc>
+              <a:spcAft>
+                <a:spcPts val="1414"/>
+              </a:spcAft>
+              <a:buClr>
+                <a:srgbClr val="ef2929"/>
+              </a:buClr>
+              <a:buSzPct val="45000"/>
+              <a:buFont typeface="Wingdings" charset="2"/>
+              <a:buChar char=""/>
+            </a:pPr>
+            <a:r>
+              <a:rPr b="0" lang="en-US" sz="2800" spc="-1" strike="noStrike">
+                <a:solidFill>
+                  <a:srgbClr val="333333"/>
+                </a:solidFill>
+                <a:latin typeface="Noto Sans Regular"/>
+                <a:ea typeface="DejaVu Sans"/>
+              </a:rPr>
+              <a:t>slice</a:t>
+            </a:r>
+            <a:endParaRPr b="0" lang="en-US" sz="2800" spc="-1" strike="noStrike">
+              <a:latin typeface="Arial"/>
+            </a:endParaRPr>
+          </a:p>
+          <a:p>
+            <a:pPr marL="432000" indent="-322920">
+              <a:lnSpc>
+                <a:spcPct val="100000"/>
+              </a:lnSpc>
+              <a:spcAft>
+                <a:spcPts val="1414"/>
+              </a:spcAft>
+              <a:buClr>
+                <a:srgbClr val="ef2929"/>
+              </a:buClr>
+              <a:buSzPct val="45000"/>
+              <a:buFont typeface="Wingdings" charset="2"/>
+              <a:buChar char=""/>
+            </a:pPr>
+            <a:r>
+              <a:rPr b="0" lang="en-US" sz="2800" spc="-1" strike="noStrike">
+                <a:solidFill>
+                  <a:srgbClr val="333333"/>
+                </a:solidFill>
+                <a:latin typeface="Noto Sans Regular"/>
+                <a:ea typeface="DejaVu Sans"/>
+              </a:rPr>
+              <a:t>Array.from</a:t>
+            </a:r>
+            <a:endParaRPr b="0" lang="en-US" sz="2800" spc="-1" strike="noStrike">
+              <a:latin typeface="Arial"/>
+            </a:endParaRPr>
+          </a:p>
+        </p:txBody>
+      </p:sp>
+      <p:sp>
+        <p:nvSpPr>
+          <p:cNvPr id="91" name="CustomShape 3"/>
+          <p:cNvSpPr/>
+          <p:nvPr/>
+        </p:nvSpPr>
+        <p:spPr>
+          <a:xfrm>
+            <a:off x="5394960" y="2286000"/>
+            <a:ext cx="3942360" cy="4383720"/>
+          </a:xfrm>
+          <a:prstGeom prst="rect">
+            <a:avLst/>
+          </a:prstGeom>
+          <a:noFill/>
+          <a:ln>
+            <a:noFill/>
+          </a:ln>
+        </p:spPr>
+        <p:style>
+          <a:lnRef idx="0"/>
+          <a:fillRef idx="0"/>
+          <a:effectRef idx="0"/>
+          <a:fontRef idx="minor"/>
+        </p:style>
+        <p:txBody>
+          <a:bodyPr lIns="0" rIns="0" tIns="0" bIns="0"/>
+          <a:p>
+            <a:pPr marL="432000" indent="-322920">
+              <a:lnSpc>
+                <a:spcPct val="100000"/>
+              </a:lnSpc>
+              <a:spcAft>
+                <a:spcPts val="1414"/>
+              </a:spcAft>
+              <a:buClr>
+                <a:srgbClr val="ef2929"/>
+              </a:buClr>
+              <a:buSzPct val="45000"/>
+              <a:buFont typeface="Wingdings" charset="2"/>
+              <a:buChar char=""/>
+            </a:pPr>
+            <a:r>
+              <a:rPr b="0" lang="en-US" sz="2800" spc="-1" strike="noStrike">
+                <a:solidFill>
+                  <a:srgbClr val="333333"/>
+                </a:solidFill>
+                <a:latin typeface="Noto Sans Regular"/>
+                <a:ea typeface="DejaVu Sans"/>
+              </a:rPr>
+              <a:t>pop/push</a:t>
+            </a:r>
+            <a:endParaRPr b="0" lang="en-US" sz="2800" spc="-1" strike="noStrike">
+              <a:latin typeface="Arial"/>
+            </a:endParaRPr>
+          </a:p>
+          <a:p>
+            <a:pPr marL="432000" indent="-322920">
+              <a:lnSpc>
+                <a:spcPct val="100000"/>
+              </a:lnSpc>
+              <a:spcAft>
+                <a:spcPts val="1414"/>
+              </a:spcAft>
+              <a:buClr>
+                <a:srgbClr val="ef2929"/>
+              </a:buClr>
+              <a:buSzPct val="45000"/>
+              <a:buFont typeface="Wingdings" charset="2"/>
+              <a:buChar char=""/>
+            </a:pPr>
+            <a:r>
+              <a:rPr b="0" lang="en-US" sz="2800" spc="-1" strike="noStrike">
+                <a:solidFill>
+                  <a:srgbClr val="333333"/>
+                </a:solidFill>
+                <a:latin typeface="Noto Sans Regular"/>
+                <a:ea typeface="DejaVu Sans"/>
+              </a:rPr>
+              <a:t>shift/unshift</a:t>
+            </a:r>
+            <a:endParaRPr b="0" lang="en-US" sz="2800" spc="-1" strike="noStrike">
+              <a:latin typeface="Arial"/>
+            </a:endParaRPr>
+          </a:p>
+          <a:p>
+            <a:pPr marL="432000" indent="-322920">
+              <a:lnSpc>
+                <a:spcPct val="100000"/>
+              </a:lnSpc>
+              <a:spcAft>
+                <a:spcPts val="1414"/>
+              </a:spcAft>
+              <a:buClr>
+                <a:srgbClr val="ef2929"/>
+              </a:buClr>
+              <a:buSzPct val="45000"/>
+              <a:buFont typeface="Wingdings" charset="2"/>
+              <a:buChar char=""/>
+            </a:pPr>
+            <a:r>
+              <a:rPr b="0" lang="en-US" sz="2800" spc="-1" strike="noStrike">
+                <a:solidFill>
+                  <a:srgbClr val="333333"/>
+                </a:solidFill>
+                <a:latin typeface="Noto Sans Regular"/>
+                <a:ea typeface="DejaVu Sans"/>
+              </a:rPr>
+              <a:t>reverse</a:t>
+            </a:r>
+            <a:endParaRPr b="0" lang="en-US" sz="2800" spc="-1" strike="noStrike">
+              <a:latin typeface="Arial"/>
+            </a:endParaRPr>
+          </a:p>
+          <a:p>
+            <a:pPr marL="432000" indent="-322920">
+              <a:lnSpc>
+                <a:spcPct val="100000"/>
+              </a:lnSpc>
+              <a:spcAft>
+                <a:spcPts val="1414"/>
+              </a:spcAft>
+              <a:buClr>
+                <a:srgbClr val="ef2929"/>
+              </a:buClr>
+              <a:buSzPct val="45000"/>
+              <a:buFont typeface="Wingdings" charset="2"/>
+              <a:buChar char=""/>
+            </a:pPr>
+            <a:r>
+              <a:rPr b="0" lang="en-US" sz="2800" spc="-1" strike="noStrike">
+                <a:solidFill>
+                  <a:srgbClr val="333333"/>
+                </a:solidFill>
+                <a:latin typeface="Noto Sans Regular"/>
+                <a:ea typeface="DejaVu Sans"/>
+              </a:rPr>
+              <a:t>sort</a:t>
+            </a:r>
+            <a:endParaRPr b="0" lang="en-US" sz="2800" spc="-1" strike="noStrike">
+              <a:latin typeface="Arial"/>
+            </a:endParaRPr>
+          </a:p>
+          <a:p>
+            <a:pPr marL="432000" indent="-322920">
+              <a:lnSpc>
+                <a:spcPct val="100000"/>
+              </a:lnSpc>
+              <a:spcAft>
+                <a:spcPts val="1414"/>
+              </a:spcAft>
+              <a:buClr>
+                <a:srgbClr val="ef2929"/>
+              </a:buClr>
+              <a:buSzPct val="45000"/>
+              <a:buFont typeface="Wingdings" charset="2"/>
+              <a:buChar char=""/>
+            </a:pPr>
+            <a:r>
+              <a:rPr b="0" lang="en-US" sz="2800" spc="-1" strike="noStrike">
+                <a:solidFill>
+                  <a:srgbClr val="333333"/>
+                </a:solidFill>
+                <a:latin typeface="Noto Sans Regular"/>
+                <a:ea typeface="DejaVu Sans"/>
+              </a:rPr>
+              <a:t>splice</a:t>
+            </a:r>
+            <a:endParaRPr b="0" lang="en-US" sz="2800" spc="-1" strike="noStrike">
+              <a:latin typeface="Arial"/>
+            </a:endParaRPr>
+          </a:p>
+          <a:p>
+            <a:pPr marL="432000" indent="-322920">
+              <a:lnSpc>
+                <a:spcPct val="100000"/>
+              </a:lnSpc>
+              <a:spcAft>
+                <a:spcPts val="1414"/>
+              </a:spcAft>
+              <a:buClr>
+                <a:srgbClr val="ef2929"/>
+              </a:buClr>
+              <a:buSzPct val="45000"/>
+              <a:buFont typeface="Wingdings" charset="2"/>
+              <a:buChar char=""/>
+            </a:pPr>
+            <a:r>
+              <a:rPr b="0" lang="en-US" sz="2800" spc="-1" strike="noStrike">
+                <a:solidFill>
+                  <a:srgbClr val="333333"/>
+                </a:solidFill>
+                <a:latin typeface="Noto Sans Regular"/>
+                <a:ea typeface="DejaVu Sans"/>
+              </a:rPr>
+              <a:t>copyWithin</a:t>
+            </a:r>
+            <a:endParaRPr b="0" lang="en-US" sz="2800" spc="-1" strike="noStrike">
+              <a:latin typeface="Arial"/>
+            </a:endParaRPr>
+          </a:p>
+        </p:txBody>
+      </p:sp>
+      <p:sp>
+        <p:nvSpPr>
+          <p:cNvPr id="92" name="CustomShape 4"/>
+          <p:cNvSpPr/>
+          <p:nvPr/>
+        </p:nvSpPr>
+        <p:spPr>
+          <a:xfrm>
+            <a:off x="720000" y="2160000"/>
+            <a:ext cx="3942360" cy="4383720"/>
+          </a:xfrm>
+          <a:prstGeom prst="rect">
+            <a:avLst/>
+          </a:prstGeom>
+          <a:noFill/>
+          <a:ln>
+            <a:noFill/>
+          </a:ln>
+        </p:spPr>
+        <p:style>
+          <a:lnRef idx="0"/>
+          <a:fillRef idx="0"/>
+          <a:effectRef idx="0"/>
+          <a:fontRef idx="minor"/>
+        </p:style>
+        <p:txBody>
+          <a:bodyPr lIns="0" rIns="0" tIns="0" bIns="0"/>
+          <a:p>
+            <a:pPr marL="432000" indent="-322920">
+              <a:lnSpc>
+                <a:spcPct val="100000"/>
+              </a:lnSpc>
+              <a:spcAft>
+                <a:spcPts val="1414"/>
+              </a:spcAft>
+              <a:buClr>
+                <a:srgbClr val="ef2929"/>
+              </a:buClr>
+              <a:buSzPct val="45000"/>
+              <a:buFont typeface="Wingdings" charset="2"/>
+              <a:buChar char=""/>
+            </a:pPr>
+            <a:r>
+              <a:rPr b="0" lang="en-US" sz="2800" spc="-1" strike="noStrike">
+                <a:solidFill>
+                  <a:srgbClr val="333333"/>
+                </a:solidFill>
+                <a:latin typeface="Noto Sans Regular"/>
+                <a:ea typeface="DejaVu Sans"/>
+              </a:rPr>
+              <a:t>map</a:t>
+            </a:r>
+            <a:endParaRPr b="0" lang="en-US" sz="2800" spc="-1" strike="noStrike">
+              <a:latin typeface="Arial"/>
+            </a:endParaRPr>
+          </a:p>
+          <a:p>
+            <a:pPr marL="432000" indent="-322920">
+              <a:lnSpc>
+                <a:spcPct val="100000"/>
+              </a:lnSpc>
+              <a:spcAft>
+                <a:spcPts val="1414"/>
+              </a:spcAft>
+              <a:buClr>
+                <a:srgbClr val="ef2929"/>
+              </a:buClr>
+              <a:buSzPct val="45000"/>
+              <a:buFont typeface="Wingdings" charset="2"/>
+              <a:buChar char=""/>
+            </a:pPr>
+            <a:r>
+              <a:rPr b="0" lang="en-US" sz="2800" spc="-1" strike="noStrike">
+                <a:solidFill>
+                  <a:srgbClr val="333333"/>
+                </a:solidFill>
+                <a:latin typeface="Noto Sans Regular"/>
+                <a:ea typeface="DejaVu Sans"/>
+              </a:rPr>
+              <a:t>filter</a:t>
+            </a:r>
+            <a:endParaRPr b="0" lang="en-US" sz="2800" spc="-1" strike="noStrike">
+              <a:latin typeface="Arial"/>
+            </a:endParaRPr>
+          </a:p>
+          <a:p>
+            <a:pPr marL="432000" indent="-322920">
+              <a:lnSpc>
+                <a:spcPct val="100000"/>
+              </a:lnSpc>
+              <a:spcAft>
+                <a:spcPts val="1414"/>
+              </a:spcAft>
+              <a:buClr>
+                <a:srgbClr val="ef2929"/>
+              </a:buClr>
+              <a:buSzPct val="45000"/>
+              <a:buFont typeface="Wingdings" charset="2"/>
+              <a:buChar char=""/>
+            </a:pPr>
+            <a:r>
+              <a:rPr b="0" lang="en-US" sz="2800" spc="-1" strike="noStrike">
+                <a:solidFill>
+                  <a:srgbClr val="333333"/>
+                </a:solidFill>
+                <a:latin typeface="Noto Sans Regular"/>
+                <a:ea typeface="DejaVu Sans"/>
+              </a:rPr>
+              <a:t>concat</a:t>
+            </a:r>
+            <a:endParaRPr b="0" lang="en-US" sz="2800" spc="-1" strike="noStrike">
+              <a:latin typeface="Arial"/>
+            </a:endParaRPr>
+          </a:p>
+          <a:p>
+            <a:pPr marL="432000" indent="-322920">
+              <a:lnSpc>
+                <a:spcPct val="100000"/>
+              </a:lnSpc>
+              <a:spcAft>
+                <a:spcPts val="1414"/>
+              </a:spcAft>
+              <a:buClr>
+                <a:srgbClr val="ef2929"/>
+              </a:buClr>
+              <a:buSzPct val="45000"/>
+              <a:buFont typeface="Wingdings" charset="2"/>
+              <a:buChar char=""/>
+            </a:pPr>
+            <a:r>
+              <a:rPr b="0" lang="en-US" sz="2800" spc="-1" strike="noStrike">
+                <a:solidFill>
+                  <a:srgbClr val="333333"/>
+                </a:solidFill>
+                <a:latin typeface="Noto Sans Regular"/>
+                <a:ea typeface="DejaVu Sans"/>
+              </a:rPr>
+              <a:t>slice</a:t>
+            </a:r>
+            <a:endParaRPr b="0" lang="en-US" sz="2800" spc="-1" strike="noStrike">
+              <a:latin typeface="Arial"/>
+            </a:endParaRPr>
+          </a:p>
+          <a:p>
+            <a:pPr marL="432000" indent="-322920">
+              <a:lnSpc>
+                <a:spcPct val="100000"/>
+              </a:lnSpc>
+              <a:spcAft>
+                <a:spcPts val="1414"/>
+              </a:spcAft>
+              <a:buClr>
+                <a:srgbClr val="ef2929"/>
+              </a:buClr>
+              <a:buSzPct val="45000"/>
+              <a:buFont typeface="Wingdings" charset="2"/>
+              <a:buChar char=""/>
+            </a:pPr>
+            <a:r>
+              <a:rPr b="0" lang="en-US" sz="2800" spc="-1" strike="noStrike">
+                <a:solidFill>
+                  <a:srgbClr val="333333"/>
+                </a:solidFill>
+                <a:latin typeface="Noto Sans Regular"/>
+                <a:ea typeface="DejaVu Sans"/>
+              </a:rPr>
+              <a:t>Array.from</a:t>
+            </a:r>
+            <a:endParaRPr b="0" lang="en-US" sz="2800" spc="-1" strike="noStrike">
+              <a:latin typeface="Arial"/>
+            </a:endParaRPr>
+          </a:p>
+        </p:txBody>
+      </p:sp>
+      <p:sp>
+        <p:nvSpPr>
+          <p:cNvPr id="93" name="CustomShape 5"/>
+          <p:cNvSpPr/>
+          <p:nvPr/>
+        </p:nvSpPr>
+        <p:spPr>
+          <a:xfrm>
+            <a:off x="933840" y="5996160"/>
+            <a:ext cx="4022280" cy="1187640"/>
+          </a:xfrm>
+          <a:prstGeom prst="rect">
+            <a:avLst/>
+          </a:prstGeom>
+          <a:solidFill>
+            <a:srgbClr val="729fcf"/>
+          </a:solidFill>
+          <a:ln>
+            <a:solidFill>
+              <a:srgbClr val="3465a4"/>
+            </a:solidFill>
+          </a:ln>
+        </p:spPr>
+        <p:style>
+          <a:lnRef idx="0"/>
+          <a:fillRef idx="0"/>
+          <a:effectRef idx="0"/>
+          <a:fontRef idx="minor"/>
+        </p:style>
+        <p:txBody>
+          <a:bodyPr wrap="none" lIns="90000" rIns="90000" tIns="45000" bIns="45000" anchor="ctr"/>
+          <a:p>
+            <a:pPr algn="ctr">
+              <a:lnSpc>
+                <a:spcPct val="100000"/>
+              </a:lnSpc>
+            </a:pPr>
+            <a:r>
+              <a:rPr b="1" lang="en-US" sz="2600" spc="-1" strike="noStrike">
+                <a:solidFill>
+                  <a:srgbClr val="ffffff"/>
+                </a:solidFill>
+                <a:latin typeface="Arial"/>
+                <a:ea typeface="DejaVu Sans"/>
+              </a:rPr>
+              <a:t>These methods give </a:t>
+            </a:r>
+            <a:endParaRPr b="0" lang="en-US" sz="2600" spc="-1" strike="noStrike">
+              <a:latin typeface="Arial"/>
+            </a:endParaRPr>
+          </a:p>
+          <a:p>
+            <a:pPr algn="ctr">
+              <a:lnSpc>
+                <a:spcPct val="100000"/>
+              </a:lnSpc>
+            </a:pPr>
+            <a:r>
+              <a:rPr b="1" lang="en-US" sz="2600" spc="-1" strike="noStrike">
+                <a:solidFill>
+                  <a:srgbClr val="ffffff"/>
+                </a:solidFill>
+                <a:latin typeface="Arial"/>
+                <a:ea typeface="DejaVu Sans"/>
+              </a:rPr>
+              <a:t>lots of work to the GC</a:t>
+            </a:r>
+            <a:endParaRPr b="0" lang="en-US" sz="2600" spc="-1" strike="noStrike">
+              <a:latin typeface="Arial"/>
+            </a:endParaRPr>
+          </a:p>
+        </p:txBody>
+      </p:sp>
+      <p:sp>
+        <p:nvSpPr>
+          <p:cNvPr id="94" name="CustomShape 6"/>
+          <p:cNvSpPr/>
+          <p:nvPr/>
+        </p:nvSpPr>
+        <p:spPr>
+          <a:xfrm>
+            <a:off x="5120640" y="6035040"/>
+            <a:ext cx="4022280" cy="1187640"/>
+          </a:xfrm>
+          <a:prstGeom prst="rect">
+            <a:avLst/>
+          </a:prstGeom>
+          <a:solidFill>
+            <a:srgbClr val="729fcf"/>
+          </a:solidFill>
+          <a:ln>
+            <a:solidFill>
+              <a:srgbClr val="3465a4"/>
+            </a:solidFill>
+          </a:ln>
+        </p:spPr>
+        <p:style>
+          <a:lnRef idx="0"/>
+          <a:fillRef idx="0"/>
+          <a:effectRef idx="0"/>
+          <a:fontRef idx="minor"/>
+        </p:style>
+        <p:txBody>
+          <a:bodyPr wrap="none" lIns="90000" rIns="90000" tIns="45000" bIns="45000" anchor="ctr"/>
+          <a:p>
+            <a:pPr algn="ctr">
+              <a:lnSpc>
+                <a:spcPct val="100000"/>
+              </a:lnSpc>
+            </a:pPr>
+            <a:r>
+              <a:rPr b="1" lang="en-US" sz="2600" spc="-1" strike="noStrike">
+                <a:solidFill>
+                  <a:srgbClr val="ffffff"/>
+                </a:solidFill>
+                <a:latin typeface="Arial"/>
+                <a:ea typeface="DejaVu Sans"/>
+              </a:rPr>
+              <a:t>Watch carefully every</a:t>
+            </a:r>
+            <a:endParaRPr b="0" lang="en-US" sz="2600" spc="-1" strike="noStrike">
+              <a:latin typeface="Arial"/>
+            </a:endParaRPr>
+          </a:p>
+          <a:p>
+            <a:pPr algn="ctr">
+              <a:lnSpc>
+                <a:spcPct val="100000"/>
+              </a:lnSpc>
+            </a:pPr>
+            <a:r>
+              <a:rPr b="1" lang="en-US" sz="2600" spc="-1" strike="noStrike">
+                <a:solidFill>
+                  <a:srgbClr val="ffffff"/>
+                </a:solidFill>
+                <a:latin typeface="Arial"/>
+                <a:ea typeface="DejaVu Sans"/>
+              </a:rPr>
+              <a:t>usage of these ones</a:t>
+            </a:r>
+            <a:endParaRPr b="0" lang="en-US" sz="2600" spc="-1" strike="noStrike">
+              <a:latin typeface="Arial"/>
+            </a:endParaRPr>
+          </a:p>
+        </p:txBody>
+      </p:sp>
+      <p:sp>
+        <p:nvSpPr>
+          <p:cNvPr id="95" name="CustomShape 7"/>
+          <p:cNvSpPr/>
+          <p:nvPr/>
+        </p:nvSpPr>
+        <p:spPr>
+          <a:xfrm>
+            <a:off x="7733520" y="3094560"/>
+            <a:ext cx="2833920" cy="2468160"/>
+          </a:xfrm>
+          <a:custGeom>
+            <a:avLst/>
+            <a:gdLst/>
+            <a:ahLst/>
+            <a:rect l="l" t="t" r="r" b="b"/>
+            <a:pathLst>
+              <a:path w="21600" h="21600">
+                <a:moveTo>
+                  <a:pt x="11464" y="4340"/>
+                </a:moveTo>
+                <a:lnTo>
+                  <a:pt x="9722" y="1887"/>
+                </a:lnTo>
+                <a:lnTo>
+                  <a:pt x="8548" y="6383"/>
+                </a:lnTo>
+                <a:lnTo>
+                  <a:pt x="4503" y="3626"/>
+                </a:lnTo>
+                <a:lnTo>
+                  <a:pt x="5373" y="7816"/>
+                </a:lnTo>
+                <a:lnTo>
+                  <a:pt x="1174" y="8270"/>
+                </a:lnTo>
+                <a:lnTo>
+                  <a:pt x="3934" y="11592"/>
+                </a:lnTo>
+                <a:lnTo>
+                  <a:pt x="0" y="12875"/>
+                </a:lnTo>
+                <a:lnTo>
+                  <a:pt x="3329" y="15372"/>
+                </a:lnTo>
+                <a:lnTo>
+                  <a:pt x="1283" y="17824"/>
+                </a:lnTo>
+                <a:lnTo>
+                  <a:pt x="4804" y="18239"/>
+                </a:lnTo>
+                <a:lnTo>
+                  <a:pt x="4918" y="21600"/>
+                </a:lnTo>
+                <a:lnTo>
+                  <a:pt x="7525" y="18125"/>
+                </a:lnTo>
+                <a:lnTo>
+                  <a:pt x="8698" y="19712"/>
+                </a:lnTo>
+                <a:lnTo>
+                  <a:pt x="9871" y="17371"/>
+                </a:lnTo>
+                <a:lnTo>
+                  <a:pt x="11614" y="18844"/>
+                </a:lnTo>
+                <a:lnTo>
+                  <a:pt x="12178" y="15937"/>
+                </a:lnTo>
+                <a:lnTo>
+                  <a:pt x="14943" y="17371"/>
+                </a:lnTo>
+                <a:lnTo>
+                  <a:pt x="14640" y="14348"/>
+                </a:lnTo>
+                <a:lnTo>
+                  <a:pt x="18878" y="15632"/>
+                </a:lnTo>
+                <a:lnTo>
+                  <a:pt x="16382" y="12311"/>
+                </a:lnTo>
+                <a:lnTo>
+                  <a:pt x="18270" y="11292"/>
+                </a:lnTo>
+                <a:lnTo>
+                  <a:pt x="16986" y="9404"/>
+                </a:lnTo>
+                <a:lnTo>
+                  <a:pt x="21600" y="6646"/>
+                </a:lnTo>
+                <a:lnTo>
+                  <a:pt x="16382" y="6533"/>
+                </a:lnTo>
+                <a:lnTo>
+                  <a:pt x="18005" y="3172"/>
+                </a:lnTo>
+                <a:lnTo>
+                  <a:pt x="14524" y="5778"/>
+                </a:lnTo>
+                <a:lnTo>
+                  <a:pt x="14789" y="0"/>
+                </a:lnTo>
+                <a:lnTo>
+                  <a:pt x="11464" y="4340"/>
+                </a:lnTo>
+                <a:close/>
+              </a:path>
+            </a:pathLst>
+          </a:custGeom>
+          <a:solidFill>
+            <a:srgbClr val="729fcf"/>
+          </a:solidFill>
+          <a:ln>
+            <a:solidFill>
+              <a:srgbClr val="3465a4"/>
+            </a:solidFill>
+          </a:ln>
+        </p:spPr>
+        <p:style>
+          <a:lnRef idx="0"/>
+          <a:fillRef idx="0"/>
+          <a:effectRef idx="0"/>
+          <a:fontRef idx="minor"/>
+        </p:style>
+        <p:txBody>
+          <a:bodyPr wrap="none" lIns="90000" rIns="90000" tIns="45000" bIns="45000" anchor="ctr"/>
+          <a:p>
+            <a:pPr algn="ctr">
+              <a:lnSpc>
+                <a:spcPct val="100000"/>
+              </a:lnSpc>
+            </a:pPr>
+            <a:r>
+              <a:rPr b="0" lang="en-US" sz="1800" spc="-1" strike="noStrike">
+                <a:solidFill>
+                  <a:srgbClr val="000000"/>
+                </a:solidFill>
+                <a:latin typeface="Arial"/>
+                <a:ea typeface="DejaVu Sans"/>
+              </a:rPr>
+              <a:t>Exercise </a:t>
+            </a:r>
+            <a:endParaRPr b="0" lang="en-US" sz="1800" spc="-1" strike="noStrike">
+              <a:latin typeface="Arial"/>
+            </a:endParaRPr>
+          </a:p>
+          <a:p>
+            <a:pPr algn="ctr">
+              <a:lnSpc>
+                <a:spcPct val="100000"/>
+              </a:lnSpc>
+            </a:pPr>
+            <a:r>
+              <a:rPr b="0" lang="en-US" sz="1800" spc="-1" strike="noStrike">
+                <a:solidFill>
+                  <a:srgbClr val="000000"/>
+                </a:solidFill>
+                <a:latin typeface="Arial"/>
+                <a:ea typeface="DejaVu Sans"/>
+              </a:rPr>
+              <a:t>time!!!</a:t>
+            </a:r>
+            <a:endParaRPr b="0" lang="en-US" sz="1800" spc="-1" strike="noStrike">
+              <a:latin typeface="Arial"/>
+            </a:endParaRPr>
+          </a:p>
+        </p:txBody>
+      </p:sp>
     </p:spTree>
   </p:cSld>
   <p:timing>
@@ -5554,7 +7595,7 @@
         <p:spPr>
           <a:xfrm>
             <a:off x="720000" y="279720"/>
-            <a:ext cx="8854920" cy="1304280"/>
+            <a:ext cx="8854560" cy="1303920"/>
           </a:xfrm>
           <a:prstGeom prst="rect">
             <a:avLst/>
@@ -5603,7 +7644,7 @@
         <p:spPr>
           <a:xfrm>
             <a:off x="686880" y="1833120"/>
-            <a:ext cx="8639280" cy="4384080"/>
+            <a:ext cx="8638920" cy="4383720"/>
           </a:xfrm>
           <a:prstGeom prst="rect">
             <a:avLst/>
@@ -5622,7 +7663,7 @@
         <p:txBody>
           <a:bodyPr lIns="0" rIns="0" tIns="0" bIns="0"/>
           <a:p>
-            <a:pPr marL="432000" indent="-323280">
+            <a:pPr marL="432000" indent="-322920">
               <a:lnSpc>
                 <a:spcPct val="100000"/>
               </a:lnSpc>
@@ -5651,7 +7692,7 @@
             </a:endParaRPr>
           </a:p>
           <a:p>
-            <a:pPr marL="432000" indent="-323280">
+            <a:pPr marL="432000" indent="-322920">
               <a:lnSpc>
                 <a:spcPct val="100000"/>
               </a:lnSpc>
@@ -5703,7 +7744,7 @@
         <p:spPr>
           <a:xfrm>
             <a:off x="1097280" y="3108960"/>
-            <a:ext cx="7680240" cy="1005120"/>
+            <a:ext cx="7679880" cy="1004760"/>
           </a:xfrm>
           <a:prstGeom prst="rect">
             <a:avLst/>
@@ -5786,7 +7827,7 @@
         <p:spPr>
           <a:xfrm>
             <a:off x="457200" y="4450320"/>
-            <a:ext cx="9234720" cy="3602520"/>
+            <a:ext cx="9234360" cy="3602160"/>
           </a:xfrm>
           <a:prstGeom prst="rect">
             <a:avLst/>
@@ -6144,7 +8185,7 @@
         <p:spPr>
           <a:xfrm>
             <a:off x="720000" y="300960"/>
-            <a:ext cx="8854920" cy="1261800"/>
+            <a:ext cx="8854560" cy="1261440"/>
           </a:xfrm>
           <a:prstGeom prst="rect">
             <a:avLst/>
@@ -6203,7 +8244,7 @@
         <p:spPr>
           <a:xfrm>
             <a:off x="398880" y="1833120"/>
-            <a:ext cx="9736560" cy="4384080"/>
+            <a:ext cx="9736200" cy="4383720"/>
           </a:xfrm>
           <a:prstGeom prst="rect">
             <a:avLst/>
@@ -6222,7 +8263,7 @@
         <p:txBody>
           <a:bodyPr lIns="0" rIns="0" tIns="0" bIns="0"/>
           <a:p>
-            <a:pPr marL="432000" indent="-323280">
+            <a:pPr marL="432000" indent="-322920">
               <a:lnSpc>
                 <a:spcPct val="100000"/>
               </a:lnSpc>
@@ -6261,7 +8302,7 @@
             </a:endParaRPr>
           </a:p>
           <a:p>
-            <a:pPr lvl="1" marL="864000" indent="-323280">
+            <a:pPr lvl="1" marL="864000" indent="-322920">
               <a:lnSpc>
                 <a:spcPct val="100000"/>
               </a:lnSpc>
@@ -6290,7 +8331,7 @@
             </a:endParaRPr>
           </a:p>
           <a:p>
-            <a:pPr lvl="1" marL="864000" indent="-323280">
+            <a:pPr lvl="1" marL="864000" indent="-322920">
               <a:lnSpc>
                 <a:spcPct val="100000"/>
               </a:lnSpc>
@@ -6319,7 +8360,7 @@
             </a:endParaRPr>
           </a:p>
           <a:p>
-            <a:pPr lvl="1" marL="864000" indent="-323280">
+            <a:pPr lvl="1" marL="864000" indent="-322920">
               <a:lnSpc>
                 <a:spcPct val="100000"/>
               </a:lnSpc>
@@ -6400,7 +8441,7 @@
             </a:endParaRPr>
           </a:p>
           <a:p>
-            <a:pPr marL="432000" indent="-323280">
+            <a:pPr marL="432000" indent="-322920">
               <a:lnSpc>
                 <a:spcPct val="100000"/>
               </a:lnSpc>
@@ -6439,7 +8480,7 @@
         <p:spPr>
           <a:xfrm>
             <a:off x="792720" y="4203360"/>
-            <a:ext cx="8411760" cy="1005120"/>
+            <a:ext cx="8411400" cy="1004760"/>
           </a:xfrm>
           <a:prstGeom prst="rect">
             <a:avLst/>
@@ -6541,7 +8582,7 @@
         <p:spPr>
           <a:xfrm>
             <a:off x="720000" y="300960"/>
-            <a:ext cx="8854920" cy="1261800"/>
+            <a:ext cx="8854560" cy="1261440"/>
           </a:xfrm>
           <a:prstGeom prst="rect">
             <a:avLst/>
@@ -6590,7 +8631,7 @@
         <p:spPr>
           <a:xfrm>
             <a:off x="398880" y="1833120"/>
-            <a:ext cx="9736560" cy="4384080"/>
+            <a:ext cx="9736200" cy="4383720"/>
           </a:xfrm>
           <a:prstGeom prst="rect">
             <a:avLst/>
@@ -6609,7 +8650,7 @@
         <p:txBody>
           <a:bodyPr lIns="0" rIns="0" tIns="0" bIns="0"/>
           <a:p>
-            <a:pPr marL="432000" indent="-323280">
+            <a:pPr marL="432000" indent="-322920">
               <a:lnSpc>
                 <a:spcPct val="100000"/>
               </a:lnSpc>
@@ -6638,7 +8679,7 @@
             </a:endParaRPr>
           </a:p>
           <a:p>
-            <a:pPr marL="432000" indent="-323280">
+            <a:pPr marL="432000" indent="-322920">
               <a:lnSpc>
                 <a:spcPct val="100000"/>
               </a:lnSpc>
@@ -6667,7 +8708,7 @@
             </a:endParaRPr>
           </a:p>
           <a:p>
-            <a:pPr marL="432000" indent="-323280">
+            <a:pPr marL="432000" indent="-322920">
               <a:lnSpc>
                 <a:spcPct val="100000"/>
               </a:lnSpc>
@@ -6722,7 +8763,7 @@
             </a:endParaRPr>
           </a:p>
           <a:p>
-            <a:pPr marL="432000" indent="-323280">
+            <a:pPr marL="432000" indent="-322920">
               <a:lnSpc>
                 <a:spcPct val="100000"/>
               </a:lnSpc>
@@ -6751,7 +8792,7 @@
             </a:endParaRPr>
           </a:p>
           <a:p>
-            <a:pPr marL="432000" indent="-323280">
+            <a:pPr marL="432000" indent="-322920">
               <a:lnSpc>
                 <a:spcPct val="100000"/>
               </a:lnSpc>
@@ -6839,7 +8880,7 @@
         <p:spPr>
           <a:xfrm>
             <a:off x="720000" y="300960"/>
-            <a:ext cx="8854920" cy="1261800"/>
+            <a:ext cx="8854560" cy="1261440"/>
           </a:xfrm>
           <a:prstGeom prst="rect">
             <a:avLst/>
@@ -6888,7 +8929,7 @@
         <p:spPr>
           <a:xfrm>
             <a:off x="398880" y="1833120"/>
-            <a:ext cx="9736560" cy="4384080"/>
+            <a:ext cx="9736200" cy="4383720"/>
           </a:xfrm>
           <a:prstGeom prst="rect">
             <a:avLst/>
@@ -6920,7 +8961,7 @@
             </a:endParaRPr>
           </a:p>
           <a:p>
-            <a:pPr marL="432000" indent="-323280">
+            <a:pPr marL="432000" indent="-322920">
               <a:lnSpc>
                 <a:spcPct val="100000"/>
               </a:lnSpc>
@@ -6949,7 +8990,7 @@
             </a:endParaRPr>
           </a:p>
           <a:p>
-            <a:pPr marL="432000" indent="-323280">
+            <a:pPr marL="432000" indent="-322920">
               <a:lnSpc>
                 <a:spcPct val="100000"/>
               </a:lnSpc>
@@ -6991,7 +9032,7 @@
             </a:endParaRPr>
           </a:p>
           <a:p>
-            <a:pPr marL="432000" indent="-323280">
+            <a:pPr marL="432000" indent="-322920">
               <a:lnSpc>
                 <a:spcPct val="100000"/>
               </a:lnSpc>
@@ -7020,7 +9061,7 @@
             </a:endParaRPr>
           </a:p>
           <a:p>
-            <a:pPr marL="432000" indent="-323280">
+            <a:pPr marL="432000" indent="-322920">
               <a:lnSpc>
                 <a:spcPct val="100000"/>
               </a:lnSpc>
@@ -7072,7 +9113,7 @@
         <p:spPr>
           <a:xfrm>
             <a:off x="914400" y="5943600"/>
-            <a:ext cx="8411760" cy="1005120"/>
+            <a:ext cx="8411400" cy="1004760"/>
           </a:xfrm>
           <a:prstGeom prst="rect">
             <a:avLst/>
@@ -7155,7 +9196,7 @@
         <p:spPr>
           <a:xfrm>
             <a:off x="6977520" y="2734560"/>
-            <a:ext cx="2834280" cy="2468520"/>
+            <a:ext cx="2833920" cy="2468160"/>
           </a:xfrm>
           <a:custGeom>
             <a:avLst/>
